--- a/golang连接和组合的语言/Golang 连接和组合的语言.pptx
+++ b/golang连接和组合的语言/Golang 连接和组合的语言.pptx
@@ -237,7 +237,7 @@
           <a:p>
             <a:fld id="{B1C42D84-E911-4C39-845D-CFBE79462142}" type="datetimeFigureOut">
               <a:rPr lang="zh-CN" altLang="en-US" smtClean="0"/>
-              <a:t>14/12/14</a:t>
+              <a:t>14/12/16</a:t>
             </a:fld>
             <a:endParaRPr lang="zh-CN" altLang="en-US"/>
           </a:p>
@@ -549,6 +549,29 @@
           <a:bodyPr/>
           <a:lstStyle/>
           <a:p>
+            <a:r>
+              <a:rPr lang="zh-CN" altLang="en-US" dirty="0" smtClean="0"/>
+              <a:t>讲编程范式：</a:t>
+            </a:r>
+            <a:r>
+              <a:rPr lang="en-US" altLang="zh-CN" dirty="0" smtClean="0"/>
+              <a:t>  </a:t>
+            </a:r>
+            <a:r>
+              <a:rPr lang="zh-CN" altLang="en-US" dirty="0" smtClean="0"/>
+              <a:t>连接、</a:t>
+            </a:r>
+            <a:r>
+              <a:rPr lang="en-US" altLang="zh-CN" dirty="0" smtClean="0"/>
+              <a:t> </a:t>
+            </a:r>
+            <a:r>
+              <a:rPr lang="zh-CN" altLang="en-US" dirty="0" smtClean="0"/>
+              <a:t>组合</a:t>
+            </a:r>
+            <a:endParaRPr lang="en-US" altLang="zh-CN" dirty="0" smtClean="0"/>
+          </a:p>
+          <a:p>
             <a:endParaRPr lang="zh-CN" altLang="en-US" dirty="0"/>
           </a:p>
         </p:txBody>
@@ -608,7 +631,7 @@
       </p:grpSpPr>
       <p:sp>
         <p:nvSpPr>
-          <p:cNvPr id="2" name="幻灯片图像占位符 1"/>
+          <p:cNvPr id="2" name="Slide Image Placeholder 1"/>
           <p:cNvSpPr>
             <a:spLocks noGrp="1" noRot="1" noChangeAspect="1"/>
           </p:cNvSpPr>
@@ -620,7 +643,7 @@
       </p:sp>
       <p:sp>
         <p:nvSpPr>
-          <p:cNvPr id="3" name="备注占位符 2"/>
+          <p:cNvPr id="3" name="Notes Placeholder 2"/>
           <p:cNvSpPr>
             <a:spLocks noGrp="1"/>
           </p:cNvSpPr>
@@ -634,18 +657,65 @@
           <a:lstStyle/>
           <a:p>
             <a:r>
-              <a:rPr lang="en-US" altLang="zh-CN" dirty="0" smtClean="0">
-                <a:hlinkClick r:id="rId3"/>
-              </a:rPr>
-              <a:t>http://openwebx.org/docs/filter.html</a:t>
-            </a:r>
-            <a:endParaRPr lang="zh-CN" altLang="en-US" dirty="0"/>
-          </a:p>
-        </p:txBody>
-      </p:sp>
-      <p:sp>
-        <p:nvSpPr>
-          <p:cNvPr id="4" name="灯片编号占位符 3"/>
+              <a:rPr lang="zh-CN" altLang="en-US" dirty="0" smtClean="0"/>
+              <a:t>圆形、矩形</a:t>
+            </a:r>
+            <a:r>
+              <a:rPr lang="en-US" altLang="zh-CN" dirty="0" smtClean="0"/>
+              <a:t> </a:t>
+            </a:r>
+            <a:r>
+              <a:rPr lang="zh-CN" altLang="en-US" dirty="0" smtClean="0"/>
+              <a:t>都有计算面积的功能，</a:t>
+            </a:r>
+            <a:r>
+              <a:rPr lang="en-US" altLang="zh-CN" dirty="0" smtClean="0"/>
+              <a:t> </a:t>
+            </a:r>
+            <a:r>
+              <a:rPr lang="zh-CN" altLang="en-US" dirty="0" smtClean="0"/>
+              <a:t>所以抽象成一个接口。</a:t>
+            </a:r>
+            <a:endParaRPr lang="en-US" altLang="zh-CN" dirty="0" smtClean="0"/>
+          </a:p>
+          <a:p>
+            <a:r>
+              <a:rPr lang="zh-CN" altLang="en-US" dirty="0" smtClean="0"/>
+              <a:t>如何使用，</a:t>
+            </a:r>
+            <a:r>
+              <a:rPr lang="en-US" altLang="zh-CN" dirty="0" smtClean="0"/>
+              <a:t> </a:t>
+            </a:r>
+            <a:r>
+              <a:rPr lang="zh-CN" altLang="en-US" dirty="0" smtClean="0"/>
+              <a:t>可以把接口写出函数参数，</a:t>
+            </a:r>
+            <a:r>
+              <a:rPr lang="en-US" altLang="zh-CN" dirty="0" smtClean="0"/>
+              <a:t> </a:t>
+            </a:r>
+            <a:r>
+              <a:rPr lang="zh-CN" altLang="en-US" dirty="0" smtClean="0"/>
+              <a:t>也可以定义好一个接口做参数。</a:t>
+            </a:r>
+            <a:endParaRPr lang="en-US" altLang="zh-CN" dirty="0" smtClean="0"/>
+          </a:p>
+          <a:p>
+            <a:endParaRPr lang="en-US" dirty="0" smtClean="0"/>
+          </a:p>
+          <a:p>
+            <a:r>
+              <a:rPr lang="zh-CN" altLang="en-US" dirty="0" smtClean="0"/>
+              <a:t>计算所有图像的面积和</a:t>
+            </a:r>
+            <a:endParaRPr lang="en-US" dirty="0"/>
+          </a:p>
+        </p:txBody>
+      </p:sp>
+      <p:sp>
+        <p:nvSpPr>
+          <p:cNvPr id="4" name="Slide Number Placeholder 3"/>
           <p:cNvSpPr>
             <a:spLocks noGrp="1"/>
           </p:cNvSpPr>
@@ -660,7 +730,7 @@
           <a:p>
             <a:fld id="{347F8222-77C5-485F-ADD4-207BF1484453}" type="slidenum">
               <a:rPr lang="zh-CN" altLang="en-US" smtClean="0"/>
-              <a:t>26</a:t>
+              <a:t>13</a:t>
             </a:fld>
             <a:endParaRPr lang="zh-CN" altLang="en-US"/>
           </a:p>
@@ -669,7 +739,7 @@
     </p:spTree>
     <p:extLst>
       <p:ext uri="{BB962C8B-B14F-4D97-AF65-F5344CB8AC3E}">
-        <p14:creationId xmlns:p14="http://schemas.microsoft.com/office/powerpoint/2010/main" val="322032914"/>
+        <p14:creationId xmlns:p14="http://schemas.microsoft.com/office/powerpoint/2010/main" val="2905383089"/>
       </p:ext>
     </p:extLst>
   </p:cSld>
@@ -698,7 +768,7 @@
       </p:grpSpPr>
       <p:sp>
         <p:nvSpPr>
-          <p:cNvPr id="2" name="幻灯片图像占位符 1"/>
+          <p:cNvPr id="2" name="Slide Image Placeholder 1"/>
           <p:cNvSpPr>
             <a:spLocks noGrp="1" noRot="1" noChangeAspect="1"/>
           </p:cNvSpPr>
@@ -710,7 +780,7 @@
       </p:sp>
       <p:sp>
         <p:nvSpPr>
-          <p:cNvPr id="3" name="备注占位符 2"/>
+          <p:cNvPr id="3" name="Notes Placeholder 2"/>
           <p:cNvSpPr>
             <a:spLocks noGrp="1"/>
           </p:cNvSpPr>
@@ -724,45 +794,8 @@
           <a:lstStyle/>
           <a:p>
             <a:r>
-              <a:rPr lang="en-US" altLang="zh-CN" dirty="0" smtClean="0"/>
-              <a:t>C</a:t>
-            </a:r>
-            <a:r>
-              <a:rPr lang="zh-CN" altLang="en-US" dirty="0" smtClean="0"/>
-              <a:t>语言是纯过程式的， </a:t>
-            </a:r>
-            <a:r>
-              <a:rPr lang="en-US" altLang="zh-CN" dirty="0" smtClean="0"/>
-              <a:t>Java</a:t>
-            </a:r>
-            <a:r>
-              <a:rPr lang="zh-CN" altLang="en-US" dirty="0" smtClean="0"/>
-              <a:t>是激进的面向对象主义崇拜者，典型表现是不能容忍体系里存在孤立的函数。</a:t>
-            </a:r>
-            <a:endParaRPr lang="en-US" altLang="zh-CN" dirty="0" smtClean="0"/>
-          </a:p>
-          <a:p>
-            <a:r>
-              <a:rPr lang="zh-CN" altLang="en-US" dirty="0" smtClean="0"/>
-              <a:t>而</a:t>
-            </a:r>
-            <a:r>
-              <a:rPr lang="en-US" altLang="zh-CN" dirty="0" smtClean="0"/>
-              <a:t>Go</a:t>
-            </a:r>
-            <a:r>
-              <a:rPr lang="zh-CN" altLang="en-US" dirty="0" smtClean="0"/>
-              <a:t>语言没有去否定任何一方，而是用批判的眼光，将所有编程思想做了一次梳理，融合众家之长，但时刻警惕特性复杂化，极力维持语言特性的简洁，力求小而精。</a:t>
-            </a:r>
-            <a:endParaRPr lang="en-US" altLang="zh-CN" dirty="0" smtClean="0"/>
-          </a:p>
-          <a:p>
-            <a:endParaRPr lang="en-US" altLang="zh-CN" dirty="0" smtClean="0"/>
-          </a:p>
-          <a:p>
-            <a:r>
-              <a:rPr lang="en-US" altLang="zh-CN" dirty="0" err="1" smtClean="0"/>
-              <a:t>Erlang</a:t>
+              <a:rPr lang="zh-CN" altLang="en-US" dirty="0" smtClean="0"/>
+              <a:t>提前想好未来要用的</a:t>
             </a:r>
             <a:r>
               <a:rPr lang="en-US" altLang="zh-CN" dirty="0" smtClean="0"/>
@@ -770,17 +803,46 @@
             </a:r>
             <a:r>
               <a:rPr lang="zh-CN" altLang="en-US" dirty="0" smtClean="0"/>
-              <a:t>函数式编程语言。</a:t>
-            </a:r>
-          </a:p>
-          <a:p>
-            <a:endParaRPr lang="zh-CN" altLang="en-US" dirty="0"/>
-          </a:p>
-        </p:txBody>
-      </p:sp>
-      <p:sp>
-        <p:nvSpPr>
-          <p:cNvPr id="4" name="灯片编号占位符 3"/>
+              <a:t>接口，</a:t>
+            </a:r>
+            <a:r>
+              <a:rPr lang="en-US" altLang="zh-CN" dirty="0" smtClean="0"/>
+              <a:t> </a:t>
+            </a:r>
+            <a:r>
+              <a:rPr lang="zh-CN" altLang="en-US" dirty="0" smtClean="0"/>
+              <a:t>是一件疯狂的事情。</a:t>
+            </a:r>
+            <a:endParaRPr lang="en-US" altLang="zh-CN" dirty="0" smtClean="0"/>
+          </a:p>
+          <a:p>
+            <a:r>
+              <a:rPr lang="zh-CN" altLang="en-US" dirty="0" smtClean="0"/>
+              <a:t>所以</a:t>
+            </a:r>
+            <a:r>
+              <a:rPr lang="en-US" altLang="zh-CN" dirty="0" smtClean="0"/>
+              <a:t> </a:t>
+            </a:r>
+            <a:r>
+              <a:rPr lang="zh-CN" altLang="en-US" dirty="0" smtClean="0"/>
+              <a:t>非侵入式接口</a:t>
+            </a:r>
+            <a:r>
+              <a:rPr lang="en-US" altLang="zh-CN" dirty="0" smtClean="0"/>
+              <a:t> </a:t>
+            </a:r>
+            <a:r>
+              <a:rPr lang="zh-CN" altLang="en-US" dirty="0" smtClean="0"/>
+              <a:t>可以避免这事。</a:t>
+            </a:r>
+            <a:endParaRPr lang="en-US" dirty="0"/>
+          </a:p>
+        </p:txBody>
+      </p:sp>
+      <p:sp>
+        <p:nvSpPr>
+          <p:cNvPr id="4" name="Slide Number Placeholder 3"/>
           <p:cNvSpPr>
             <a:spLocks noGrp="1"/>
           </p:cNvSpPr>
@@ -795,7 +857,7 @@
           <a:p>
             <a:fld id="{347F8222-77C5-485F-ADD4-207BF1484453}" type="slidenum">
               <a:rPr lang="zh-CN" altLang="en-US" smtClean="0"/>
-              <a:t>31</a:t>
+              <a:t>14</a:t>
             </a:fld>
             <a:endParaRPr lang="zh-CN" altLang="en-US"/>
           </a:p>
@@ -804,7 +866,7 @@
     </p:spTree>
     <p:extLst>
       <p:ext uri="{BB962C8B-B14F-4D97-AF65-F5344CB8AC3E}">
-        <p14:creationId xmlns:p14="http://schemas.microsoft.com/office/powerpoint/2010/main" val="3578417803"/>
+        <p14:creationId xmlns:p14="http://schemas.microsoft.com/office/powerpoint/2010/main" val="438768453"/>
       </p:ext>
     </p:extLst>
   </p:cSld>
@@ -859,56 +921,136 @@
           <a:lstStyle/>
           <a:p>
             <a:r>
-              <a:rPr lang="en-US" altLang="zh-CN" dirty="0" smtClean="0">
-                <a:hlinkClick r:id="rId3"/>
-              </a:rPr>
-              <a:t>http://blog.csdn.net/holy_phoenix/article/details/492354</a:t>
-            </a:r>
-            <a:endParaRPr lang="en-US" altLang="zh-CN" dirty="0" smtClean="0"/>
-          </a:p>
-          <a:p>
-            <a:endParaRPr lang="en-US" altLang="zh-CN" dirty="0" smtClean="0"/>
-          </a:p>
-          <a:p>
-            <a:r>
-              <a:rPr lang="zh-CN" altLang="en-US" sz="1200" b="0" i="0" kern="1200" dirty="0" smtClean="0">
+              <a:rPr lang="zh-CN" altLang="en-US" sz="1200" b="0" i="0" u="none" strike="noStrike" kern="1200" baseline="0" dirty="0" smtClean="0">
                 <a:solidFill>
                   <a:schemeClr val="tx1"/>
                 </a:solidFill>
-                <a:effectLst/>
                 <a:latin typeface="+mn-lt"/>
                 <a:ea typeface="+mn-ea"/>
                 <a:cs typeface="+mn-cs"/>
               </a:rPr>
-              <a:t>对类的功能的扩展，要多用组合，少用继承。</a:t>
-            </a:r>
-            <a:endParaRPr lang="en-US" altLang="zh-CN" sz="1200" b="0" i="0" kern="1200" dirty="0" smtClean="0">
-              <a:solidFill>
-                <a:schemeClr val="tx1"/>
-              </a:solidFill>
-              <a:effectLst/>
-              <a:latin typeface="+mn-lt"/>
-              <a:ea typeface="+mn-ea"/>
-              <a:cs typeface="+mn-cs"/>
-            </a:endParaRPr>
-          </a:p>
-          <a:p>
-            <a:endParaRPr lang="en-US" altLang="zh-CN" sz="1200" b="0" i="0" kern="1200" dirty="0" smtClean="0">
-              <a:solidFill>
-                <a:schemeClr val="tx1"/>
-              </a:solidFill>
-              <a:effectLst/>
-              <a:latin typeface="+mn-lt"/>
-              <a:ea typeface="+mn-ea"/>
-              <a:cs typeface="+mn-cs"/>
-            </a:endParaRPr>
-          </a:p>
-          <a:p>
-            <a:r>
-              <a:rPr lang="en-US" altLang="zh-CN" dirty="0" smtClean="0">
-                <a:hlinkClick r:id="rId4"/>
+              <a:t>将一个 </a:t>
+            </a:r>
+            <a:r>
+              <a:rPr lang="en-US" altLang="zh-CN" sz="1200" b="0" i="0" u="none" strike="noStrike" kern="1200" baseline="0" dirty="0" smtClean="0">
+                <a:solidFill>
+                  <a:schemeClr val="tx1"/>
+                </a:solidFill>
+                <a:latin typeface="+mn-lt"/>
+                <a:ea typeface="+mn-ea"/>
+                <a:cs typeface="+mn-cs"/>
               </a:rPr>
-              <a:t>http://www.cnblogs.com/nuaalfm/archive/2010/04/23/1718453.html</a:t>
+              <a:t>app </a:t>
+            </a:r>
+            <a:r>
+              <a:rPr lang="zh-CN" altLang="en-US" sz="1200" b="0" i="0" u="none" strike="noStrike" kern="1200" baseline="0" dirty="0" smtClean="0">
+                <a:solidFill>
+                  <a:schemeClr val="tx1"/>
+                </a:solidFill>
+                <a:latin typeface="+mn-lt"/>
+                <a:ea typeface="+mn-ea"/>
+                <a:cs typeface="+mn-cs"/>
+              </a:rPr>
+              <a:t>的输出</a:t>
+            </a:r>
+            <a:r>
+              <a:rPr lang="en-US" altLang="zh-CN" sz="1200" b="0" i="0" u="none" strike="noStrike" kern="1200" baseline="0" dirty="0" smtClean="0">
+                <a:solidFill>
+                  <a:schemeClr val="tx1"/>
+                </a:solidFill>
+                <a:latin typeface="+mn-lt"/>
+                <a:ea typeface="+mn-ea"/>
+                <a:cs typeface="+mn-cs"/>
+              </a:rPr>
+              <a:t>(</a:t>
+            </a:r>
+            <a:r>
+              <a:rPr lang="en-US" altLang="zh-CN" sz="1200" b="0" i="0" u="none" strike="noStrike" kern="1200" baseline="0" dirty="0" err="1" smtClean="0">
+                <a:solidFill>
+                  <a:schemeClr val="tx1"/>
+                </a:solidFill>
+                <a:latin typeface="+mn-lt"/>
+                <a:ea typeface="+mn-ea"/>
+                <a:cs typeface="+mn-cs"/>
+              </a:rPr>
+              <a:t>stdout</a:t>
+            </a:r>
+            <a:r>
+              <a:rPr lang="en-US" altLang="zh-CN" sz="1200" b="0" i="0" u="none" strike="noStrike" kern="1200" baseline="0" dirty="0" smtClean="0">
+                <a:solidFill>
+                  <a:schemeClr val="tx1"/>
+                </a:solidFill>
+                <a:latin typeface="+mn-lt"/>
+                <a:ea typeface="+mn-ea"/>
+                <a:cs typeface="+mn-cs"/>
+              </a:rPr>
+              <a:t>) </a:t>
+            </a:r>
+            <a:r>
+              <a:rPr lang="zh-CN" altLang="en-US" sz="1200" b="0" i="0" u="none" strike="noStrike" kern="1200" baseline="0" dirty="0" smtClean="0">
+                <a:solidFill>
+                  <a:schemeClr val="tx1"/>
+                </a:solidFill>
+                <a:latin typeface="+mn-lt"/>
+                <a:ea typeface="+mn-ea"/>
+                <a:cs typeface="+mn-cs"/>
+              </a:rPr>
+              <a:t>转为另一个 </a:t>
+            </a:r>
+            <a:r>
+              <a:rPr lang="en-US" altLang="zh-CN" sz="1200" b="0" i="0" u="none" strike="noStrike" kern="1200" baseline="0" dirty="0" smtClean="0">
+                <a:solidFill>
+                  <a:schemeClr val="tx1"/>
+                </a:solidFill>
+                <a:latin typeface="+mn-lt"/>
+                <a:ea typeface="+mn-ea"/>
+                <a:cs typeface="+mn-cs"/>
+              </a:rPr>
+              <a:t>app </a:t>
+            </a:r>
+            <a:r>
+              <a:rPr lang="zh-CN" altLang="en-US" sz="1200" b="0" i="0" u="none" strike="noStrike" kern="1200" baseline="0" dirty="0" smtClean="0">
+                <a:solidFill>
+                  <a:schemeClr val="tx1"/>
+                </a:solidFill>
+                <a:latin typeface="+mn-lt"/>
+                <a:ea typeface="+mn-ea"/>
+                <a:cs typeface="+mn-cs"/>
+              </a:rPr>
+              <a:t>的输入 </a:t>
+            </a:r>
+            <a:r>
+              <a:rPr lang="en-US" altLang="zh-CN" sz="1200" b="0" i="0" u="none" strike="noStrike" kern="1200" baseline="0" dirty="0" smtClean="0">
+                <a:solidFill>
+                  <a:schemeClr val="tx1"/>
+                </a:solidFill>
+                <a:latin typeface="+mn-lt"/>
+                <a:ea typeface="+mn-ea"/>
+                <a:cs typeface="+mn-cs"/>
+              </a:rPr>
+              <a:t>(</a:t>
+            </a:r>
+            <a:r>
+              <a:rPr lang="en-US" altLang="zh-CN" sz="1200" b="0" i="0" u="none" strike="noStrike" kern="1200" baseline="0" dirty="0" err="1" smtClean="0">
+                <a:solidFill>
+                  <a:schemeClr val="tx1"/>
+                </a:solidFill>
+                <a:latin typeface="+mn-lt"/>
+                <a:ea typeface="+mn-ea"/>
+                <a:cs typeface="+mn-cs"/>
+              </a:rPr>
+              <a:t>stdin</a:t>
+            </a:r>
+            <a:r>
+              <a:rPr lang="en-US" altLang="zh-CN" sz="1200" b="0" i="0" u="none" strike="noStrike" kern="1200" baseline="0" dirty="0" smtClean="0">
+                <a:solidFill>
+                  <a:schemeClr val="tx1"/>
+                </a:solidFill>
+                <a:latin typeface="+mn-lt"/>
+                <a:ea typeface="+mn-ea"/>
+                <a:cs typeface="+mn-cs"/>
+              </a:rPr>
+              <a:t>)</a:t>
             </a:r>
             <a:endParaRPr lang="zh-CN" altLang="en-US" dirty="0"/>
           </a:p>
@@ -931,7 +1073,7 @@
           <a:p>
             <a:fld id="{347F8222-77C5-485F-ADD4-207BF1484453}" type="slidenum">
               <a:rPr lang="zh-CN" altLang="en-US" smtClean="0"/>
-              <a:t>33</a:t>
+              <a:t>16</a:t>
             </a:fld>
             <a:endParaRPr lang="zh-CN" altLang="en-US"/>
           </a:p>
@@ -940,7 +1082,7 @@
     </p:spTree>
     <p:extLst>
       <p:ext uri="{BB962C8B-B14F-4D97-AF65-F5344CB8AC3E}">
-        <p14:creationId xmlns:p14="http://schemas.microsoft.com/office/powerpoint/2010/main" val="3722912550"/>
+        <p14:creationId xmlns:p14="http://schemas.microsoft.com/office/powerpoint/2010/main" val="2506510876"/>
       </p:ext>
     </p:extLst>
   </p:cSld>
@@ -995,10 +1137,8 @@
           <a:lstStyle/>
           <a:p>
             <a:r>
-              <a:rPr lang="en-US" altLang="zh-CN" dirty="0" smtClean="0">
-                <a:hlinkClick r:id="rId3"/>
-              </a:rPr>
-              <a:t>http://blog.csdn.net/suncaishen/article/details/9388161</a:t>
+              <a:rPr lang="zh-CN" altLang="en-US" dirty="0" smtClean="0"/>
+              <a:t>全文检索，关键字分析的脚本。</a:t>
             </a:r>
             <a:endParaRPr lang="zh-CN" altLang="en-US" dirty="0"/>
           </a:p>
@@ -1021,7 +1161,7 @@
           <a:p>
             <a:fld id="{347F8222-77C5-485F-ADD4-207BF1484453}" type="slidenum">
               <a:rPr lang="zh-CN" altLang="en-US" smtClean="0"/>
-              <a:t>34</a:t>
+              <a:t>17</a:t>
             </a:fld>
             <a:endParaRPr lang="zh-CN" altLang="en-US"/>
           </a:p>
@@ -1030,7 +1170,7 @@
     </p:spTree>
     <p:extLst>
       <p:ext uri="{BB962C8B-B14F-4D97-AF65-F5344CB8AC3E}">
-        <p14:creationId xmlns:p14="http://schemas.microsoft.com/office/powerpoint/2010/main" val="401310536"/>
+        <p14:creationId xmlns:p14="http://schemas.microsoft.com/office/powerpoint/2010/main" val="2019754455"/>
       </p:ext>
     </p:extLst>
   </p:cSld>
@@ -1088,7 +1228,7 @@
               <a:rPr lang="en-US" altLang="zh-CN" dirty="0" smtClean="0">
                 <a:hlinkClick r:id="rId3"/>
               </a:rPr>
-              <a:t>http://www.alaiblog.com/golang/step-by-step-learning-type-of-compound-golang-golang.html</a:t>
+              <a:t>http://chenyufei.info/blog/2009-01-19/why-unix-pipe-is-a-good-thing/</a:t>
             </a:r>
             <a:endParaRPr lang="zh-CN" altLang="en-US" dirty="0"/>
           </a:p>
@@ -1111,7 +1251,7 @@
           <a:p>
             <a:fld id="{347F8222-77C5-485F-ADD4-207BF1484453}" type="slidenum">
               <a:rPr lang="zh-CN" altLang="en-US" smtClean="0"/>
-              <a:t>37</a:t>
+              <a:t>18</a:t>
             </a:fld>
             <a:endParaRPr lang="zh-CN" altLang="en-US"/>
           </a:p>
@@ -1120,7 +1260,7 @@
     </p:spTree>
     <p:extLst>
       <p:ext uri="{BB962C8B-B14F-4D97-AF65-F5344CB8AC3E}">
-        <p14:creationId xmlns:p14="http://schemas.microsoft.com/office/powerpoint/2010/main" val="3157509274"/>
+        <p14:creationId xmlns:p14="http://schemas.microsoft.com/office/powerpoint/2010/main" val="1560458780"/>
       </p:ext>
     </p:extLst>
   </p:cSld>
@@ -1149,7 +1289,7 @@
       </p:grpSpPr>
       <p:sp>
         <p:nvSpPr>
-          <p:cNvPr id="2" name="幻灯片图像占位符 1"/>
+          <p:cNvPr id="2" name="Slide Image Placeholder 1"/>
           <p:cNvSpPr>
             <a:spLocks noGrp="1" noRot="1" noChangeAspect="1"/>
           </p:cNvSpPr>
@@ -1161,7 +1301,7 @@
       </p:sp>
       <p:sp>
         <p:nvSpPr>
-          <p:cNvPr id="3" name="备注占位符 2"/>
+          <p:cNvPr id="3" name="Notes Placeholder 2"/>
           <p:cNvSpPr>
             <a:spLocks noGrp="1"/>
           </p:cNvSpPr>
@@ -1175,18 +1315,92 @@
           <a:lstStyle/>
           <a:p>
             <a:r>
-              <a:rPr lang="en-US" altLang="zh-CN" dirty="0" smtClean="0">
-                <a:hlinkClick r:id="rId3"/>
-              </a:rPr>
-              <a:t>https://github.com/polaris1119/The-Golang-Standard-Library-by-Example/blob/master/chapter01/01.1.md</a:t>
-            </a:r>
-            <a:endParaRPr lang="zh-CN" altLang="en-US" dirty="0"/>
-          </a:p>
-        </p:txBody>
-      </p:sp>
-      <p:sp>
-        <p:nvSpPr>
-          <p:cNvPr id="4" name="灯片编号占位符 3"/>
+              <a:rPr lang="zh-CN" altLang="en-US" dirty="0" smtClean="0"/>
+              <a:t>打包并压缩的代码实现。</a:t>
+            </a:r>
+            <a:r>
+              <a:rPr lang="en-US" altLang="zh-CN" dirty="0" smtClean="0"/>
+              <a:t/>
+            </a:r>
+            <a:br>
+              <a:rPr lang="en-US" altLang="zh-CN" dirty="0" smtClean="0"/>
+            </a:br>
+            <a:r>
+              <a:rPr lang="en-US" altLang="zh-CN" dirty="0" smtClean="0"/>
+              <a:t/>
+            </a:r>
+            <a:br>
+              <a:rPr lang="en-US" altLang="zh-CN" dirty="0" smtClean="0"/>
+            </a:br>
+            <a:r>
+              <a:rPr lang="zh-CN" altLang="en-US" dirty="0" smtClean="0"/>
+              <a:t>先看</a:t>
+            </a:r>
+            <a:r>
+              <a:rPr lang="en-US" altLang="zh-CN" dirty="0" smtClean="0"/>
+              <a:t> pipe </a:t>
+            </a:r>
+            <a:r>
+              <a:rPr lang="zh-CN" altLang="en-US" dirty="0" smtClean="0"/>
+              <a:t>的管道工作机制。</a:t>
+            </a:r>
+            <a:endParaRPr lang="en-US" altLang="zh-CN" dirty="0" smtClean="0"/>
+          </a:p>
+          <a:p>
+            <a:endParaRPr lang="en-US" dirty="0" smtClean="0"/>
+          </a:p>
+          <a:p>
+            <a:r>
+              <a:rPr lang="zh-CN" altLang="en-US" dirty="0" smtClean="0"/>
+              <a:t>这里的</a:t>
+            </a:r>
+            <a:r>
+              <a:rPr lang="en-US" altLang="zh-CN" dirty="0" smtClean="0"/>
+              <a:t> bind </a:t>
+            </a:r>
+            <a:r>
+              <a:rPr lang="zh-CN" altLang="en-US" dirty="0" smtClean="0"/>
+              <a:t>是</a:t>
+            </a:r>
+            <a:r>
+              <a:rPr lang="en-US" altLang="zh-CN" dirty="0" smtClean="0"/>
+              <a:t> </a:t>
+            </a:r>
+            <a:r>
+              <a:rPr lang="zh-CN" altLang="en-US" dirty="0" smtClean="0"/>
+              <a:t>为了</a:t>
+            </a:r>
+            <a:r>
+              <a:rPr lang="en-US" altLang="zh-CN" dirty="0" smtClean="0"/>
+              <a:t> </a:t>
+            </a:r>
+            <a:r>
+              <a:rPr lang="zh-CN" altLang="en-US" dirty="0" smtClean="0"/>
+              <a:t>把</a:t>
+            </a:r>
+            <a:r>
+              <a:rPr lang="en-US" altLang="zh-CN" dirty="0" smtClean="0"/>
+              <a:t> tar </a:t>
+            </a:r>
+            <a:r>
+              <a:rPr lang="zh-CN" altLang="en-US" dirty="0" smtClean="0"/>
+              <a:t>打包</a:t>
+            </a:r>
+            <a:r>
+              <a:rPr lang="en-US" altLang="zh-CN" dirty="0" smtClean="0"/>
+              <a:t> </a:t>
+            </a:r>
+            <a:r>
+              <a:rPr lang="zh-CN" altLang="en-US" dirty="0" smtClean="0"/>
+              <a:t>封装成标准的管道用工具</a:t>
+            </a:r>
+            <a:endParaRPr lang="en-US" dirty="0"/>
+          </a:p>
+        </p:txBody>
+      </p:sp>
+      <p:sp>
+        <p:nvSpPr>
+          <p:cNvPr id="4" name="Slide Number Placeholder 3"/>
           <p:cNvSpPr>
             <a:spLocks noGrp="1"/>
           </p:cNvSpPr>
@@ -1201,7 +1415,7 @@
           <a:p>
             <a:fld id="{347F8222-77C5-485F-ADD4-207BF1484453}" type="slidenum">
               <a:rPr lang="zh-CN" altLang="en-US" smtClean="0"/>
-              <a:t>38</a:t>
+              <a:t>21</a:t>
             </a:fld>
             <a:endParaRPr lang="zh-CN" altLang="en-US"/>
           </a:p>
@@ -1210,7 +1424,7 @@
     </p:spTree>
     <p:extLst>
       <p:ext uri="{BB962C8B-B14F-4D97-AF65-F5344CB8AC3E}">
-        <p14:creationId xmlns:p14="http://schemas.microsoft.com/office/powerpoint/2010/main" val="3171468035"/>
+        <p14:creationId xmlns:p14="http://schemas.microsoft.com/office/powerpoint/2010/main" val="1650073371"/>
       </p:ext>
     </p:extLst>
   </p:cSld>
@@ -1264,38 +1478,74 @@
           <a:bodyPr/>
           <a:lstStyle/>
           <a:p>
-            <a:r>
-              <a:rPr lang="en-US" altLang="zh-CN" dirty="0" smtClean="0"/>
-              <a:t>1</a:t>
-            </a:r>
-            <a:r>
-              <a:rPr lang="zh-CN" altLang="en-US" dirty="0" smtClean="0"/>
-              <a:t>、验证码 绘图 </a:t>
+            <a:pPr marL="0" marR="0" indent="0" algn="l" defTabSz="914400" rtl="0" eaLnBrk="1" fontAlgn="auto" latinLnBrk="0" hangingPunct="1">
+              <a:lnSpc>
+                <a:spcPct val="100000"/>
+              </a:lnSpc>
+              <a:spcBef>
+                <a:spcPts val="0"/>
+              </a:spcBef>
+              <a:spcAft>
+                <a:spcPts val="0"/>
+              </a:spcAft>
+              <a:buClrTx/>
+              <a:buSzTx/>
+              <a:buFontTx/>
+              <a:buNone/>
+              <a:tabLst/>
+              <a:defRPr/>
+            </a:pPr>
+            <a:r>
+              <a:rPr lang="zh-CN" altLang="en-US" sz="1200" b="0" i="0" kern="1200" dirty="0" smtClean="0">
+                <a:solidFill>
+                  <a:schemeClr val="tx1"/>
+                </a:solidFill>
+                <a:effectLst/>
+                <a:latin typeface="+mn-lt"/>
+                <a:ea typeface="+mn-ea"/>
+                <a:cs typeface="+mn-cs"/>
+              </a:rPr>
+              <a:t>子函数可以使用父函数中的局部变量，这种行为就叫做闭包！</a:t>
             </a:r>
             <a:endParaRPr lang="en-US" altLang="zh-CN" dirty="0" smtClean="0"/>
           </a:p>
           <a:p>
-            <a:r>
-              <a:rPr lang="en-US" altLang="zh-CN" dirty="0" smtClean="0"/>
-              <a:t>2</a:t>
-            </a:r>
-            <a:r>
-              <a:rPr lang="zh-CN" altLang="en-US" dirty="0" smtClean="0"/>
-              <a:t>、</a:t>
-            </a:r>
-            <a:endParaRPr lang="en-US" altLang="zh-CN" dirty="0" smtClean="0"/>
-          </a:p>
-          <a:p>
-            <a:endParaRPr lang="en-US" altLang="zh-CN" dirty="0" smtClean="0"/>
+            <a:endParaRPr lang="en-US" altLang="zh-CN" dirty="0" smtClean="0">
+              <a:hlinkClick r:id="rId3"/>
+            </a:endParaRPr>
           </a:p>
           <a:p>
             <a:r>
               <a:rPr lang="en-US" altLang="zh-CN" dirty="0" smtClean="0">
                 <a:hlinkClick r:id="rId3"/>
               </a:rPr>
-              <a:t>http://www.infoq.com/cn/articles/go-based-on-connection-combination-language-1</a:t>
+              <a:t>http</a:t>
+            </a:r>
+            <a:r>
+              <a:rPr lang="en-US" altLang="zh-CN" dirty="0" smtClean="0">
+                <a:hlinkClick r:id="rId3"/>
+              </a:rPr>
+              <a:t>://zh.wikipedia.org/wiki/%E6%9F%AF%E9%87%8C%E5%8C%96</a:t>
             </a:r>
             <a:endParaRPr lang="en-US" altLang="zh-CN" dirty="0" smtClean="0"/>
+          </a:p>
+          <a:p>
+            <a:endParaRPr lang="en-US" altLang="zh-CN" dirty="0" smtClean="0"/>
+          </a:p>
+          <a:p>
+            <a:r>
+              <a:rPr lang="en-US" altLang="zh-CN" dirty="0" smtClean="0">
+                <a:hlinkClick r:id="rId4"/>
+              </a:rPr>
+              <a:t>http://alanwu.iteye.com/blog/538866</a:t>
+            </a:r>
+            <a:endParaRPr lang="en-US" altLang="zh-CN" dirty="0" smtClean="0"/>
+          </a:p>
+          <a:p>
+            <a:endParaRPr lang="en-US" altLang="zh-CN" dirty="0" smtClean="0"/>
+          </a:p>
+          <a:p>
+            <a:endParaRPr lang="zh-CN" altLang="en-US" dirty="0"/>
           </a:p>
         </p:txBody>
       </p:sp>
@@ -1314,18 +1564,18 @@
           <a:bodyPr/>
           <a:lstStyle/>
           <a:p>
-            <a:fld id="{9E77C0C7-3AAD-424C-B2C1-35E46B9AB317}" type="slidenum">
-              <a:rPr lang="en-US" smtClean="0"/>
-              <a:t>43</a:t>
+            <a:fld id="{347F8222-77C5-485F-ADD4-207BF1484453}" type="slidenum">
+              <a:rPr lang="zh-CN" altLang="en-US" smtClean="0"/>
+              <a:t>22</a:t>
             </a:fld>
-            <a:endParaRPr lang="en-US"/>
+            <a:endParaRPr lang="zh-CN" altLang="en-US"/>
           </a:p>
         </p:txBody>
       </p:sp>
     </p:spTree>
     <p:extLst>
       <p:ext uri="{BB962C8B-B14F-4D97-AF65-F5344CB8AC3E}">
-        <p14:creationId xmlns:p14="http://schemas.microsoft.com/office/powerpoint/2010/main" val="3878612944"/>
+        <p14:creationId xmlns:p14="http://schemas.microsoft.com/office/powerpoint/2010/main" val="425464411"/>
       </p:ext>
     </p:extLst>
   </p:cSld>
@@ -1354,7 +1604,7 @@
       </p:grpSpPr>
       <p:sp>
         <p:nvSpPr>
-          <p:cNvPr id="2" name="幻灯片图像占位符 1"/>
+          <p:cNvPr id="2" name="Slide Image Placeholder 1"/>
           <p:cNvSpPr>
             <a:spLocks noGrp="1" noRot="1" noChangeAspect="1"/>
           </p:cNvSpPr>
@@ -1366,7 +1616,7 @@
       </p:sp>
       <p:sp>
         <p:nvSpPr>
-          <p:cNvPr id="3" name="备注占位符 2"/>
+          <p:cNvPr id="3" name="Notes Placeholder 2"/>
           <p:cNvSpPr>
             <a:spLocks noGrp="1"/>
           </p:cNvSpPr>
@@ -1379,67 +1629,13 @@
           <a:bodyPr/>
           <a:lstStyle/>
           <a:p>
-            <a:pPr marL="0" marR="0" indent="0" algn="l" defTabSz="457200" rtl="0" eaLnBrk="1" fontAlgn="auto" latinLnBrk="0" hangingPunct="1">
-              <a:lnSpc>
-                <a:spcPct val="100000"/>
-              </a:lnSpc>
-              <a:spcBef>
-                <a:spcPts val="0"/>
-              </a:spcBef>
-              <a:spcAft>
-                <a:spcPts val="0"/>
-              </a:spcAft>
-              <a:buClrTx/>
-              <a:buSzTx/>
-              <a:buFontTx/>
-              <a:buNone/>
-              <a:tabLst/>
-              <a:defRPr/>
-            </a:pPr>
-            <a:r>
-              <a:rPr lang="en-US" altLang="zh-CN" sz="1200" b="0" i="0" kern="1200" dirty="0" smtClean="0">
-                <a:solidFill>
-                  <a:schemeClr val="tx1"/>
-                </a:solidFill>
-                <a:effectLst/>
-                <a:latin typeface="+mn-lt"/>
-                <a:ea typeface="+mn-ea"/>
-                <a:cs typeface="+mn-cs"/>
-              </a:rPr>
-              <a:t>Go</a:t>
-            </a:r>
-            <a:r>
-              <a:rPr lang="zh-CN" altLang="en-US" sz="1200" b="0" i="0" kern="1200" dirty="0" smtClean="0">
-                <a:solidFill>
-                  <a:schemeClr val="tx1"/>
-                </a:solidFill>
-                <a:effectLst/>
-                <a:latin typeface="+mn-lt"/>
-                <a:ea typeface="+mn-ea"/>
-                <a:cs typeface="+mn-cs"/>
-              </a:rPr>
-              <a:t>在谷歌：以软件工程为目的的语言设计</a:t>
-            </a:r>
-          </a:p>
-          <a:p>
-            <a:endParaRPr lang="en-US" altLang="zh-CN" dirty="0" smtClean="0">
-              <a:hlinkClick r:id=""/>
-            </a:endParaRPr>
-          </a:p>
-          <a:p>
-            <a:r>
-              <a:rPr lang="en-US" altLang="zh-CN" dirty="0" smtClean="0">
-                <a:hlinkClick r:id=""/>
-              </a:rPr>
-              <a:t>http://www.oschina.net/translate/go-at-google-language-design-in-the-service-of-software-engineering</a:t>
-            </a:r>
-            <a:endParaRPr lang="zh-CN" altLang="en-US" dirty="0"/>
-          </a:p>
-        </p:txBody>
-      </p:sp>
-      <p:sp>
-        <p:nvSpPr>
-          <p:cNvPr id="4" name="灯片编号占位符 3"/>
+            <a:endParaRPr lang="en-US" dirty="0"/>
+          </a:p>
+        </p:txBody>
+      </p:sp>
+      <p:sp>
+        <p:nvSpPr>
+          <p:cNvPr id="4" name="Slide Number Placeholder 3"/>
           <p:cNvSpPr>
             <a:spLocks noGrp="1"/>
           </p:cNvSpPr>
@@ -1452,18 +1648,18 @@
           <a:bodyPr/>
           <a:lstStyle/>
           <a:p>
-            <a:fld id="{9E77C0C7-3AAD-424C-B2C1-35E46B9AB317}" type="slidenum">
-              <a:rPr lang="en-US" smtClean="0"/>
-              <a:t>44</a:t>
+            <a:fld id="{347F8222-77C5-485F-ADD4-207BF1484453}" type="slidenum">
+              <a:rPr lang="zh-CN" altLang="en-US" smtClean="0"/>
+              <a:t>23</a:t>
             </a:fld>
-            <a:endParaRPr lang="en-US"/>
+            <a:endParaRPr lang="zh-CN" altLang="en-US"/>
           </a:p>
         </p:txBody>
       </p:sp>
     </p:spTree>
     <p:extLst>
       <p:ext uri="{BB962C8B-B14F-4D97-AF65-F5344CB8AC3E}">
-        <p14:creationId xmlns:p14="http://schemas.microsoft.com/office/powerpoint/2010/main" val="479477906"/>
+        <p14:creationId xmlns:p14="http://schemas.microsoft.com/office/powerpoint/2010/main" val="569015451"/>
       </p:ext>
     </p:extLst>
   </p:cSld>
@@ -1492,7 +1688,7 @@
       </p:grpSpPr>
       <p:sp>
         <p:nvSpPr>
-          <p:cNvPr id="2" name="幻灯片图像占位符 1"/>
+          <p:cNvPr id="2" name="Slide Image Placeholder 1"/>
           <p:cNvSpPr>
             <a:spLocks noGrp="1" noRot="1" noChangeAspect="1"/>
           </p:cNvSpPr>
@@ -1504,7 +1700,7 @@
       </p:sp>
       <p:sp>
         <p:nvSpPr>
-          <p:cNvPr id="3" name="备注占位符 2"/>
+          <p:cNvPr id="3" name="Notes Placeholder 2"/>
           <p:cNvSpPr>
             <a:spLocks noGrp="1"/>
           </p:cNvSpPr>
@@ -1518,24 +1714,54 @@
           <a:lstStyle/>
           <a:p>
             <a:r>
-              <a:rPr lang="en-US" altLang="zh-CN" dirty="0" smtClean="0">
-                <a:hlinkClick r:id="rId3"/>
-              </a:rPr>
-              <a:t>http://www.zhihu.com/question/20584476</a:t>
+              <a:rPr lang="zh-CN" altLang="en-US" dirty="0" smtClean="0"/>
+              <a:t>管道支持多个项的方案。</a:t>
             </a:r>
             <a:endParaRPr lang="en-US" altLang="zh-CN" dirty="0" smtClean="0"/>
           </a:p>
           <a:p>
-            <a:endParaRPr lang="en-US" altLang="zh-CN" dirty="0" smtClean="0"/>
-          </a:p>
-          <a:p>
-            <a:endParaRPr lang="zh-CN" altLang="en-US" dirty="0"/>
-          </a:p>
-        </p:txBody>
-      </p:sp>
-      <p:sp>
-        <p:nvSpPr>
-          <p:cNvPr id="4" name="灯片编号占位符 3"/>
+            <a:endParaRPr lang="en-US" dirty="0" smtClean="0"/>
+          </a:p>
+          <a:p>
+            <a:r>
+              <a:rPr lang="zh-CN" altLang="en-US" dirty="0" smtClean="0"/>
+              <a:t>竖的每个是一个协程。</a:t>
+            </a:r>
+            <a:r>
+              <a:rPr lang="en-US" altLang="zh-CN" dirty="0" smtClean="0"/>
+              <a:t> </a:t>
+            </a:r>
+            <a:r>
+              <a:rPr lang="zh-CN" altLang="en-US" dirty="0" smtClean="0"/>
+              <a:t>这个图上没有画</a:t>
+            </a:r>
+            <a:r>
+              <a:rPr lang="en-US" altLang="zh-CN" dirty="0" smtClean="0"/>
+              <a:t> in </a:t>
+            </a:r>
+            <a:r>
+              <a:rPr lang="zh-CN" altLang="en-US" dirty="0" smtClean="0"/>
+              <a:t>和</a:t>
+            </a:r>
+            <a:r>
+              <a:rPr lang="en-US" altLang="zh-CN" dirty="0" smtClean="0"/>
+              <a:t>  out</a:t>
+            </a:r>
+            <a:r>
+              <a:rPr lang="zh-CN" altLang="en-US" dirty="0" smtClean="0"/>
+              <a:t>。</a:t>
+            </a:r>
+            <a:r>
+              <a:rPr lang="en-US" altLang="zh-CN" dirty="0" smtClean="0"/>
+              <a:t>  </a:t>
+            </a:r>
+            <a:endParaRPr lang="en-US" dirty="0"/>
+          </a:p>
+        </p:txBody>
+      </p:sp>
+      <p:sp>
+        <p:nvSpPr>
+          <p:cNvPr id="4" name="Slide Number Placeholder 3"/>
           <p:cNvSpPr>
             <a:spLocks noGrp="1"/>
           </p:cNvSpPr>
@@ -1548,9 +1774,9 @@
           <a:bodyPr/>
           <a:lstStyle/>
           <a:p>
-            <a:fld id="{3CC2566A-E84E-420E-B996-FBD9ED0A4505}" type="slidenum">
+            <a:fld id="{347F8222-77C5-485F-ADD4-207BF1484453}" type="slidenum">
               <a:rPr lang="zh-CN" altLang="en-US" smtClean="0"/>
-              <a:t>46</a:t>
+              <a:t>24</a:t>
             </a:fld>
             <a:endParaRPr lang="zh-CN" altLang="en-US"/>
           </a:p>
@@ -1559,7 +1785,164 @@
     </p:spTree>
     <p:extLst>
       <p:ext uri="{BB962C8B-B14F-4D97-AF65-F5344CB8AC3E}">
-        <p14:creationId xmlns:p14="http://schemas.microsoft.com/office/powerpoint/2010/main" val="858224146"/>
+        <p14:creationId xmlns:p14="http://schemas.microsoft.com/office/powerpoint/2010/main" val="2666323142"/>
+      </p:ext>
+    </p:extLst>
+  </p:cSld>
+  <p:clrMapOvr>
+    <a:masterClrMapping/>
+  </p:clrMapOvr>
+</p:notes>
+</file>
+
+<file path=ppt/notesSlides/notesSlide19.xml><?xml version="1.0" encoding="utf-8"?>
+<p:notes xmlns:a="http://schemas.openxmlformats.org/drawingml/2006/main" xmlns:r="http://schemas.openxmlformats.org/officeDocument/2006/relationships" xmlns:p="http://schemas.openxmlformats.org/presentationml/2006/main">
+  <p:cSld>
+    <p:spTree>
+      <p:nvGrpSpPr>
+        <p:cNvPr id="1" name=""/>
+        <p:cNvGrpSpPr/>
+        <p:nvPr/>
+      </p:nvGrpSpPr>
+      <p:grpSpPr>
+        <a:xfrm>
+          <a:off x="0" y="0"/>
+          <a:ext cx="0" cy="0"/>
+          <a:chOff x="0" y="0"/>
+          <a:chExt cx="0" cy="0"/>
+        </a:xfrm>
+      </p:grpSpPr>
+      <p:sp>
+        <p:nvSpPr>
+          <p:cNvPr id="2" name="Slide Image Placeholder 1"/>
+          <p:cNvSpPr>
+            <a:spLocks noGrp="1" noRot="1" noChangeAspect="1"/>
+          </p:cNvSpPr>
+          <p:nvPr>
+            <p:ph type="sldImg"/>
+          </p:nvPr>
+        </p:nvSpPr>
+        <p:spPr/>
+      </p:sp>
+      <p:sp>
+        <p:nvSpPr>
+          <p:cNvPr id="3" name="Notes Placeholder 2"/>
+          <p:cNvSpPr>
+            <a:spLocks noGrp="1"/>
+          </p:cNvSpPr>
+          <p:nvPr>
+            <p:ph type="body" idx="1"/>
+          </p:nvPr>
+        </p:nvSpPr>
+        <p:spPr/>
+        <p:txBody>
+          <a:bodyPr/>
+          <a:lstStyle/>
+          <a:p>
+            <a:r>
+              <a:rPr lang="en-US" altLang="zh-CN" dirty="0" smtClean="0"/>
+              <a:t>Filter </a:t>
+            </a:r>
+            <a:r>
+              <a:rPr lang="zh-CN" altLang="en-US" dirty="0" smtClean="0"/>
+              <a:t>跟</a:t>
+            </a:r>
+            <a:r>
+              <a:rPr lang="en-US" altLang="zh-CN" dirty="0" smtClean="0"/>
+              <a:t>  Pipeline </a:t>
+            </a:r>
+            <a:r>
+              <a:rPr lang="zh-CN" altLang="en-US" dirty="0" smtClean="0"/>
+              <a:t>的区别。</a:t>
+            </a:r>
+            <a:endParaRPr lang="en-US" altLang="zh-CN" dirty="0" smtClean="0"/>
+          </a:p>
+          <a:p>
+            <a:r>
+              <a:rPr lang="zh-CN" altLang="en-US" dirty="0" smtClean="0"/>
+              <a:t>思考</a:t>
+            </a:r>
+            <a:r>
+              <a:rPr lang="en-US" altLang="zh-CN" dirty="0" smtClean="0"/>
+              <a:t> </a:t>
+            </a:r>
+            <a:r>
+              <a:rPr lang="en-US" altLang="zh-CN" dirty="0" err="1" smtClean="0"/>
+              <a:t>Heka</a:t>
+            </a:r>
+            <a:r>
+              <a:rPr lang="zh-CN" altLang="en-US" dirty="0" smtClean="0"/>
+              <a:t>，</a:t>
+            </a:r>
+            <a:r>
+              <a:rPr lang="en-US" altLang="zh-CN" dirty="0" smtClean="0"/>
+              <a:t> </a:t>
+            </a:r>
+            <a:r>
+              <a:rPr lang="zh-CN" altLang="en-US" dirty="0" smtClean="0"/>
+              <a:t>为啥有个组件叫</a:t>
+            </a:r>
+            <a:r>
+              <a:rPr lang="en-US" altLang="zh-CN" dirty="0" smtClean="0"/>
+              <a:t> Filter</a:t>
+            </a:r>
+            <a:r>
+              <a:rPr lang="zh-CN" altLang="en-US" dirty="0" smtClean="0"/>
+              <a:t>，</a:t>
+            </a:r>
+            <a:r>
+              <a:rPr lang="en-US" altLang="zh-CN" dirty="0" smtClean="0"/>
+              <a:t> </a:t>
+            </a:r>
+            <a:r>
+              <a:rPr lang="zh-CN" altLang="en-US" dirty="0" smtClean="0"/>
+              <a:t>而不是</a:t>
+            </a:r>
+            <a:r>
+              <a:rPr lang="en-US" altLang="zh-CN" dirty="0" smtClean="0"/>
+              <a:t> Pipeline</a:t>
+            </a:r>
+          </a:p>
+          <a:p>
+            <a:r>
+              <a:rPr lang="en-US" altLang="zh-CN" dirty="0" smtClean="0"/>
+              <a:t>Filter </a:t>
+            </a:r>
+            <a:r>
+              <a:rPr lang="zh-CN" altLang="en-US" dirty="0" smtClean="0"/>
+              <a:t>有逻辑处理。</a:t>
+            </a:r>
+            <a:endParaRPr lang="en-US" dirty="0"/>
+          </a:p>
+        </p:txBody>
+      </p:sp>
+      <p:sp>
+        <p:nvSpPr>
+          <p:cNvPr id="4" name="Slide Number Placeholder 3"/>
+          <p:cNvSpPr>
+            <a:spLocks noGrp="1"/>
+          </p:cNvSpPr>
+          <p:nvPr>
+            <p:ph type="sldNum" sz="quarter" idx="10"/>
+          </p:nvPr>
+        </p:nvSpPr>
+        <p:spPr/>
+        <p:txBody>
+          <a:bodyPr/>
+          <a:lstStyle/>
+          <a:p>
+            <a:fld id="{347F8222-77C5-485F-ADD4-207BF1484453}" type="slidenum">
+              <a:rPr lang="zh-CN" altLang="en-US" smtClean="0"/>
+              <a:t>25</a:t>
+            </a:fld>
+            <a:endParaRPr lang="zh-CN" altLang="en-US"/>
+          </a:p>
+        </p:txBody>
+      </p:sp>
+    </p:spTree>
+    <p:extLst>
+      <p:ext uri="{BB962C8B-B14F-4D97-AF65-F5344CB8AC3E}">
+        <p14:creationId xmlns:p14="http://schemas.microsoft.com/office/powerpoint/2010/main" val="165921549"/>
       </p:ext>
     </p:extLst>
   </p:cSld>
@@ -1613,30 +1996,6 @@
           <a:bodyPr/>
           <a:lstStyle/>
           <a:p>
-            <a:r>
-              <a:rPr lang="en-US" altLang="zh-CN" dirty="0" smtClean="0">
-                <a:hlinkClick r:id="rId3"/>
-              </a:rPr>
-              <a:t>http://www.infoq.com/cn/articles/go-based-on-connection-combination-language-1</a:t>
-            </a:r>
-            <a:endParaRPr lang="en-US" altLang="zh-CN" dirty="0" smtClean="0"/>
-          </a:p>
-          <a:p>
-            <a:endParaRPr lang="en-US" altLang="zh-CN" dirty="0" smtClean="0"/>
-          </a:p>
-          <a:p>
-            <a:r>
-              <a:rPr lang="en-US" altLang="zh-CN" dirty="0" smtClean="0">
-                <a:hlinkClick r:id="rId4"/>
-              </a:rPr>
-              <a:t>http://www.nowamagic.net/academy/detail/1220210</a:t>
-            </a:r>
-            <a:endParaRPr lang="en-US" altLang="zh-CN" dirty="0" smtClean="0"/>
-          </a:p>
-          <a:p>
-            <a:endParaRPr lang="en-US" altLang="zh-CN" dirty="0" smtClean="0"/>
-          </a:p>
-          <a:p>
             <a:pPr fontAlgn="base"/>
             <a:r>
               <a:rPr lang="zh-CN" altLang="en-US" sz="1200" b="0" i="0" kern="1200" dirty="0" smtClean="0">
@@ -1648,18 +2007,8 @@
                 <a:ea typeface="+mn-ea"/>
                 <a:cs typeface="+mn-cs"/>
               </a:rPr>
-              <a:t>我们知道，编程是为了解决问题，而解决问题可以有多种视角和思路，其中普适且行之有效的模式被归结为范式。比如我们常用的“面向对象编程”就是一种范式。</a:t>
-            </a:r>
-          </a:p>
-          <a:p>
-            <a:pPr fontAlgn="base"/>
-            <a:r>
-              <a:rPr lang="zh-CN" altLang="en-US" dirty="0" smtClean="0"/>
-              <a:t/>
-            </a:r>
-            <a:br>
-              <a:rPr lang="zh-CN" altLang="en-US" dirty="0" smtClean="0"/>
-            </a:br>
+              <a:t>我们</a:t>
+            </a:r>
             <a:r>
               <a:rPr lang="zh-CN" altLang="en-US" sz="1200" b="0" i="0" kern="1200" dirty="0" smtClean="0">
                 <a:solidFill>
@@ -1670,8 +2019,59 @@
                 <a:ea typeface="+mn-ea"/>
                 <a:cs typeface="+mn-cs"/>
               </a:rPr>
-              <a:t>如果把一门编程语言比作兵器，它的语法、工具和技巧等是招法，它采用的编程范式则是心法。</a:t>
-            </a:r>
+              <a:t>知道，编程是为了解决问题，而解决问题可以有多种视角和思路，其中普适且行之有效的模式被归结为范式。比如我们常用的“面向对象编程”就是一种范式。</a:t>
+            </a:r>
+          </a:p>
+          <a:p>
+            <a:pPr fontAlgn="base"/>
+            <a:r>
+              <a:rPr lang="zh-CN" altLang="en-US" sz="1200" b="0" i="0" kern="1200" dirty="0" smtClean="0">
+                <a:solidFill>
+                  <a:schemeClr val="tx1"/>
+                </a:solidFill>
+                <a:effectLst/>
+                <a:latin typeface="+mn-lt"/>
+                <a:ea typeface="+mn-ea"/>
+                <a:cs typeface="+mn-cs"/>
+              </a:rPr>
+              <a:t>如果把一门编程语</a:t>
+            </a:r>
+            <a:r>
+              <a:rPr lang="zh-CN" altLang="en-US" sz="1200" b="0" i="0" kern="1200" dirty="0" smtClean="0">
+                <a:solidFill>
+                  <a:schemeClr val="tx1"/>
+                </a:solidFill>
+                <a:effectLst/>
+                <a:latin typeface="+mn-lt"/>
+                <a:ea typeface="+mn-ea"/>
+                <a:cs typeface="+mn-cs"/>
+              </a:rPr>
+              <a:t>言比作兵器，它的语法、工具和技巧等是招法，它采用的编程范式则是心法。</a:t>
+            </a:r>
+          </a:p>
+          <a:p>
+            <a:endParaRPr lang="en-US" altLang="zh-CN" dirty="0" smtClean="0"/>
+          </a:p>
+          <a:p>
+            <a:r>
+              <a:rPr lang="en-US" altLang="zh-CN" dirty="0" smtClean="0">
+                <a:hlinkClick r:id="rId3"/>
+              </a:rPr>
+              <a:t>http://www.infoq.com/cn/articles/go-based-on-connection-combination-language-1</a:t>
+            </a:r>
+            <a:endParaRPr lang="en-US" altLang="zh-CN" dirty="0" smtClean="0"/>
+          </a:p>
+          <a:p>
+            <a:endParaRPr lang="en-US" altLang="zh-CN" dirty="0" smtClean="0"/>
+          </a:p>
+          <a:p>
+            <a:r>
+              <a:rPr lang="en-US" altLang="zh-CN" dirty="0" smtClean="0">
+                <a:hlinkClick r:id="rId4"/>
+              </a:rPr>
+              <a:t>http://www.nowamagic.net/academy/detail/1220210</a:t>
+            </a:r>
+            <a:endParaRPr lang="en-US" altLang="zh-CN" dirty="0" smtClean="0"/>
           </a:p>
           <a:p>
             <a:endParaRPr lang="en-US" altLang="zh-CN" dirty="0" smtClean="0"/>
@@ -1724,6 +2124,1154 @@
     <p:extLst>
       <p:ext uri="{BB962C8B-B14F-4D97-AF65-F5344CB8AC3E}">
         <p14:creationId xmlns:p14="http://schemas.microsoft.com/office/powerpoint/2010/main" val="4027846333"/>
+      </p:ext>
+    </p:extLst>
+  </p:cSld>
+  <p:clrMapOvr>
+    <a:masterClrMapping/>
+  </p:clrMapOvr>
+</p:notes>
+</file>
+
+<file path=ppt/notesSlides/notesSlide20.xml><?xml version="1.0" encoding="utf-8"?>
+<p:notes xmlns:a="http://schemas.openxmlformats.org/drawingml/2006/main" xmlns:r="http://schemas.openxmlformats.org/officeDocument/2006/relationships" xmlns:p="http://schemas.openxmlformats.org/presentationml/2006/main">
+  <p:cSld>
+    <p:spTree>
+      <p:nvGrpSpPr>
+        <p:cNvPr id="1" name=""/>
+        <p:cNvGrpSpPr/>
+        <p:nvPr/>
+      </p:nvGrpSpPr>
+      <p:grpSpPr>
+        <a:xfrm>
+          <a:off x="0" y="0"/>
+          <a:ext cx="0" cy="0"/>
+          <a:chOff x="0" y="0"/>
+          <a:chExt cx="0" cy="0"/>
+        </a:xfrm>
+      </p:grpSpPr>
+      <p:sp>
+        <p:nvSpPr>
+          <p:cNvPr id="2" name="幻灯片图像占位符 1"/>
+          <p:cNvSpPr>
+            <a:spLocks noGrp="1" noRot="1" noChangeAspect="1"/>
+          </p:cNvSpPr>
+          <p:nvPr>
+            <p:ph type="sldImg"/>
+          </p:nvPr>
+        </p:nvSpPr>
+        <p:spPr/>
+      </p:sp>
+      <p:sp>
+        <p:nvSpPr>
+          <p:cNvPr id="3" name="备注占位符 2"/>
+          <p:cNvSpPr>
+            <a:spLocks noGrp="1"/>
+          </p:cNvSpPr>
+          <p:nvPr>
+            <p:ph type="body" idx="1"/>
+          </p:nvPr>
+        </p:nvSpPr>
+        <p:spPr/>
+        <p:txBody>
+          <a:bodyPr/>
+          <a:lstStyle/>
+          <a:p>
+            <a:r>
+              <a:rPr lang="en-US" altLang="zh-CN" dirty="0" smtClean="0"/>
+              <a:t>Filter </a:t>
+            </a:r>
+            <a:r>
+              <a:rPr lang="zh-CN" altLang="en-US" dirty="0" smtClean="0"/>
+              <a:t>函数嵌套，</a:t>
+            </a:r>
+            <a:r>
+              <a:rPr lang="en-US" altLang="zh-CN" dirty="0" smtClean="0"/>
+              <a:t>  </a:t>
+            </a:r>
+          </a:p>
+          <a:p>
+            <a:r>
+              <a:rPr lang="en-US" altLang="zh-CN" dirty="0" smtClean="0"/>
+              <a:t>Pipeline  </a:t>
+            </a:r>
+            <a:r>
+              <a:rPr lang="zh-CN" altLang="en-US" dirty="0" smtClean="0"/>
+              <a:t>并行的参数。</a:t>
+            </a:r>
+            <a:endParaRPr lang="en-US" altLang="zh-CN" dirty="0" smtClean="0"/>
+          </a:p>
+          <a:p>
+            <a:endParaRPr lang="en-US" altLang="zh-CN" dirty="0" smtClean="0"/>
+          </a:p>
+          <a:p>
+            <a:r>
+              <a:rPr lang="en-US" altLang="zh-CN" dirty="0" smtClean="0"/>
+              <a:t>http://</a:t>
+            </a:r>
+            <a:r>
+              <a:rPr lang="en-US" altLang="zh-CN" dirty="0" err="1" smtClean="0"/>
+              <a:t>openwebx.org</a:t>
+            </a:r>
+            <a:r>
+              <a:rPr lang="en-US" altLang="zh-CN" dirty="0" smtClean="0"/>
+              <a:t>/docs/</a:t>
+            </a:r>
+            <a:r>
+              <a:rPr lang="en-US" altLang="zh-CN" dirty="0" err="1" smtClean="0"/>
+              <a:t>filter.html</a:t>
+            </a:r>
+            <a:endParaRPr lang="zh-CN" altLang="en-US" dirty="0"/>
+          </a:p>
+        </p:txBody>
+      </p:sp>
+      <p:sp>
+        <p:nvSpPr>
+          <p:cNvPr id="4" name="灯片编号占位符 3"/>
+          <p:cNvSpPr>
+            <a:spLocks noGrp="1"/>
+          </p:cNvSpPr>
+          <p:nvPr>
+            <p:ph type="sldNum" sz="quarter" idx="10"/>
+          </p:nvPr>
+        </p:nvSpPr>
+        <p:spPr/>
+        <p:txBody>
+          <a:bodyPr/>
+          <a:lstStyle/>
+          <a:p>
+            <a:fld id="{347F8222-77C5-485F-ADD4-207BF1484453}" type="slidenum">
+              <a:rPr lang="zh-CN" altLang="en-US" smtClean="0"/>
+              <a:t>26</a:t>
+            </a:fld>
+            <a:endParaRPr lang="zh-CN" altLang="en-US"/>
+          </a:p>
+        </p:txBody>
+      </p:sp>
+    </p:spTree>
+    <p:extLst>
+      <p:ext uri="{BB962C8B-B14F-4D97-AF65-F5344CB8AC3E}">
+        <p14:creationId xmlns:p14="http://schemas.microsoft.com/office/powerpoint/2010/main" val="322032914"/>
+      </p:ext>
+    </p:extLst>
+  </p:cSld>
+  <p:clrMapOvr>
+    <a:masterClrMapping/>
+  </p:clrMapOvr>
+</p:notes>
+</file>
+
+<file path=ppt/notesSlides/notesSlide21.xml><?xml version="1.0" encoding="utf-8"?>
+<p:notes xmlns:a="http://schemas.openxmlformats.org/drawingml/2006/main" xmlns:r="http://schemas.openxmlformats.org/officeDocument/2006/relationships" xmlns:p="http://schemas.openxmlformats.org/presentationml/2006/main">
+  <p:cSld>
+    <p:spTree>
+      <p:nvGrpSpPr>
+        <p:cNvPr id="1" name=""/>
+        <p:cNvGrpSpPr/>
+        <p:nvPr/>
+      </p:nvGrpSpPr>
+      <p:grpSpPr>
+        <a:xfrm>
+          <a:off x="0" y="0"/>
+          <a:ext cx="0" cy="0"/>
+          <a:chOff x="0" y="0"/>
+          <a:chExt cx="0" cy="0"/>
+        </a:xfrm>
+      </p:grpSpPr>
+      <p:sp>
+        <p:nvSpPr>
+          <p:cNvPr id="2" name="Slide Image Placeholder 1"/>
+          <p:cNvSpPr>
+            <a:spLocks noGrp="1" noRot="1" noChangeAspect="1"/>
+          </p:cNvSpPr>
+          <p:nvPr>
+            <p:ph type="sldImg"/>
+          </p:nvPr>
+        </p:nvSpPr>
+        <p:spPr/>
+      </p:sp>
+      <p:sp>
+        <p:nvSpPr>
+          <p:cNvPr id="3" name="Notes Placeholder 2"/>
+          <p:cNvSpPr>
+            <a:spLocks noGrp="1"/>
+          </p:cNvSpPr>
+          <p:nvPr>
+            <p:ph type="body" idx="1"/>
+          </p:nvPr>
+        </p:nvSpPr>
+        <p:spPr/>
+        <p:txBody>
+          <a:bodyPr/>
+          <a:lstStyle/>
+          <a:p>
+            <a:endParaRPr lang="en-US" dirty="0"/>
+          </a:p>
+        </p:txBody>
+      </p:sp>
+      <p:sp>
+        <p:nvSpPr>
+          <p:cNvPr id="4" name="Slide Number Placeholder 3"/>
+          <p:cNvSpPr>
+            <a:spLocks noGrp="1"/>
+          </p:cNvSpPr>
+          <p:nvPr>
+            <p:ph type="sldNum" sz="quarter" idx="10"/>
+          </p:nvPr>
+        </p:nvSpPr>
+        <p:spPr/>
+        <p:txBody>
+          <a:bodyPr/>
+          <a:lstStyle/>
+          <a:p>
+            <a:fld id="{347F8222-77C5-485F-ADD4-207BF1484453}" type="slidenum">
+              <a:rPr lang="zh-CN" altLang="en-US" smtClean="0"/>
+              <a:t>27</a:t>
+            </a:fld>
+            <a:endParaRPr lang="zh-CN" altLang="en-US"/>
+          </a:p>
+        </p:txBody>
+      </p:sp>
+    </p:spTree>
+    <p:extLst>
+      <p:ext uri="{BB962C8B-B14F-4D97-AF65-F5344CB8AC3E}">
+        <p14:creationId xmlns:p14="http://schemas.microsoft.com/office/powerpoint/2010/main" val="2861595121"/>
+      </p:ext>
+    </p:extLst>
+  </p:cSld>
+  <p:clrMapOvr>
+    <a:masterClrMapping/>
+  </p:clrMapOvr>
+</p:notes>
+</file>
+
+<file path=ppt/notesSlides/notesSlide22.xml><?xml version="1.0" encoding="utf-8"?>
+<p:notes xmlns:a="http://schemas.openxmlformats.org/drawingml/2006/main" xmlns:r="http://schemas.openxmlformats.org/officeDocument/2006/relationships" xmlns:p="http://schemas.openxmlformats.org/presentationml/2006/main">
+  <p:cSld>
+    <p:spTree>
+      <p:nvGrpSpPr>
+        <p:cNvPr id="1" name=""/>
+        <p:cNvGrpSpPr/>
+        <p:nvPr/>
+      </p:nvGrpSpPr>
+      <p:grpSpPr>
+        <a:xfrm>
+          <a:off x="0" y="0"/>
+          <a:ext cx="0" cy="0"/>
+          <a:chOff x="0" y="0"/>
+          <a:chExt cx="0" cy="0"/>
+        </a:xfrm>
+      </p:grpSpPr>
+      <p:sp>
+        <p:nvSpPr>
+          <p:cNvPr id="2" name="Slide Image Placeholder 1"/>
+          <p:cNvSpPr>
+            <a:spLocks noGrp="1" noRot="1" noChangeAspect="1"/>
+          </p:cNvSpPr>
+          <p:nvPr>
+            <p:ph type="sldImg"/>
+          </p:nvPr>
+        </p:nvSpPr>
+        <p:spPr/>
+      </p:sp>
+      <p:sp>
+        <p:nvSpPr>
+          <p:cNvPr id="3" name="Notes Placeholder 2"/>
+          <p:cNvSpPr>
+            <a:spLocks noGrp="1"/>
+          </p:cNvSpPr>
+          <p:nvPr>
+            <p:ph type="body" idx="1"/>
+          </p:nvPr>
+        </p:nvSpPr>
+        <p:spPr/>
+        <p:txBody>
+          <a:bodyPr/>
+          <a:lstStyle/>
+          <a:p>
+            <a:r>
+              <a:rPr lang="zh-CN" altLang="en-US" dirty="0" smtClean="0"/>
+              <a:t>＋</a:t>
+            </a:r>
+            <a:r>
+              <a:rPr lang="en-US" altLang="zh-CN" dirty="0" smtClean="0"/>
+              <a:t> </a:t>
+            </a:r>
+            <a:r>
+              <a:rPr lang="zh-CN" altLang="en-US" dirty="0" smtClean="0"/>
+              <a:t>确保可以关闭文件写流。</a:t>
+            </a:r>
+            <a:endParaRPr lang="en-US" altLang="zh-CN" dirty="0" smtClean="0"/>
+          </a:p>
+          <a:p>
+            <a:endParaRPr lang="en-US" dirty="0" smtClean="0"/>
+          </a:p>
+          <a:p>
+            <a:r>
+              <a:rPr lang="zh-CN" altLang="en-US" dirty="0" smtClean="0"/>
+              <a:t>如果只有</a:t>
+            </a:r>
+            <a:r>
+              <a:rPr lang="en-US" altLang="zh-CN" dirty="0" smtClean="0"/>
+              <a:t>2</a:t>
+            </a:r>
+            <a:r>
+              <a:rPr lang="zh-CN" altLang="en-US" dirty="0" smtClean="0"/>
+              <a:t>步，</a:t>
+            </a:r>
+            <a:endParaRPr lang="en-US" altLang="zh-CN" dirty="0" smtClean="0"/>
+          </a:p>
+          <a:p>
+            <a:r>
+              <a:rPr lang="zh-CN" altLang="en-US" dirty="0" smtClean="0"/>
+              <a:t>跟上面的</a:t>
+            </a:r>
+            <a:r>
+              <a:rPr lang="en-US" altLang="zh-CN" dirty="0" smtClean="0"/>
+              <a:t> bind </a:t>
+            </a:r>
+            <a:r>
+              <a:rPr lang="zh-CN" altLang="en-US" dirty="0" smtClean="0"/>
+              <a:t>，</a:t>
+            </a:r>
+            <a:r>
+              <a:rPr lang="en-US" altLang="zh-CN" dirty="0" smtClean="0"/>
+              <a:t>filter </a:t>
+            </a:r>
+            <a:r>
+              <a:rPr lang="zh-CN" altLang="en-US" dirty="0" smtClean="0"/>
+              <a:t>没有关系。</a:t>
+            </a:r>
+            <a:endParaRPr lang="en-US" dirty="0" smtClean="0"/>
+          </a:p>
+          <a:p>
+            <a:endParaRPr lang="en-US" dirty="0" smtClean="0"/>
+          </a:p>
+          <a:p>
+            <a:r>
+              <a:rPr lang="en-US" altLang="zh-CN" dirty="0" smtClean="0"/>
+              <a:t>Filter </a:t>
+            </a:r>
+            <a:r>
+              <a:rPr lang="zh-CN" altLang="en-US" dirty="0" smtClean="0"/>
+              <a:t>返回的是</a:t>
+            </a:r>
+            <a:r>
+              <a:rPr lang="en-US" altLang="zh-CN" dirty="0" smtClean="0"/>
+              <a:t> </a:t>
+            </a:r>
+            <a:r>
+              <a:rPr lang="en-US" altLang="zh-CN" dirty="0" err="1" smtClean="0"/>
+              <a:t>io.Writer</a:t>
+            </a:r>
+            <a:r>
+              <a:rPr lang="en-US" altLang="zh-CN" dirty="0" smtClean="0"/>
+              <a:t>, </a:t>
+            </a:r>
+            <a:r>
+              <a:rPr lang="en-US" altLang="zh-CN" dirty="0" smtClean="0"/>
+              <a:t>Pipeline </a:t>
+            </a:r>
+            <a:r>
+              <a:rPr lang="zh-CN" altLang="en-US" dirty="0" smtClean="0"/>
+              <a:t>返回</a:t>
+            </a:r>
+            <a:r>
+              <a:rPr lang="en-US" altLang="zh-CN" dirty="0" smtClean="0"/>
+              <a:t> </a:t>
+            </a:r>
+            <a:r>
+              <a:rPr lang="zh-CN" altLang="en-US" dirty="0" smtClean="0"/>
+              <a:t>读和写。</a:t>
+            </a:r>
+            <a:endParaRPr lang="en-US" dirty="0"/>
+          </a:p>
+        </p:txBody>
+      </p:sp>
+      <p:sp>
+        <p:nvSpPr>
+          <p:cNvPr id="4" name="Slide Number Placeholder 3"/>
+          <p:cNvSpPr>
+            <a:spLocks noGrp="1"/>
+          </p:cNvSpPr>
+          <p:nvPr>
+            <p:ph type="sldNum" sz="quarter" idx="10"/>
+          </p:nvPr>
+        </p:nvSpPr>
+        <p:spPr/>
+        <p:txBody>
+          <a:bodyPr/>
+          <a:lstStyle/>
+          <a:p>
+            <a:fld id="{347F8222-77C5-485F-ADD4-207BF1484453}" type="slidenum">
+              <a:rPr lang="zh-CN" altLang="en-US" smtClean="0"/>
+              <a:t>28</a:t>
+            </a:fld>
+            <a:endParaRPr lang="zh-CN" altLang="en-US"/>
+          </a:p>
+        </p:txBody>
+      </p:sp>
+    </p:spTree>
+    <p:extLst>
+      <p:ext uri="{BB962C8B-B14F-4D97-AF65-F5344CB8AC3E}">
+        <p14:creationId xmlns:p14="http://schemas.microsoft.com/office/powerpoint/2010/main" val="3985609494"/>
+      </p:ext>
+    </p:extLst>
+  </p:cSld>
+  <p:clrMapOvr>
+    <a:masterClrMapping/>
+  </p:clrMapOvr>
+</p:notes>
+</file>
+
+<file path=ppt/notesSlides/notesSlide23.xml><?xml version="1.0" encoding="utf-8"?>
+<p:notes xmlns:a="http://schemas.openxmlformats.org/drawingml/2006/main" xmlns:r="http://schemas.openxmlformats.org/officeDocument/2006/relationships" xmlns:p="http://schemas.openxmlformats.org/presentationml/2006/main">
+  <p:cSld>
+    <p:spTree>
+      <p:nvGrpSpPr>
+        <p:cNvPr id="1" name=""/>
+        <p:cNvGrpSpPr/>
+        <p:nvPr/>
+      </p:nvGrpSpPr>
+      <p:grpSpPr>
+        <a:xfrm>
+          <a:off x="0" y="0"/>
+          <a:ext cx="0" cy="0"/>
+          <a:chOff x="0" y="0"/>
+          <a:chExt cx="0" cy="0"/>
+        </a:xfrm>
+      </p:grpSpPr>
+      <p:sp>
+        <p:nvSpPr>
+          <p:cNvPr id="2" name="幻灯片图像占位符 1"/>
+          <p:cNvSpPr>
+            <a:spLocks noGrp="1" noRot="1" noChangeAspect="1"/>
+          </p:cNvSpPr>
+          <p:nvPr>
+            <p:ph type="sldImg"/>
+          </p:nvPr>
+        </p:nvSpPr>
+        <p:spPr/>
+      </p:sp>
+      <p:sp>
+        <p:nvSpPr>
+          <p:cNvPr id="3" name="备注占位符 2"/>
+          <p:cNvSpPr>
+            <a:spLocks noGrp="1"/>
+          </p:cNvSpPr>
+          <p:nvPr>
+            <p:ph type="body" idx="1"/>
+          </p:nvPr>
+        </p:nvSpPr>
+        <p:spPr/>
+        <p:txBody>
+          <a:bodyPr/>
+          <a:lstStyle/>
+          <a:p>
+            <a:r>
+              <a:rPr lang="en-US" altLang="zh-CN" dirty="0" smtClean="0"/>
+              <a:t>C</a:t>
+            </a:r>
+            <a:r>
+              <a:rPr lang="zh-CN" altLang="en-US" dirty="0" smtClean="0"/>
+              <a:t>语言是纯过程式的， </a:t>
+            </a:r>
+            <a:r>
+              <a:rPr lang="en-US" altLang="zh-CN" dirty="0" smtClean="0"/>
+              <a:t>Java</a:t>
+            </a:r>
+            <a:r>
+              <a:rPr lang="zh-CN" altLang="en-US" dirty="0" smtClean="0"/>
+              <a:t>是激进的面向对象主义崇拜者，典型表现是不能容忍体系里存在孤立的函数。</a:t>
+            </a:r>
+            <a:endParaRPr lang="en-US" altLang="zh-CN" dirty="0" smtClean="0"/>
+          </a:p>
+          <a:p>
+            <a:r>
+              <a:rPr lang="zh-CN" altLang="en-US" dirty="0" smtClean="0"/>
+              <a:t>而</a:t>
+            </a:r>
+            <a:r>
+              <a:rPr lang="en-US" altLang="zh-CN" dirty="0" smtClean="0"/>
+              <a:t>Go</a:t>
+            </a:r>
+            <a:r>
+              <a:rPr lang="zh-CN" altLang="en-US" dirty="0" smtClean="0"/>
+              <a:t>语言没有去否定任何一方，而是用批判的眼光，将所有编程思想做了一次梳理，融合众家之长，但时刻警惕特性复杂化，极力维持语言特性的简洁，力求小而精。</a:t>
+            </a:r>
+            <a:endParaRPr lang="en-US" altLang="zh-CN" dirty="0" smtClean="0"/>
+          </a:p>
+          <a:p>
+            <a:endParaRPr lang="en-US" altLang="zh-CN" dirty="0" smtClean="0"/>
+          </a:p>
+          <a:p>
+            <a:r>
+              <a:rPr lang="en-US" altLang="zh-CN" dirty="0" err="1" smtClean="0"/>
+              <a:t>Erlang</a:t>
+            </a:r>
+            <a:r>
+              <a:rPr lang="en-US" altLang="zh-CN" dirty="0" smtClean="0"/>
+              <a:t> </a:t>
+            </a:r>
+            <a:r>
+              <a:rPr lang="zh-CN" altLang="en-US" dirty="0" smtClean="0"/>
+              <a:t>函数式编程语言。</a:t>
+            </a:r>
+          </a:p>
+          <a:p>
+            <a:endParaRPr lang="zh-CN" altLang="en-US" dirty="0"/>
+          </a:p>
+        </p:txBody>
+      </p:sp>
+      <p:sp>
+        <p:nvSpPr>
+          <p:cNvPr id="4" name="灯片编号占位符 3"/>
+          <p:cNvSpPr>
+            <a:spLocks noGrp="1"/>
+          </p:cNvSpPr>
+          <p:nvPr>
+            <p:ph type="sldNum" sz="quarter" idx="10"/>
+          </p:nvPr>
+        </p:nvSpPr>
+        <p:spPr/>
+        <p:txBody>
+          <a:bodyPr/>
+          <a:lstStyle/>
+          <a:p>
+            <a:fld id="{347F8222-77C5-485F-ADD4-207BF1484453}" type="slidenum">
+              <a:rPr lang="zh-CN" altLang="en-US" smtClean="0"/>
+              <a:t>31</a:t>
+            </a:fld>
+            <a:endParaRPr lang="zh-CN" altLang="en-US"/>
+          </a:p>
+        </p:txBody>
+      </p:sp>
+    </p:spTree>
+    <p:extLst>
+      <p:ext uri="{BB962C8B-B14F-4D97-AF65-F5344CB8AC3E}">
+        <p14:creationId xmlns:p14="http://schemas.microsoft.com/office/powerpoint/2010/main" val="3578417803"/>
+      </p:ext>
+    </p:extLst>
+  </p:cSld>
+  <p:clrMapOvr>
+    <a:masterClrMapping/>
+  </p:clrMapOvr>
+</p:notes>
+</file>
+
+<file path=ppt/notesSlides/notesSlide24.xml><?xml version="1.0" encoding="utf-8"?>
+<p:notes xmlns:a="http://schemas.openxmlformats.org/drawingml/2006/main" xmlns:r="http://schemas.openxmlformats.org/officeDocument/2006/relationships" xmlns:p="http://schemas.openxmlformats.org/presentationml/2006/main">
+  <p:cSld>
+    <p:spTree>
+      <p:nvGrpSpPr>
+        <p:cNvPr id="1" name=""/>
+        <p:cNvGrpSpPr/>
+        <p:nvPr/>
+      </p:nvGrpSpPr>
+      <p:grpSpPr>
+        <a:xfrm>
+          <a:off x="0" y="0"/>
+          <a:ext cx="0" cy="0"/>
+          <a:chOff x="0" y="0"/>
+          <a:chExt cx="0" cy="0"/>
+        </a:xfrm>
+      </p:grpSpPr>
+      <p:sp>
+        <p:nvSpPr>
+          <p:cNvPr id="2" name="幻灯片图像占位符 1"/>
+          <p:cNvSpPr>
+            <a:spLocks noGrp="1" noRot="1" noChangeAspect="1"/>
+          </p:cNvSpPr>
+          <p:nvPr>
+            <p:ph type="sldImg"/>
+          </p:nvPr>
+        </p:nvSpPr>
+        <p:spPr/>
+      </p:sp>
+      <p:sp>
+        <p:nvSpPr>
+          <p:cNvPr id="3" name="备注占位符 2"/>
+          <p:cNvSpPr>
+            <a:spLocks noGrp="1"/>
+          </p:cNvSpPr>
+          <p:nvPr>
+            <p:ph type="body" idx="1"/>
+          </p:nvPr>
+        </p:nvSpPr>
+        <p:spPr/>
+        <p:txBody>
+          <a:bodyPr/>
+          <a:lstStyle/>
+          <a:p>
+            <a:r>
+              <a:rPr lang="en-US" altLang="zh-CN" dirty="0" smtClean="0">
+                <a:hlinkClick r:id="rId3"/>
+              </a:rPr>
+              <a:t>http://blog.csdn.net/holy_phoenix/article/details/492354</a:t>
+            </a:r>
+            <a:endParaRPr lang="en-US" altLang="zh-CN" dirty="0" smtClean="0"/>
+          </a:p>
+          <a:p>
+            <a:endParaRPr lang="en-US" altLang="zh-CN" dirty="0" smtClean="0"/>
+          </a:p>
+          <a:p>
+            <a:r>
+              <a:rPr lang="zh-CN" altLang="en-US" sz="1200" b="0" i="0" kern="1200" dirty="0" smtClean="0">
+                <a:solidFill>
+                  <a:schemeClr val="tx1"/>
+                </a:solidFill>
+                <a:effectLst/>
+                <a:latin typeface="+mn-lt"/>
+                <a:ea typeface="+mn-ea"/>
+                <a:cs typeface="+mn-cs"/>
+              </a:rPr>
+              <a:t>对类的功能的扩展，要多用组合，少用继承。</a:t>
+            </a:r>
+            <a:endParaRPr lang="en-US" altLang="zh-CN" sz="1200" b="0" i="0" kern="1200" dirty="0" smtClean="0">
+              <a:solidFill>
+                <a:schemeClr val="tx1"/>
+              </a:solidFill>
+              <a:effectLst/>
+              <a:latin typeface="+mn-lt"/>
+              <a:ea typeface="+mn-ea"/>
+              <a:cs typeface="+mn-cs"/>
+            </a:endParaRPr>
+          </a:p>
+          <a:p>
+            <a:endParaRPr lang="en-US" altLang="zh-CN" sz="1200" b="0" i="0" kern="1200" dirty="0" smtClean="0">
+              <a:solidFill>
+                <a:schemeClr val="tx1"/>
+              </a:solidFill>
+              <a:effectLst/>
+              <a:latin typeface="+mn-lt"/>
+              <a:ea typeface="+mn-ea"/>
+              <a:cs typeface="+mn-cs"/>
+            </a:endParaRPr>
+          </a:p>
+          <a:p>
+            <a:r>
+              <a:rPr lang="en-US" altLang="zh-CN" dirty="0" smtClean="0">
+                <a:hlinkClick r:id="rId4"/>
+              </a:rPr>
+              <a:t>http://www.cnblogs.com/nuaalfm/archive/2010/04/23/1718453.html</a:t>
+            </a:r>
+            <a:endParaRPr lang="zh-CN" altLang="en-US" dirty="0"/>
+          </a:p>
+        </p:txBody>
+      </p:sp>
+      <p:sp>
+        <p:nvSpPr>
+          <p:cNvPr id="4" name="灯片编号占位符 3"/>
+          <p:cNvSpPr>
+            <a:spLocks noGrp="1"/>
+          </p:cNvSpPr>
+          <p:nvPr>
+            <p:ph type="sldNum" sz="quarter" idx="10"/>
+          </p:nvPr>
+        </p:nvSpPr>
+        <p:spPr/>
+        <p:txBody>
+          <a:bodyPr/>
+          <a:lstStyle/>
+          <a:p>
+            <a:fld id="{347F8222-77C5-485F-ADD4-207BF1484453}" type="slidenum">
+              <a:rPr lang="zh-CN" altLang="en-US" smtClean="0"/>
+              <a:t>33</a:t>
+            </a:fld>
+            <a:endParaRPr lang="zh-CN" altLang="en-US"/>
+          </a:p>
+        </p:txBody>
+      </p:sp>
+    </p:spTree>
+    <p:extLst>
+      <p:ext uri="{BB962C8B-B14F-4D97-AF65-F5344CB8AC3E}">
+        <p14:creationId xmlns:p14="http://schemas.microsoft.com/office/powerpoint/2010/main" val="3722912550"/>
+      </p:ext>
+    </p:extLst>
+  </p:cSld>
+  <p:clrMapOvr>
+    <a:masterClrMapping/>
+  </p:clrMapOvr>
+</p:notes>
+</file>
+
+<file path=ppt/notesSlides/notesSlide25.xml><?xml version="1.0" encoding="utf-8"?>
+<p:notes xmlns:a="http://schemas.openxmlformats.org/drawingml/2006/main" xmlns:r="http://schemas.openxmlformats.org/officeDocument/2006/relationships" xmlns:p="http://schemas.openxmlformats.org/presentationml/2006/main">
+  <p:cSld>
+    <p:spTree>
+      <p:nvGrpSpPr>
+        <p:cNvPr id="1" name=""/>
+        <p:cNvGrpSpPr/>
+        <p:nvPr/>
+      </p:nvGrpSpPr>
+      <p:grpSpPr>
+        <a:xfrm>
+          <a:off x="0" y="0"/>
+          <a:ext cx="0" cy="0"/>
+          <a:chOff x="0" y="0"/>
+          <a:chExt cx="0" cy="0"/>
+        </a:xfrm>
+      </p:grpSpPr>
+      <p:sp>
+        <p:nvSpPr>
+          <p:cNvPr id="2" name="幻灯片图像占位符 1"/>
+          <p:cNvSpPr>
+            <a:spLocks noGrp="1" noRot="1" noChangeAspect="1"/>
+          </p:cNvSpPr>
+          <p:nvPr>
+            <p:ph type="sldImg"/>
+          </p:nvPr>
+        </p:nvSpPr>
+        <p:spPr/>
+      </p:sp>
+      <p:sp>
+        <p:nvSpPr>
+          <p:cNvPr id="3" name="备注占位符 2"/>
+          <p:cNvSpPr>
+            <a:spLocks noGrp="1"/>
+          </p:cNvSpPr>
+          <p:nvPr>
+            <p:ph type="body" idx="1"/>
+          </p:nvPr>
+        </p:nvSpPr>
+        <p:spPr/>
+        <p:txBody>
+          <a:bodyPr/>
+          <a:lstStyle/>
+          <a:p>
+            <a:r>
+              <a:rPr lang="en-US" altLang="zh-CN" dirty="0" smtClean="0">
+                <a:hlinkClick r:id="rId3"/>
+              </a:rPr>
+              <a:t>http://blog.csdn.net/suncaishen/article/details/9388161</a:t>
+            </a:r>
+            <a:endParaRPr lang="zh-CN" altLang="en-US" dirty="0"/>
+          </a:p>
+        </p:txBody>
+      </p:sp>
+      <p:sp>
+        <p:nvSpPr>
+          <p:cNvPr id="4" name="灯片编号占位符 3"/>
+          <p:cNvSpPr>
+            <a:spLocks noGrp="1"/>
+          </p:cNvSpPr>
+          <p:nvPr>
+            <p:ph type="sldNum" sz="quarter" idx="10"/>
+          </p:nvPr>
+        </p:nvSpPr>
+        <p:spPr/>
+        <p:txBody>
+          <a:bodyPr/>
+          <a:lstStyle/>
+          <a:p>
+            <a:fld id="{347F8222-77C5-485F-ADD4-207BF1484453}" type="slidenum">
+              <a:rPr lang="zh-CN" altLang="en-US" smtClean="0"/>
+              <a:t>34</a:t>
+            </a:fld>
+            <a:endParaRPr lang="zh-CN" altLang="en-US"/>
+          </a:p>
+        </p:txBody>
+      </p:sp>
+    </p:spTree>
+    <p:extLst>
+      <p:ext uri="{BB962C8B-B14F-4D97-AF65-F5344CB8AC3E}">
+        <p14:creationId xmlns:p14="http://schemas.microsoft.com/office/powerpoint/2010/main" val="401310536"/>
+      </p:ext>
+    </p:extLst>
+  </p:cSld>
+  <p:clrMapOvr>
+    <a:masterClrMapping/>
+  </p:clrMapOvr>
+</p:notes>
+</file>
+
+<file path=ppt/notesSlides/notesSlide26.xml><?xml version="1.0" encoding="utf-8"?>
+<p:notes xmlns:a="http://schemas.openxmlformats.org/drawingml/2006/main" xmlns:r="http://schemas.openxmlformats.org/officeDocument/2006/relationships" xmlns:p="http://schemas.openxmlformats.org/presentationml/2006/main">
+  <p:cSld>
+    <p:spTree>
+      <p:nvGrpSpPr>
+        <p:cNvPr id="1" name=""/>
+        <p:cNvGrpSpPr/>
+        <p:nvPr/>
+      </p:nvGrpSpPr>
+      <p:grpSpPr>
+        <a:xfrm>
+          <a:off x="0" y="0"/>
+          <a:ext cx="0" cy="0"/>
+          <a:chOff x="0" y="0"/>
+          <a:chExt cx="0" cy="0"/>
+        </a:xfrm>
+      </p:grpSpPr>
+      <p:sp>
+        <p:nvSpPr>
+          <p:cNvPr id="2" name="Slide Image Placeholder 1"/>
+          <p:cNvSpPr>
+            <a:spLocks noGrp="1" noRot="1" noChangeAspect="1"/>
+          </p:cNvSpPr>
+          <p:nvPr>
+            <p:ph type="sldImg"/>
+          </p:nvPr>
+        </p:nvSpPr>
+        <p:spPr/>
+      </p:sp>
+      <p:sp>
+        <p:nvSpPr>
+          <p:cNvPr id="3" name="Notes Placeholder 2"/>
+          <p:cNvSpPr>
+            <a:spLocks noGrp="1"/>
+          </p:cNvSpPr>
+          <p:nvPr>
+            <p:ph type="body" idx="1"/>
+          </p:nvPr>
+        </p:nvSpPr>
+        <p:spPr/>
+        <p:txBody>
+          <a:bodyPr/>
+          <a:lstStyle/>
+          <a:p>
+            <a:endParaRPr lang="en-US" dirty="0"/>
+          </a:p>
+        </p:txBody>
+      </p:sp>
+      <p:sp>
+        <p:nvSpPr>
+          <p:cNvPr id="4" name="Slide Number Placeholder 3"/>
+          <p:cNvSpPr>
+            <a:spLocks noGrp="1"/>
+          </p:cNvSpPr>
+          <p:nvPr>
+            <p:ph type="sldNum" sz="quarter" idx="10"/>
+          </p:nvPr>
+        </p:nvSpPr>
+        <p:spPr/>
+        <p:txBody>
+          <a:bodyPr/>
+          <a:lstStyle/>
+          <a:p>
+            <a:fld id="{347F8222-77C5-485F-ADD4-207BF1484453}" type="slidenum">
+              <a:rPr lang="zh-CN" altLang="en-US" smtClean="0"/>
+              <a:t>35</a:t>
+            </a:fld>
+            <a:endParaRPr lang="zh-CN" altLang="en-US"/>
+          </a:p>
+        </p:txBody>
+      </p:sp>
+    </p:spTree>
+    <p:extLst>
+      <p:ext uri="{BB962C8B-B14F-4D97-AF65-F5344CB8AC3E}">
+        <p14:creationId xmlns:p14="http://schemas.microsoft.com/office/powerpoint/2010/main" val="660795959"/>
+      </p:ext>
+    </p:extLst>
+  </p:cSld>
+  <p:clrMapOvr>
+    <a:masterClrMapping/>
+  </p:clrMapOvr>
+</p:notes>
+</file>
+
+<file path=ppt/notesSlides/notesSlide27.xml><?xml version="1.0" encoding="utf-8"?>
+<p:notes xmlns:a="http://schemas.openxmlformats.org/drawingml/2006/main" xmlns:r="http://schemas.openxmlformats.org/officeDocument/2006/relationships" xmlns:p="http://schemas.openxmlformats.org/presentationml/2006/main">
+  <p:cSld>
+    <p:spTree>
+      <p:nvGrpSpPr>
+        <p:cNvPr id="1" name=""/>
+        <p:cNvGrpSpPr/>
+        <p:nvPr/>
+      </p:nvGrpSpPr>
+      <p:grpSpPr>
+        <a:xfrm>
+          <a:off x="0" y="0"/>
+          <a:ext cx="0" cy="0"/>
+          <a:chOff x="0" y="0"/>
+          <a:chExt cx="0" cy="0"/>
+        </a:xfrm>
+      </p:grpSpPr>
+      <p:sp>
+        <p:nvSpPr>
+          <p:cNvPr id="2" name="幻灯片图像占位符 1"/>
+          <p:cNvSpPr>
+            <a:spLocks noGrp="1" noRot="1" noChangeAspect="1"/>
+          </p:cNvSpPr>
+          <p:nvPr>
+            <p:ph type="sldImg"/>
+          </p:nvPr>
+        </p:nvSpPr>
+        <p:spPr/>
+      </p:sp>
+      <p:sp>
+        <p:nvSpPr>
+          <p:cNvPr id="3" name="备注占位符 2"/>
+          <p:cNvSpPr>
+            <a:spLocks noGrp="1"/>
+          </p:cNvSpPr>
+          <p:nvPr>
+            <p:ph type="body" idx="1"/>
+          </p:nvPr>
+        </p:nvSpPr>
+        <p:spPr/>
+        <p:txBody>
+          <a:bodyPr/>
+          <a:lstStyle/>
+          <a:p>
+            <a:r>
+              <a:rPr lang="en-US" altLang="zh-CN" dirty="0" smtClean="0">
+                <a:hlinkClick r:id="rId3"/>
+              </a:rPr>
+              <a:t>http://www.alaiblog.com/golang/step-by-step-learning-type-of-compound-golang-golang.html</a:t>
+            </a:r>
+            <a:endParaRPr lang="zh-CN" altLang="en-US" dirty="0"/>
+          </a:p>
+        </p:txBody>
+      </p:sp>
+      <p:sp>
+        <p:nvSpPr>
+          <p:cNvPr id="4" name="灯片编号占位符 3"/>
+          <p:cNvSpPr>
+            <a:spLocks noGrp="1"/>
+          </p:cNvSpPr>
+          <p:nvPr>
+            <p:ph type="sldNum" sz="quarter" idx="10"/>
+          </p:nvPr>
+        </p:nvSpPr>
+        <p:spPr/>
+        <p:txBody>
+          <a:bodyPr/>
+          <a:lstStyle/>
+          <a:p>
+            <a:fld id="{347F8222-77C5-485F-ADD4-207BF1484453}" type="slidenum">
+              <a:rPr lang="zh-CN" altLang="en-US" smtClean="0"/>
+              <a:t>37</a:t>
+            </a:fld>
+            <a:endParaRPr lang="zh-CN" altLang="en-US"/>
+          </a:p>
+        </p:txBody>
+      </p:sp>
+    </p:spTree>
+    <p:extLst>
+      <p:ext uri="{BB962C8B-B14F-4D97-AF65-F5344CB8AC3E}">
+        <p14:creationId xmlns:p14="http://schemas.microsoft.com/office/powerpoint/2010/main" val="3157509274"/>
+      </p:ext>
+    </p:extLst>
+  </p:cSld>
+  <p:clrMapOvr>
+    <a:masterClrMapping/>
+  </p:clrMapOvr>
+</p:notes>
+</file>
+
+<file path=ppt/notesSlides/notesSlide28.xml><?xml version="1.0" encoding="utf-8"?>
+<p:notes xmlns:a="http://schemas.openxmlformats.org/drawingml/2006/main" xmlns:r="http://schemas.openxmlformats.org/officeDocument/2006/relationships" xmlns:p="http://schemas.openxmlformats.org/presentationml/2006/main">
+  <p:cSld>
+    <p:spTree>
+      <p:nvGrpSpPr>
+        <p:cNvPr id="1" name=""/>
+        <p:cNvGrpSpPr/>
+        <p:nvPr/>
+      </p:nvGrpSpPr>
+      <p:grpSpPr>
+        <a:xfrm>
+          <a:off x="0" y="0"/>
+          <a:ext cx="0" cy="0"/>
+          <a:chOff x="0" y="0"/>
+          <a:chExt cx="0" cy="0"/>
+        </a:xfrm>
+      </p:grpSpPr>
+      <p:sp>
+        <p:nvSpPr>
+          <p:cNvPr id="2" name="幻灯片图像占位符 1"/>
+          <p:cNvSpPr>
+            <a:spLocks noGrp="1" noRot="1" noChangeAspect="1"/>
+          </p:cNvSpPr>
+          <p:nvPr>
+            <p:ph type="sldImg"/>
+          </p:nvPr>
+        </p:nvSpPr>
+        <p:spPr/>
+      </p:sp>
+      <p:sp>
+        <p:nvSpPr>
+          <p:cNvPr id="3" name="备注占位符 2"/>
+          <p:cNvSpPr>
+            <a:spLocks noGrp="1"/>
+          </p:cNvSpPr>
+          <p:nvPr>
+            <p:ph type="body" idx="1"/>
+          </p:nvPr>
+        </p:nvSpPr>
+        <p:spPr/>
+        <p:txBody>
+          <a:bodyPr/>
+          <a:lstStyle/>
+          <a:p>
+            <a:r>
+              <a:rPr lang="zh-CN" altLang="en-US" dirty="0" smtClean="0"/>
+              <a:t>读取并关闭</a:t>
+            </a:r>
+            <a:endParaRPr lang="en-US" altLang="zh-CN" dirty="0" smtClean="0"/>
+          </a:p>
+          <a:p>
+            <a:endParaRPr lang="en-US" altLang="zh-CN" dirty="0" smtClean="0"/>
+          </a:p>
+          <a:p>
+            <a:r>
+              <a:rPr lang="en-US" altLang="zh-CN" dirty="0" smtClean="0"/>
+              <a:t>https://</a:t>
+            </a:r>
+            <a:r>
+              <a:rPr lang="en-US" altLang="zh-CN" dirty="0" err="1" smtClean="0"/>
+              <a:t>github.com</a:t>
+            </a:r>
+            <a:r>
+              <a:rPr lang="en-US" altLang="zh-CN" dirty="0" smtClean="0"/>
+              <a:t>/polaris1119/The-</a:t>
+            </a:r>
+            <a:r>
+              <a:rPr lang="en-US" altLang="zh-CN" dirty="0" err="1" smtClean="0"/>
+              <a:t>Golang</a:t>
+            </a:r>
+            <a:r>
+              <a:rPr lang="en-US" altLang="zh-CN" dirty="0" smtClean="0"/>
+              <a:t>-Standard-Library-by-Example/blob/master/chapter01/01.1.md</a:t>
+            </a:r>
+          </a:p>
+          <a:p>
+            <a:endParaRPr lang="zh-CN" altLang="en-US" dirty="0"/>
+          </a:p>
+        </p:txBody>
+      </p:sp>
+      <p:sp>
+        <p:nvSpPr>
+          <p:cNvPr id="4" name="灯片编号占位符 3"/>
+          <p:cNvSpPr>
+            <a:spLocks noGrp="1"/>
+          </p:cNvSpPr>
+          <p:nvPr>
+            <p:ph type="sldNum" sz="quarter" idx="10"/>
+          </p:nvPr>
+        </p:nvSpPr>
+        <p:spPr/>
+        <p:txBody>
+          <a:bodyPr/>
+          <a:lstStyle/>
+          <a:p>
+            <a:fld id="{347F8222-77C5-485F-ADD4-207BF1484453}" type="slidenum">
+              <a:rPr lang="zh-CN" altLang="en-US" smtClean="0"/>
+              <a:t>38</a:t>
+            </a:fld>
+            <a:endParaRPr lang="zh-CN" altLang="en-US"/>
+          </a:p>
+        </p:txBody>
+      </p:sp>
+    </p:spTree>
+    <p:extLst>
+      <p:ext uri="{BB962C8B-B14F-4D97-AF65-F5344CB8AC3E}">
+        <p14:creationId xmlns:p14="http://schemas.microsoft.com/office/powerpoint/2010/main" val="3171468035"/>
+      </p:ext>
+    </p:extLst>
+  </p:cSld>
+  <p:clrMapOvr>
+    <a:masterClrMapping/>
+  </p:clrMapOvr>
+</p:notes>
+</file>
+
+<file path=ppt/notesSlides/notesSlide29.xml><?xml version="1.0" encoding="utf-8"?>
+<p:notes xmlns:a="http://schemas.openxmlformats.org/drawingml/2006/main" xmlns:r="http://schemas.openxmlformats.org/officeDocument/2006/relationships" xmlns:p="http://schemas.openxmlformats.org/presentationml/2006/main">
+  <p:cSld>
+    <p:spTree>
+      <p:nvGrpSpPr>
+        <p:cNvPr id="1" name=""/>
+        <p:cNvGrpSpPr/>
+        <p:nvPr/>
+      </p:nvGrpSpPr>
+      <p:grpSpPr>
+        <a:xfrm>
+          <a:off x="0" y="0"/>
+          <a:ext cx="0" cy="0"/>
+          <a:chOff x="0" y="0"/>
+          <a:chExt cx="0" cy="0"/>
+        </a:xfrm>
+      </p:grpSpPr>
+      <p:sp>
+        <p:nvSpPr>
+          <p:cNvPr id="2" name="Slide Image Placeholder 1"/>
+          <p:cNvSpPr>
+            <a:spLocks noGrp="1" noRot="1" noChangeAspect="1"/>
+          </p:cNvSpPr>
+          <p:nvPr>
+            <p:ph type="sldImg"/>
+          </p:nvPr>
+        </p:nvSpPr>
+        <p:spPr/>
+      </p:sp>
+      <p:sp>
+        <p:nvSpPr>
+          <p:cNvPr id="3" name="Notes Placeholder 2"/>
+          <p:cNvSpPr>
+            <a:spLocks noGrp="1"/>
+          </p:cNvSpPr>
+          <p:nvPr>
+            <p:ph type="body" idx="1"/>
+          </p:nvPr>
+        </p:nvSpPr>
+        <p:spPr/>
+        <p:txBody>
+          <a:bodyPr/>
+          <a:lstStyle/>
+          <a:p>
+            <a:r>
+              <a:rPr lang="en-US" altLang="zh-CN" dirty="0" smtClean="0"/>
+              <a:t>1</a:t>
+            </a:r>
+            <a:r>
+              <a:rPr lang="zh-CN" altLang="en-US" dirty="0" smtClean="0"/>
+              <a:t>、不必在声明的时候定义方法。事后补充</a:t>
+            </a:r>
+            <a:endParaRPr lang="en-US" altLang="zh-CN" dirty="0" smtClean="0"/>
+          </a:p>
+          <a:p>
+            <a:r>
+              <a:rPr lang="en-US" altLang="zh-CN" dirty="0" smtClean="0"/>
+              <a:t>2</a:t>
+            </a:r>
+            <a:r>
+              <a:rPr lang="zh-CN" altLang="en-US" dirty="0" smtClean="0"/>
+              <a:t>、</a:t>
+            </a:r>
+            <a:endParaRPr lang="en-US" dirty="0" smtClean="0"/>
+          </a:p>
+          <a:p>
+            <a:endParaRPr lang="en-US" dirty="0"/>
+          </a:p>
+        </p:txBody>
+      </p:sp>
+      <p:sp>
+        <p:nvSpPr>
+          <p:cNvPr id="4" name="Slide Number Placeholder 3"/>
+          <p:cNvSpPr>
+            <a:spLocks noGrp="1"/>
+          </p:cNvSpPr>
+          <p:nvPr>
+            <p:ph type="sldNum" sz="quarter" idx="10"/>
+          </p:nvPr>
+        </p:nvSpPr>
+        <p:spPr/>
+        <p:txBody>
+          <a:bodyPr/>
+          <a:lstStyle/>
+          <a:p>
+            <a:fld id="{347F8222-77C5-485F-ADD4-207BF1484453}" type="slidenum">
+              <a:rPr lang="zh-CN" altLang="en-US" smtClean="0"/>
+              <a:t>39</a:t>
+            </a:fld>
+            <a:endParaRPr lang="zh-CN" altLang="en-US"/>
+          </a:p>
+        </p:txBody>
+      </p:sp>
+    </p:spTree>
+    <p:extLst>
+      <p:ext uri="{BB962C8B-B14F-4D97-AF65-F5344CB8AC3E}">
+        <p14:creationId xmlns:p14="http://schemas.microsoft.com/office/powerpoint/2010/main" val="247015630"/>
       </p:ext>
     </p:extLst>
   </p:cSld>
@@ -1859,6 +3407,443 @@
     <p:extLst>
       <p:ext uri="{BB962C8B-B14F-4D97-AF65-F5344CB8AC3E}">
         <p14:creationId xmlns:p14="http://schemas.microsoft.com/office/powerpoint/2010/main" val="641946057"/>
+      </p:ext>
+    </p:extLst>
+  </p:cSld>
+  <p:clrMapOvr>
+    <a:masterClrMapping/>
+  </p:clrMapOvr>
+</p:notes>
+</file>
+
+<file path=ppt/notesSlides/notesSlide30.xml><?xml version="1.0" encoding="utf-8"?>
+<p:notes xmlns:a="http://schemas.openxmlformats.org/drawingml/2006/main" xmlns:r="http://schemas.openxmlformats.org/officeDocument/2006/relationships" xmlns:p="http://schemas.openxmlformats.org/presentationml/2006/main">
+  <p:cSld>
+    <p:spTree>
+      <p:nvGrpSpPr>
+        <p:cNvPr id="1" name=""/>
+        <p:cNvGrpSpPr/>
+        <p:nvPr/>
+      </p:nvGrpSpPr>
+      <p:grpSpPr>
+        <a:xfrm>
+          <a:off x="0" y="0"/>
+          <a:ext cx="0" cy="0"/>
+          <a:chOff x="0" y="0"/>
+          <a:chExt cx="0" cy="0"/>
+        </a:xfrm>
+      </p:grpSpPr>
+      <p:sp>
+        <p:nvSpPr>
+          <p:cNvPr id="2" name="Slide Image Placeholder 1"/>
+          <p:cNvSpPr>
+            <a:spLocks noGrp="1" noRot="1" noChangeAspect="1"/>
+          </p:cNvSpPr>
+          <p:nvPr>
+            <p:ph type="sldImg"/>
+          </p:nvPr>
+        </p:nvSpPr>
+        <p:spPr/>
+      </p:sp>
+      <p:sp>
+        <p:nvSpPr>
+          <p:cNvPr id="3" name="Notes Placeholder 2"/>
+          <p:cNvSpPr>
+            <a:spLocks noGrp="1"/>
+          </p:cNvSpPr>
+          <p:nvPr>
+            <p:ph type="body" idx="1"/>
+          </p:nvPr>
+        </p:nvSpPr>
+        <p:spPr/>
+        <p:txBody>
+          <a:bodyPr/>
+          <a:lstStyle/>
+          <a:p>
+            <a:r>
+              <a:rPr lang="zh-CN" altLang="en-US" dirty="0" smtClean="0"/>
+              <a:t>是否在内部可以修改当前对象的值。</a:t>
+            </a:r>
+            <a:endParaRPr lang="en-US" dirty="0"/>
+          </a:p>
+        </p:txBody>
+      </p:sp>
+      <p:sp>
+        <p:nvSpPr>
+          <p:cNvPr id="4" name="Slide Number Placeholder 3"/>
+          <p:cNvSpPr>
+            <a:spLocks noGrp="1"/>
+          </p:cNvSpPr>
+          <p:nvPr>
+            <p:ph type="sldNum" sz="quarter" idx="10"/>
+          </p:nvPr>
+        </p:nvSpPr>
+        <p:spPr/>
+        <p:txBody>
+          <a:bodyPr/>
+          <a:lstStyle/>
+          <a:p>
+            <a:fld id="{347F8222-77C5-485F-ADD4-207BF1484453}" type="slidenum">
+              <a:rPr lang="zh-CN" altLang="en-US" smtClean="0"/>
+              <a:t>40</a:t>
+            </a:fld>
+            <a:endParaRPr lang="zh-CN" altLang="en-US"/>
+          </a:p>
+        </p:txBody>
+      </p:sp>
+    </p:spTree>
+    <p:extLst>
+      <p:ext uri="{BB962C8B-B14F-4D97-AF65-F5344CB8AC3E}">
+        <p14:creationId xmlns:p14="http://schemas.microsoft.com/office/powerpoint/2010/main" val="3881969161"/>
+      </p:ext>
+    </p:extLst>
+  </p:cSld>
+  <p:clrMapOvr>
+    <a:masterClrMapping/>
+  </p:clrMapOvr>
+</p:notes>
+</file>
+
+<file path=ppt/notesSlides/notesSlide31.xml><?xml version="1.0" encoding="utf-8"?>
+<p:notes xmlns:a="http://schemas.openxmlformats.org/drawingml/2006/main" xmlns:r="http://schemas.openxmlformats.org/officeDocument/2006/relationships" xmlns:p="http://schemas.openxmlformats.org/presentationml/2006/main">
+  <p:cSld>
+    <p:spTree>
+      <p:nvGrpSpPr>
+        <p:cNvPr id="1" name=""/>
+        <p:cNvGrpSpPr/>
+        <p:nvPr/>
+      </p:nvGrpSpPr>
+      <p:grpSpPr>
+        <a:xfrm>
+          <a:off x="0" y="0"/>
+          <a:ext cx="0" cy="0"/>
+          <a:chOff x="0" y="0"/>
+          <a:chExt cx="0" cy="0"/>
+        </a:xfrm>
+      </p:grpSpPr>
+      <p:sp>
+        <p:nvSpPr>
+          <p:cNvPr id="2" name="幻灯片图像占位符 1"/>
+          <p:cNvSpPr>
+            <a:spLocks noGrp="1" noRot="1" noChangeAspect="1"/>
+          </p:cNvSpPr>
+          <p:nvPr>
+            <p:ph type="sldImg"/>
+          </p:nvPr>
+        </p:nvSpPr>
+        <p:spPr/>
+      </p:sp>
+      <p:sp>
+        <p:nvSpPr>
+          <p:cNvPr id="3" name="备注占位符 2"/>
+          <p:cNvSpPr>
+            <a:spLocks noGrp="1"/>
+          </p:cNvSpPr>
+          <p:nvPr>
+            <p:ph type="body" idx="1"/>
+          </p:nvPr>
+        </p:nvSpPr>
+        <p:spPr/>
+        <p:txBody>
+          <a:bodyPr/>
+          <a:lstStyle/>
+          <a:p>
+            <a:r>
+              <a:rPr lang="en-US" altLang="zh-CN" dirty="0" smtClean="0"/>
+              <a:t>1</a:t>
+            </a:r>
+            <a:r>
+              <a:rPr lang="zh-CN" altLang="en-US" dirty="0" smtClean="0"/>
+              <a:t>、验证码 绘图 </a:t>
+            </a:r>
+            <a:endParaRPr lang="en-US" altLang="zh-CN" dirty="0" smtClean="0"/>
+          </a:p>
+          <a:p>
+            <a:r>
+              <a:rPr lang="en-US" altLang="zh-CN" dirty="0" smtClean="0"/>
+              <a:t>2</a:t>
+            </a:r>
+            <a:r>
+              <a:rPr lang="zh-CN" altLang="en-US" dirty="0" smtClean="0"/>
+              <a:t>、</a:t>
+            </a:r>
+            <a:endParaRPr lang="en-US" altLang="zh-CN" dirty="0" smtClean="0"/>
+          </a:p>
+          <a:p>
+            <a:endParaRPr lang="en-US" altLang="zh-CN" dirty="0" smtClean="0"/>
+          </a:p>
+          <a:p>
+            <a:r>
+              <a:rPr lang="en-US" altLang="zh-CN" dirty="0" smtClean="0">
+                <a:hlinkClick r:id="rId3"/>
+              </a:rPr>
+              <a:t>http://www.infoq.com/cn/articles/go-based-on-connection-combination-language-1</a:t>
+            </a:r>
+            <a:endParaRPr lang="en-US" altLang="zh-CN" dirty="0" smtClean="0"/>
+          </a:p>
+        </p:txBody>
+      </p:sp>
+      <p:sp>
+        <p:nvSpPr>
+          <p:cNvPr id="4" name="灯片编号占位符 3"/>
+          <p:cNvSpPr>
+            <a:spLocks noGrp="1"/>
+          </p:cNvSpPr>
+          <p:nvPr>
+            <p:ph type="sldNum" sz="quarter" idx="10"/>
+          </p:nvPr>
+        </p:nvSpPr>
+        <p:spPr/>
+        <p:txBody>
+          <a:bodyPr/>
+          <a:lstStyle/>
+          <a:p>
+            <a:fld id="{9E77C0C7-3AAD-424C-B2C1-35E46B9AB317}" type="slidenum">
+              <a:rPr lang="en-US" smtClean="0"/>
+              <a:t>43</a:t>
+            </a:fld>
+            <a:endParaRPr lang="en-US"/>
+          </a:p>
+        </p:txBody>
+      </p:sp>
+    </p:spTree>
+    <p:extLst>
+      <p:ext uri="{BB962C8B-B14F-4D97-AF65-F5344CB8AC3E}">
+        <p14:creationId xmlns:p14="http://schemas.microsoft.com/office/powerpoint/2010/main" val="3878612944"/>
+      </p:ext>
+    </p:extLst>
+  </p:cSld>
+  <p:clrMapOvr>
+    <a:masterClrMapping/>
+  </p:clrMapOvr>
+</p:notes>
+</file>
+
+<file path=ppt/notesSlides/notesSlide32.xml><?xml version="1.0" encoding="utf-8"?>
+<p:notes xmlns:a="http://schemas.openxmlformats.org/drawingml/2006/main" xmlns:r="http://schemas.openxmlformats.org/officeDocument/2006/relationships" xmlns:p="http://schemas.openxmlformats.org/presentationml/2006/main">
+  <p:cSld>
+    <p:spTree>
+      <p:nvGrpSpPr>
+        <p:cNvPr id="1" name=""/>
+        <p:cNvGrpSpPr/>
+        <p:nvPr/>
+      </p:nvGrpSpPr>
+      <p:grpSpPr>
+        <a:xfrm>
+          <a:off x="0" y="0"/>
+          <a:ext cx="0" cy="0"/>
+          <a:chOff x="0" y="0"/>
+          <a:chExt cx="0" cy="0"/>
+        </a:xfrm>
+      </p:grpSpPr>
+      <p:sp>
+        <p:nvSpPr>
+          <p:cNvPr id="2" name="幻灯片图像占位符 1"/>
+          <p:cNvSpPr>
+            <a:spLocks noGrp="1" noRot="1" noChangeAspect="1"/>
+          </p:cNvSpPr>
+          <p:nvPr>
+            <p:ph type="sldImg"/>
+          </p:nvPr>
+        </p:nvSpPr>
+        <p:spPr/>
+      </p:sp>
+      <p:sp>
+        <p:nvSpPr>
+          <p:cNvPr id="3" name="备注占位符 2"/>
+          <p:cNvSpPr>
+            <a:spLocks noGrp="1"/>
+          </p:cNvSpPr>
+          <p:nvPr>
+            <p:ph type="body" idx="1"/>
+          </p:nvPr>
+        </p:nvSpPr>
+        <p:spPr/>
+        <p:txBody>
+          <a:bodyPr/>
+          <a:lstStyle/>
+          <a:p>
+            <a:pPr marL="0" marR="0" indent="0" algn="l" defTabSz="457200" rtl="0" eaLnBrk="1" fontAlgn="auto" latinLnBrk="0" hangingPunct="1">
+              <a:lnSpc>
+                <a:spcPct val="100000"/>
+              </a:lnSpc>
+              <a:spcBef>
+                <a:spcPts val="0"/>
+              </a:spcBef>
+              <a:spcAft>
+                <a:spcPts val="0"/>
+              </a:spcAft>
+              <a:buClrTx/>
+              <a:buSzTx/>
+              <a:buFontTx/>
+              <a:buNone/>
+              <a:tabLst/>
+              <a:defRPr/>
+            </a:pPr>
+            <a:r>
+              <a:rPr lang="en-US" altLang="zh-CN" sz="1200" b="0" i="0" kern="1200" dirty="0" smtClean="0">
+                <a:solidFill>
+                  <a:schemeClr val="tx1"/>
+                </a:solidFill>
+                <a:effectLst/>
+                <a:latin typeface="+mn-lt"/>
+                <a:ea typeface="+mn-ea"/>
+                <a:cs typeface="+mn-cs"/>
+              </a:rPr>
+              <a:t>Go</a:t>
+            </a:r>
+            <a:r>
+              <a:rPr lang="zh-CN" altLang="en-US" sz="1200" b="0" i="0" kern="1200" dirty="0" smtClean="0">
+                <a:solidFill>
+                  <a:schemeClr val="tx1"/>
+                </a:solidFill>
+                <a:effectLst/>
+                <a:latin typeface="+mn-lt"/>
+                <a:ea typeface="+mn-ea"/>
+                <a:cs typeface="+mn-cs"/>
+              </a:rPr>
+              <a:t>在谷歌：以软件工程为目的的语言设计</a:t>
+            </a:r>
+          </a:p>
+          <a:p>
+            <a:endParaRPr lang="en-US" altLang="zh-CN" dirty="0" smtClean="0">
+              <a:hlinkClick r:id=""/>
+            </a:endParaRPr>
+          </a:p>
+          <a:p>
+            <a:r>
+              <a:rPr lang="en-US" altLang="zh-CN" dirty="0" smtClean="0">
+                <a:hlinkClick r:id=""/>
+              </a:rPr>
+              <a:t>http://www.oschina.net/translate/go-at-google-language-design-in-the-service-of-software-engineering</a:t>
+            </a:r>
+            <a:endParaRPr lang="zh-CN" altLang="en-US" dirty="0"/>
+          </a:p>
+        </p:txBody>
+      </p:sp>
+      <p:sp>
+        <p:nvSpPr>
+          <p:cNvPr id="4" name="灯片编号占位符 3"/>
+          <p:cNvSpPr>
+            <a:spLocks noGrp="1"/>
+          </p:cNvSpPr>
+          <p:nvPr>
+            <p:ph type="sldNum" sz="quarter" idx="10"/>
+          </p:nvPr>
+        </p:nvSpPr>
+        <p:spPr/>
+        <p:txBody>
+          <a:bodyPr/>
+          <a:lstStyle/>
+          <a:p>
+            <a:fld id="{9E77C0C7-3AAD-424C-B2C1-35E46B9AB317}" type="slidenum">
+              <a:rPr lang="en-US" smtClean="0"/>
+              <a:t>44</a:t>
+            </a:fld>
+            <a:endParaRPr lang="en-US"/>
+          </a:p>
+        </p:txBody>
+      </p:sp>
+    </p:spTree>
+    <p:extLst>
+      <p:ext uri="{BB962C8B-B14F-4D97-AF65-F5344CB8AC3E}">
+        <p14:creationId xmlns:p14="http://schemas.microsoft.com/office/powerpoint/2010/main" val="479477906"/>
+      </p:ext>
+    </p:extLst>
+  </p:cSld>
+  <p:clrMapOvr>
+    <a:masterClrMapping/>
+  </p:clrMapOvr>
+</p:notes>
+</file>
+
+<file path=ppt/notesSlides/notesSlide33.xml><?xml version="1.0" encoding="utf-8"?>
+<p:notes xmlns:a="http://schemas.openxmlformats.org/drawingml/2006/main" xmlns:r="http://schemas.openxmlformats.org/officeDocument/2006/relationships" xmlns:p="http://schemas.openxmlformats.org/presentationml/2006/main">
+  <p:cSld>
+    <p:spTree>
+      <p:nvGrpSpPr>
+        <p:cNvPr id="1" name=""/>
+        <p:cNvGrpSpPr/>
+        <p:nvPr/>
+      </p:nvGrpSpPr>
+      <p:grpSpPr>
+        <a:xfrm>
+          <a:off x="0" y="0"/>
+          <a:ext cx="0" cy="0"/>
+          <a:chOff x="0" y="0"/>
+          <a:chExt cx="0" cy="0"/>
+        </a:xfrm>
+      </p:grpSpPr>
+      <p:sp>
+        <p:nvSpPr>
+          <p:cNvPr id="2" name="幻灯片图像占位符 1"/>
+          <p:cNvSpPr>
+            <a:spLocks noGrp="1" noRot="1" noChangeAspect="1"/>
+          </p:cNvSpPr>
+          <p:nvPr>
+            <p:ph type="sldImg"/>
+          </p:nvPr>
+        </p:nvSpPr>
+        <p:spPr/>
+      </p:sp>
+      <p:sp>
+        <p:nvSpPr>
+          <p:cNvPr id="3" name="备注占位符 2"/>
+          <p:cNvSpPr>
+            <a:spLocks noGrp="1"/>
+          </p:cNvSpPr>
+          <p:nvPr>
+            <p:ph type="body" idx="1"/>
+          </p:nvPr>
+        </p:nvSpPr>
+        <p:spPr/>
+        <p:txBody>
+          <a:bodyPr/>
+          <a:lstStyle/>
+          <a:p>
+            <a:r>
+              <a:rPr lang="en-US" altLang="zh-CN" dirty="0" smtClean="0">
+                <a:hlinkClick r:id="rId3"/>
+              </a:rPr>
+              <a:t>http://www.zhihu.com/question/20584476</a:t>
+            </a:r>
+            <a:endParaRPr lang="en-US" altLang="zh-CN" dirty="0" smtClean="0"/>
+          </a:p>
+          <a:p>
+            <a:endParaRPr lang="en-US" altLang="zh-CN" dirty="0" smtClean="0"/>
+          </a:p>
+          <a:p>
+            <a:endParaRPr lang="zh-CN" altLang="en-US" dirty="0"/>
+          </a:p>
+        </p:txBody>
+      </p:sp>
+      <p:sp>
+        <p:nvSpPr>
+          <p:cNvPr id="4" name="灯片编号占位符 3"/>
+          <p:cNvSpPr>
+            <a:spLocks noGrp="1"/>
+          </p:cNvSpPr>
+          <p:nvPr>
+            <p:ph type="sldNum" sz="quarter" idx="10"/>
+          </p:nvPr>
+        </p:nvSpPr>
+        <p:spPr/>
+        <p:txBody>
+          <a:bodyPr/>
+          <a:lstStyle/>
+          <a:p>
+            <a:fld id="{3CC2566A-E84E-420E-B996-FBD9ED0A4505}" type="slidenum">
+              <a:rPr lang="zh-CN" altLang="en-US" smtClean="0"/>
+              <a:t>46</a:t>
+            </a:fld>
+            <a:endParaRPr lang="zh-CN" altLang="en-US"/>
+          </a:p>
+        </p:txBody>
+      </p:sp>
+    </p:spTree>
+    <p:extLst>
+      <p:ext uri="{BB962C8B-B14F-4D97-AF65-F5344CB8AC3E}">
+        <p14:creationId xmlns:p14="http://schemas.microsoft.com/office/powerpoint/2010/main" val="858224146"/>
       </p:ext>
     </p:extLst>
   </p:cSld>
@@ -2007,7 +3992,7 @@
       </p:grpSpPr>
       <p:sp>
         <p:nvSpPr>
-          <p:cNvPr id="2" name="幻灯片图像占位符 1"/>
+          <p:cNvPr id="2" name="Slide Image Placeholder 1"/>
           <p:cNvSpPr>
             <a:spLocks noGrp="1" noRot="1" noChangeAspect="1"/>
           </p:cNvSpPr>
@@ -2019,7 +4004,7 @@
       </p:sp>
       <p:sp>
         <p:nvSpPr>
-          <p:cNvPr id="3" name="备注占位符 2"/>
+          <p:cNvPr id="3" name="Notes Placeholder 2"/>
           <p:cNvSpPr>
             <a:spLocks noGrp="1"/>
           </p:cNvSpPr>
@@ -2033,18 +4018,102 @@
           <a:lstStyle/>
           <a:p>
             <a:r>
-              <a:rPr lang="en-US" altLang="zh-CN" dirty="0" smtClean="0">
-                <a:hlinkClick r:id="rId3"/>
-              </a:rPr>
-              <a:t>http://pokerg.github.io/Programming%20Language/interface/</a:t>
-            </a:r>
-            <a:endParaRPr lang="zh-CN" altLang="en-US" dirty="0"/>
-          </a:p>
-        </p:txBody>
-      </p:sp>
-      <p:sp>
-        <p:nvSpPr>
-          <p:cNvPr id="4" name="灯片编号占位符 3"/>
+              <a:rPr lang="zh-CN" altLang="en-US" dirty="0" smtClean="0"/>
+              <a:t>男人</a:t>
+            </a:r>
+            <a:r>
+              <a:rPr lang="en-US" altLang="zh-CN" dirty="0" smtClean="0"/>
+              <a:t> </a:t>
+            </a:r>
+            <a:r>
+              <a:rPr lang="zh-CN" altLang="en-US" dirty="0" smtClean="0"/>
+              <a:t>有</a:t>
+            </a:r>
+            <a:r>
+              <a:rPr lang="en-US" altLang="zh-CN" dirty="0" smtClean="0"/>
+              <a:t> </a:t>
+            </a:r>
+            <a:r>
+              <a:rPr lang="en-US" altLang="zh-CN" dirty="0" err="1" smtClean="0"/>
+              <a:t>myTest</a:t>
+            </a:r>
+            <a:r>
+              <a:rPr lang="en-US" altLang="zh-CN" dirty="0" smtClean="0"/>
+              <a:t> </a:t>
+            </a:r>
+            <a:r>
+              <a:rPr lang="zh-CN" altLang="en-US" dirty="0" smtClean="0"/>
+              <a:t>方法，</a:t>
+            </a:r>
+            <a:r>
+              <a:rPr lang="en-US" altLang="zh-CN" dirty="0" smtClean="0"/>
+              <a:t>  </a:t>
+            </a:r>
+            <a:r>
+              <a:rPr lang="zh-CN" altLang="en-US" dirty="0" smtClean="0"/>
+              <a:t>女人也有</a:t>
+            </a:r>
+            <a:r>
+              <a:rPr lang="en-US" altLang="zh-CN" dirty="0" smtClean="0"/>
+              <a:t> </a:t>
+            </a:r>
+            <a:r>
+              <a:rPr lang="en-US" altLang="zh-CN" dirty="0" err="1" smtClean="0"/>
+              <a:t>myTest</a:t>
+            </a:r>
+            <a:r>
+              <a:rPr lang="zh-CN" altLang="en-US" dirty="0" smtClean="0"/>
+              <a:t>方法。</a:t>
+            </a:r>
+            <a:endParaRPr lang="en-US" altLang="zh-CN" dirty="0" smtClean="0"/>
+          </a:p>
+          <a:p>
+            <a:r>
+              <a:rPr lang="zh-CN" altLang="en-US" dirty="0" smtClean="0"/>
+              <a:t>所以他们都实现了接口</a:t>
+            </a:r>
+            <a:r>
+              <a:rPr lang="en-US" altLang="zh-CN" dirty="0" smtClean="0"/>
+              <a:t> </a:t>
+            </a:r>
+            <a:r>
+              <a:rPr lang="en-US" altLang="zh-CN" dirty="0" err="1" smtClean="0"/>
+              <a:t>Itest</a:t>
+            </a:r>
+            <a:r>
+              <a:rPr lang="en-US" altLang="zh-CN" dirty="0" smtClean="0"/>
+              <a:t> </a:t>
+            </a:r>
+            <a:r>
+              <a:rPr lang="zh-CN" altLang="en-US" dirty="0" smtClean="0"/>
+              <a:t>。</a:t>
+            </a:r>
+            <a:r>
+              <a:rPr lang="en-US" altLang="zh-CN" dirty="0" smtClean="0"/>
+              <a:t> </a:t>
+            </a:r>
+            <a:r>
+              <a:rPr lang="zh-CN" altLang="en-US" dirty="0" smtClean="0"/>
+              <a:t>继而可以使用这个接口。</a:t>
+            </a:r>
+            <a:endParaRPr lang="en-US" altLang="zh-CN" dirty="0" smtClean="0"/>
+          </a:p>
+          <a:p>
+            <a:r>
+              <a:rPr lang="zh-CN" altLang="en-US" dirty="0" smtClean="0"/>
+              <a:t>注意，这个接口是非浸入式的，后期定义的。</a:t>
+            </a:r>
+            <a:r>
+              <a:rPr lang="en-US" altLang="zh-CN" dirty="0" smtClean="0"/>
+              <a:t/>
+            </a:r>
+            <a:endParaRPr lang="en-US" dirty="0"/>
+          </a:p>
+        </p:txBody>
+      </p:sp>
+      <p:sp>
+        <p:nvSpPr>
+          <p:cNvPr id="4" name="Slide Number Placeholder 3"/>
           <p:cNvSpPr>
             <a:spLocks noGrp="1"/>
           </p:cNvSpPr>
@@ -2059,7 +4128,7 @@
           <a:p>
             <a:fld id="{347F8222-77C5-485F-ADD4-207BF1484453}" type="slidenum">
               <a:rPr lang="zh-CN" altLang="en-US" smtClean="0"/>
-              <a:t>9</a:t>
+              <a:t>8</a:t>
             </a:fld>
             <a:endParaRPr lang="zh-CN" altLang="en-US"/>
           </a:p>
@@ -2068,7 +4137,7 @@
     </p:spTree>
     <p:extLst>
       <p:ext uri="{BB962C8B-B14F-4D97-AF65-F5344CB8AC3E}">
-        <p14:creationId xmlns:p14="http://schemas.microsoft.com/office/powerpoint/2010/main" val="457973920"/>
+        <p14:creationId xmlns:p14="http://schemas.microsoft.com/office/powerpoint/2010/main" val="973793429"/>
       </p:ext>
     </p:extLst>
   </p:cSld>
@@ -2123,137 +4192,247 @@
           <a:lstStyle/>
           <a:p>
             <a:r>
-              <a:rPr lang="zh-CN" altLang="en-US" sz="1200" b="0" i="0" u="none" strike="noStrike" kern="1200" baseline="0" dirty="0" smtClean="0">
-                <a:solidFill>
-                  <a:schemeClr val="tx1"/>
-                </a:solidFill>
-                <a:latin typeface="+mn-lt"/>
-                <a:ea typeface="+mn-ea"/>
-                <a:cs typeface="+mn-cs"/>
-              </a:rPr>
-              <a:t>将一个 </a:t>
-            </a:r>
-            <a:r>
-              <a:rPr lang="en-US" altLang="zh-CN" sz="1200" b="0" i="0" u="none" strike="noStrike" kern="1200" baseline="0" dirty="0" smtClean="0">
-                <a:solidFill>
-                  <a:schemeClr val="tx1"/>
-                </a:solidFill>
-                <a:latin typeface="+mn-lt"/>
-                <a:ea typeface="+mn-ea"/>
-                <a:cs typeface="+mn-cs"/>
-              </a:rPr>
-              <a:t>app </a:t>
-            </a:r>
-            <a:r>
-              <a:rPr lang="zh-CN" altLang="en-US" sz="1200" b="0" i="0" u="none" strike="noStrike" kern="1200" baseline="0" dirty="0" smtClean="0">
-                <a:solidFill>
-                  <a:schemeClr val="tx1"/>
-                </a:solidFill>
-                <a:latin typeface="+mn-lt"/>
-                <a:ea typeface="+mn-ea"/>
-                <a:cs typeface="+mn-cs"/>
-              </a:rPr>
-              <a:t>的输出</a:t>
-            </a:r>
-            <a:r>
-              <a:rPr lang="en-US" altLang="zh-CN" sz="1200" b="0" i="0" u="none" strike="noStrike" kern="1200" baseline="0" dirty="0" smtClean="0">
-                <a:solidFill>
-                  <a:schemeClr val="tx1"/>
-                </a:solidFill>
-                <a:latin typeface="+mn-lt"/>
-                <a:ea typeface="+mn-ea"/>
-                <a:cs typeface="+mn-cs"/>
-              </a:rPr>
-              <a:t>(</a:t>
-            </a:r>
-            <a:r>
-              <a:rPr lang="en-US" altLang="zh-CN" sz="1200" b="0" i="0" u="none" strike="noStrike" kern="1200" baseline="0" dirty="0" err="1" smtClean="0">
-                <a:solidFill>
-                  <a:schemeClr val="tx1"/>
-                </a:solidFill>
-                <a:latin typeface="+mn-lt"/>
-                <a:ea typeface="+mn-ea"/>
-                <a:cs typeface="+mn-cs"/>
-              </a:rPr>
-              <a:t>stdout</a:t>
-            </a:r>
-            <a:r>
-              <a:rPr lang="en-US" altLang="zh-CN" sz="1200" b="0" i="0" u="none" strike="noStrike" kern="1200" baseline="0" dirty="0" smtClean="0">
-                <a:solidFill>
-                  <a:schemeClr val="tx1"/>
-                </a:solidFill>
-                <a:latin typeface="+mn-lt"/>
-                <a:ea typeface="+mn-ea"/>
-                <a:cs typeface="+mn-cs"/>
-              </a:rPr>
-              <a:t>) </a:t>
-            </a:r>
-            <a:r>
-              <a:rPr lang="zh-CN" altLang="en-US" sz="1200" b="0" i="0" u="none" strike="noStrike" kern="1200" baseline="0" dirty="0" smtClean="0">
-                <a:solidFill>
-                  <a:schemeClr val="tx1"/>
-                </a:solidFill>
-                <a:latin typeface="+mn-lt"/>
-                <a:ea typeface="+mn-ea"/>
-                <a:cs typeface="+mn-cs"/>
-              </a:rPr>
-              <a:t>转为另一个 </a:t>
-            </a:r>
-            <a:r>
-              <a:rPr lang="en-US" altLang="zh-CN" sz="1200" b="0" i="0" u="none" strike="noStrike" kern="1200" baseline="0" dirty="0" smtClean="0">
-                <a:solidFill>
-                  <a:schemeClr val="tx1"/>
-                </a:solidFill>
-                <a:latin typeface="+mn-lt"/>
-                <a:ea typeface="+mn-ea"/>
-                <a:cs typeface="+mn-cs"/>
-              </a:rPr>
-              <a:t>app </a:t>
-            </a:r>
-            <a:r>
-              <a:rPr lang="zh-CN" altLang="en-US" sz="1200" b="0" i="0" u="none" strike="noStrike" kern="1200" baseline="0" dirty="0" smtClean="0">
-                <a:solidFill>
-                  <a:schemeClr val="tx1"/>
-                </a:solidFill>
-                <a:latin typeface="+mn-lt"/>
-                <a:ea typeface="+mn-ea"/>
-                <a:cs typeface="+mn-cs"/>
-              </a:rPr>
-              <a:t>的输入 </a:t>
-            </a:r>
-            <a:r>
-              <a:rPr lang="en-US" altLang="zh-CN" sz="1200" b="0" i="0" u="none" strike="noStrike" kern="1200" baseline="0" dirty="0" smtClean="0">
-                <a:solidFill>
-                  <a:schemeClr val="tx1"/>
-                </a:solidFill>
-                <a:latin typeface="+mn-lt"/>
-                <a:ea typeface="+mn-ea"/>
-                <a:cs typeface="+mn-cs"/>
-              </a:rPr>
-              <a:t>(</a:t>
-            </a:r>
-            <a:r>
-              <a:rPr lang="en-US" altLang="zh-CN" sz="1200" b="0" i="0" u="none" strike="noStrike" kern="1200" baseline="0" dirty="0" err="1" smtClean="0">
-                <a:solidFill>
-                  <a:schemeClr val="tx1"/>
-                </a:solidFill>
-                <a:latin typeface="+mn-lt"/>
-                <a:ea typeface="+mn-ea"/>
-                <a:cs typeface="+mn-cs"/>
-              </a:rPr>
-              <a:t>stdin</a:t>
-            </a:r>
-            <a:r>
-              <a:rPr lang="en-US" altLang="zh-CN" sz="1200" b="0" i="0" u="none" strike="noStrike" kern="1200" baseline="0" dirty="0" smtClean="0">
-                <a:solidFill>
-                  <a:schemeClr val="tx1"/>
-                </a:solidFill>
-                <a:latin typeface="+mn-lt"/>
-                <a:ea typeface="+mn-ea"/>
-                <a:cs typeface="+mn-cs"/>
-              </a:rPr>
-              <a:t>)</a:t>
-            </a:r>
+              <a:rPr lang="zh-CN" altLang="en-US" dirty="0" smtClean="0"/>
+              <a:t>好处：</a:t>
+            </a:r>
+            <a:r>
+              <a:rPr lang="en-US" altLang="zh-CN" dirty="0" smtClean="0"/>
+              <a:t> </a:t>
+            </a:r>
+            <a:r>
+              <a:rPr lang="zh-CN" altLang="en-US" dirty="0" smtClean="0"/>
+              <a:t>解耦</a:t>
+            </a:r>
+            <a:r>
+              <a:rPr lang="zh-CN" altLang="en-US" dirty="0" smtClean="0"/>
+              <a:t>、事后定义</a:t>
+            </a:r>
+            <a:r>
+              <a:rPr lang="en-US" altLang="zh-CN" dirty="0" smtClean="0"/>
+              <a:t> </a:t>
+            </a:r>
+            <a:r>
+              <a:rPr lang="zh-CN" altLang="en-US" dirty="0" smtClean="0"/>
+              <a:t>带来的一系列好处。</a:t>
+            </a:r>
+            <a:endParaRPr lang="en-US" altLang="zh-CN" dirty="0" smtClean="0"/>
+          </a:p>
+          <a:p>
+            <a:r>
+              <a:rPr lang="zh-CN" altLang="en-US" dirty="0" smtClean="0"/>
+              <a:t>不论</a:t>
+            </a:r>
+            <a:r>
+              <a:rPr lang="en-US" altLang="zh-CN" dirty="0" smtClean="0"/>
+              <a:t> </a:t>
+            </a:r>
+            <a:r>
+              <a:rPr lang="zh-CN" altLang="en-US" dirty="0" smtClean="0"/>
+              <a:t>字符串、文件、标准输入输出</a:t>
+            </a:r>
+            <a:r>
+              <a:rPr lang="en-US" altLang="zh-CN" dirty="0" smtClean="0"/>
+              <a:t> </a:t>
+            </a:r>
+            <a:r>
+              <a:rPr lang="zh-CN" altLang="en-US" dirty="0" smtClean="0"/>
+              <a:t>都可以统一用</a:t>
+            </a:r>
+            <a:r>
+              <a:rPr lang="en-US" altLang="zh-CN" dirty="0" smtClean="0"/>
+              <a:t> </a:t>
+            </a:r>
+            <a:r>
+              <a:rPr lang="en-US" altLang="zh-CN" dirty="0" err="1" smtClean="0"/>
+              <a:t>ReadFrom</a:t>
+            </a:r>
+            <a:r>
+              <a:rPr lang="en-US" altLang="zh-CN" dirty="0" smtClean="0"/>
+              <a:t> </a:t>
+            </a:r>
+            <a:r>
+              <a:rPr lang="zh-CN" altLang="en-US" dirty="0" smtClean="0"/>
+              <a:t>来用。</a:t>
+            </a:r>
+            <a:endParaRPr lang="en-US" altLang="zh-CN" dirty="0" smtClean="0"/>
+          </a:p>
+          <a:p>
+            <a:r>
+              <a:rPr lang="en-US" altLang="zh-CN" dirty="0" smtClean="0"/>
+              <a:t/>
+            </a:r>
+            <a:br>
+              <a:rPr lang="en-US" altLang="zh-CN" dirty="0" smtClean="0"/>
+            </a:br>
+            <a:r>
+              <a:rPr lang="en-US" altLang="zh-CN" dirty="0" err="1" smtClean="0"/>
+              <a:t>io.Reader</a:t>
+            </a:r>
+            <a:r>
+              <a:rPr lang="en-US" altLang="zh-CN" dirty="0" smtClean="0"/>
+              <a:t> </a:t>
+            </a:r>
+            <a:r>
+              <a:rPr lang="zh-CN" altLang="en-US" dirty="0" smtClean="0"/>
+              <a:t>接口</a:t>
+            </a:r>
+            <a:endParaRPr lang="zh-CN" altLang="en-US" dirty="0" smtClean="0"/>
+          </a:p>
+          <a:p>
+            <a:pPr marL="0" marR="0" indent="0" algn="l" defTabSz="914400" rtl="0" eaLnBrk="1" fontAlgn="auto" latinLnBrk="0" hangingPunct="1">
+              <a:lnSpc>
+                <a:spcPct val="100000"/>
+              </a:lnSpc>
+              <a:spcBef>
+                <a:spcPts val="0"/>
+              </a:spcBef>
+              <a:spcAft>
+                <a:spcPts val="0"/>
+              </a:spcAft>
+              <a:buClrTx/>
+              <a:buSzTx/>
+              <a:buFontTx/>
+              <a:buNone/>
+              <a:tabLst/>
+              <a:defRPr/>
+            </a:pPr>
+            <a:r>
+              <a:rPr lang="en-US" altLang="zh-CN" dirty="0" smtClean="0"/>
+              <a:t>type Reader interface {</a:t>
+            </a:r>
+          </a:p>
+          <a:p>
+            <a:pPr marL="0" marR="0" indent="0" algn="l" defTabSz="914400" rtl="0" eaLnBrk="1" fontAlgn="auto" latinLnBrk="0" hangingPunct="1">
+              <a:lnSpc>
+                <a:spcPct val="100000"/>
+              </a:lnSpc>
+              <a:spcBef>
+                <a:spcPts val="0"/>
+              </a:spcBef>
+              <a:spcAft>
+                <a:spcPts val="0"/>
+              </a:spcAft>
+              <a:buClrTx/>
+              <a:buSzTx/>
+              <a:buFontTx/>
+              <a:buNone/>
+              <a:tabLst/>
+              <a:defRPr/>
+            </a:pPr>
+            <a:r>
+              <a:rPr lang="en-US" altLang="zh-CN" dirty="0" smtClean="0"/>
+              <a:t>    Read(p []byte) (n </a:t>
+            </a:r>
+            <a:r>
+              <a:rPr lang="en-US" altLang="zh-CN" dirty="0" err="1" smtClean="0"/>
+              <a:t>int</a:t>
+            </a:r>
+            <a:r>
+              <a:rPr lang="en-US" altLang="zh-CN" dirty="0" smtClean="0"/>
+              <a:t>, err error)</a:t>
+            </a:r>
+          </a:p>
+          <a:p>
+            <a:pPr marL="0" marR="0" indent="0" algn="l" defTabSz="914400" rtl="0" eaLnBrk="1" fontAlgn="auto" latinLnBrk="0" hangingPunct="1">
+              <a:lnSpc>
+                <a:spcPct val="100000"/>
+              </a:lnSpc>
+              <a:spcBef>
+                <a:spcPts val="0"/>
+              </a:spcBef>
+              <a:spcAft>
+                <a:spcPts val="0"/>
+              </a:spcAft>
+              <a:buClrTx/>
+              <a:buSzTx/>
+              <a:buFontTx/>
+              <a:buNone/>
+              <a:tabLst/>
+              <a:defRPr/>
+            </a:pPr>
+            <a:r>
+              <a:rPr lang="en-US" altLang="zh-CN" dirty="0" smtClean="0"/>
+              <a:t>} </a:t>
+            </a:r>
+          </a:p>
+          <a:p>
+            <a:pPr marL="0" marR="0" indent="0" algn="l" defTabSz="914400" rtl="0" eaLnBrk="1" fontAlgn="auto" latinLnBrk="0" hangingPunct="1">
+              <a:lnSpc>
+                <a:spcPct val="100000"/>
+              </a:lnSpc>
+              <a:spcBef>
+                <a:spcPts val="0"/>
+              </a:spcBef>
+              <a:spcAft>
+                <a:spcPts val="0"/>
+              </a:spcAft>
+              <a:buClrTx/>
+              <a:buSzTx/>
+              <a:buFontTx/>
+              <a:buNone/>
+              <a:tabLst/>
+              <a:defRPr/>
+            </a:pPr>
+            <a:endParaRPr lang="en-US" altLang="zh-CN" dirty="0" smtClean="0"/>
+          </a:p>
+          <a:p>
+            <a:pPr marL="0" marR="0" indent="0" algn="l" defTabSz="914400" rtl="0" eaLnBrk="1" fontAlgn="auto" latinLnBrk="0" hangingPunct="1">
+              <a:lnSpc>
+                <a:spcPct val="100000"/>
+              </a:lnSpc>
+              <a:spcBef>
+                <a:spcPts val="0"/>
+              </a:spcBef>
+              <a:spcAft>
+                <a:spcPts val="0"/>
+              </a:spcAft>
+              <a:buClrTx/>
+              <a:buSzTx/>
+              <a:buFontTx/>
+              <a:buNone/>
+              <a:tabLst/>
+              <a:defRPr/>
+            </a:pPr>
+            <a:r>
+              <a:rPr lang="zh-CN" altLang="en-US" dirty="0" smtClean="0"/>
+              <a:t>截图中</a:t>
+            </a:r>
+            <a:r>
+              <a:rPr lang="en-US" altLang="zh-CN" dirty="0" smtClean="0"/>
+              <a:t> </a:t>
+            </a:r>
+            <a:r>
+              <a:rPr lang="zh-CN" altLang="en-US" dirty="0" smtClean="0"/>
+              <a:t>大括号</a:t>
+            </a:r>
+            <a:r>
+              <a:rPr lang="en-US" altLang="zh-CN" dirty="0" smtClean="0"/>
+              <a:t> </a:t>
+            </a:r>
+            <a:r>
+              <a:rPr lang="zh-CN" altLang="en-US" dirty="0" smtClean="0"/>
+              <a:t>写成中文的了。</a:t>
+            </a:r>
+            <a:endParaRPr lang="en-US" altLang="zh-CN" dirty="0" smtClean="0"/>
+          </a:p>
+          <a:p>
+            <a:endParaRPr lang="en-US" altLang="zh-CN" dirty="0" smtClean="0"/>
+          </a:p>
+          <a:p>
+            <a:r>
+              <a:rPr lang="en-US" altLang="zh-CN" dirty="0" smtClean="0"/>
+              <a:t>http://</a:t>
+            </a:r>
+            <a:r>
+              <a:rPr lang="en-US" altLang="zh-CN" dirty="0" err="1" smtClean="0"/>
+              <a:t>pokerg.github.io</a:t>
+            </a:r>
+            <a:r>
+              <a:rPr lang="en-US" altLang="zh-CN" dirty="0" smtClean="0"/>
+              <a:t>/Programming%20Language/interface/ </a:t>
+            </a:r>
+          </a:p>
+          <a:p>
             <a:endParaRPr lang="zh-CN" altLang="en-US" dirty="0"/>
           </a:p>
         </p:txBody>
@@ -2275,7 +4454,7 @@
           <a:p>
             <a:fld id="{347F8222-77C5-485F-ADD4-207BF1484453}" type="slidenum">
               <a:rPr lang="zh-CN" altLang="en-US" smtClean="0"/>
-              <a:t>16</a:t>
+              <a:t>9</a:t>
             </a:fld>
             <a:endParaRPr lang="zh-CN" altLang="en-US"/>
           </a:p>
@@ -2284,7 +4463,7 @@
     </p:spTree>
     <p:extLst>
       <p:ext uri="{BB962C8B-B14F-4D97-AF65-F5344CB8AC3E}">
-        <p14:creationId xmlns:p14="http://schemas.microsoft.com/office/powerpoint/2010/main" val="2506510876"/>
+        <p14:creationId xmlns:p14="http://schemas.microsoft.com/office/powerpoint/2010/main" val="457973920"/>
       </p:ext>
     </p:extLst>
   </p:cSld>
@@ -2313,7 +4492,7 @@
       </p:grpSpPr>
       <p:sp>
         <p:nvSpPr>
-          <p:cNvPr id="2" name="幻灯片图像占位符 1"/>
+          <p:cNvPr id="2" name="Slide Image Placeholder 1"/>
           <p:cNvSpPr>
             <a:spLocks noGrp="1" noRot="1" noChangeAspect="1"/>
           </p:cNvSpPr>
@@ -2325,7 +4504,7 @@
       </p:sp>
       <p:sp>
         <p:nvSpPr>
-          <p:cNvPr id="3" name="备注占位符 2"/>
+          <p:cNvPr id="3" name="Notes Placeholder 2"/>
           <p:cNvSpPr>
             <a:spLocks noGrp="1"/>
           </p:cNvSpPr>
@@ -2340,15 +4519,15 @@
           <a:p>
             <a:r>
               <a:rPr lang="zh-CN" altLang="en-US" dirty="0" smtClean="0"/>
-              <a:t>全文检索，关键字分析的脚本。</a:t>
-            </a:r>
-            <a:endParaRPr lang="zh-CN" altLang="en-US" dirty="0"/>
-          </a:p>
-        </p:txBody>
-      </p:sp>
-      <p:sp>
-        <p:nvSpPr>
-          <p:cNvPr id="4" name="灯片编号占位符 3"/>
+              <a:t>接口也可以组合，好处后面讲组合的时候再细说。</a:t>
+            </a:r>
+            <a:endParaRPr lang="en-US" dirty="0"/>
+          </a:p>
+        </p:txBody>
+      </p:sp>
+      <p:sp>
+        <p:nvSpPr>
+          <p:cNvPr id="4" name="Slide Number Placeholder 3"/>
           <p:cNvSpPr>
             <a:spLocks noGrp="1"/>
           </p:cNvSpPr>
@@ -2363,7 +4542,7 @@
           <a:p>
             <a:fld id="{347F8222-77C5-485F-ADD4-207BF1484453}" type="slidenum">
               <a:rPr lang="zh-CN" altLang="en-US" smtClean="0"/>
-              <a:t>17</a:t>
+              <a:t>10</a:t>
             </a:fld>
             <a:endParaRPr lang="zh-CN" altLang="en-US"/>
           </a:p>
@@ -2372,7 +4551,7 @@
     </p:spTree>
     <p:extLst>
       <p:ext uri="{BB962C8B-B14F-4D97-AF65-F5344CB8AC3E}">
-        <p14:creationId xmlns:p14="http://schemas.microsoft.com/office/powerpoint/2010/main" val="2019754455"/>
+        <p14:creationId xmlns:p14="http://schemas.microsoft.com/office/powerpoint/2010/main" val="2342036556"/>
       </p:ext>
     </p:extLst>
   </p:cSld>
@@ -2401,7 +4580,7 @@
       </p:grpSpPr>
       <p:sp>
         <p:nvSpPr>
-          <p:cNvPr id="2" name="幻灯片图像占位符 1"/>
+          <p:cNvPr id="2" name="Slide Image Placeholder 1"/>
           <p:cNvSpPr>
             <a:spLocks noGrp="1" noRot="1" noChangeAspect="1"/>
           </p:cNvSpPr>
@@ -2413,7 +4592,7 @@
       </p:sp>
       <p:sp>
         <p:nvSpPr>
-          <p:cNvPr id="3" name="备注占位符 2"/>
+          <p:cNvPr id="3" name="Notes Placeholder 2"/>
           <p:cNvSpPr>
             <a:spLocks noGrp="1"/>
           </p:cNvSpPr>
@@ -2427,18 +4606,36 @@
           <a:lstStyle/>
           <a:p>
             <a:r>
-              <a:rPr lang="en-US" altLang="zh-CN" dirty="0" smtClean="0">
-                <a:hlinkClick r:id="rId3"/>
-              </a:rPr>
-              <a:t>http://chenyufei.info/blog/2009-01-19/why-unix-pipe-is-a-good-thing/</a:t>
-            </a:r>
-            <a:endParaRPr lang="zh-CN" altLang="en-US" dirty="0"/>
-          </a:p>
-        </p:txBody>
-      </p:sp>
-      <p:sp>
-        <p:nvSpPr>
-          <p:cNvPr id="4" name="灯片编号占位符 3"/>
+              <a:rPr lang="zh-CN" altLang="en-US" dirty="0" smtClean="0"/>
+              <a:t>任何类型的值都可以用</a:t>
+            </a:r>
+            <a:r>
+              <a:rPr lang="en-US" altLang="zh-CN" dirty="0" smtClean="0"/>
+              <a:t> </a:t>
+            </a:r>
+            <a:r>
+              <a:rPr lang="en-US" altLang="zh-CN" dirty="0" err="1" smtClean="0"/>
+              <a:t>inferface</a:t>
+            </a:r>
+            <a:r>
+              <a:rPr lang="en-US" altLang="zh-CN" dirty="0" smtClean="0"/>
+              <a:t>{}</a:t>
+            </a:r>
+            <a:r>
+              <a:rPr lang="en-US" altLang="zh-CN" baseline="0" dirty="0" smtClean="0"/>
+              <a:t> </a:t>
+            </a:r>
+            <a:r>
+              <a:rPr lang="zh-CN" altLang="en-US" baseline="0" dirty="0" smtClean="0"/>
+              <a:t>来承载。</a:t>
+            </a:r>
+            <a:endParaRPr lang="en-US" dirty="0"/>
+          </a:p>
+        </p:txBody>
+      </p:sp>
+      <p:sp>
+        <p:nvSpPr>
+          <p:cNvPr id="4" name="Slide Number Placeholder 3"/>
           <p:cNvSpPr>
             <a:spLocks noGrp="1"/>
           </p:cNvSpPr>
@@ -2453,7 +4650,7 @@
           <a:p>
             <a:fld id="{347F8222-77C5-485F-ADD4-207BF1484453}" type="slidenum">
               <a:rPr lang="zh-CN" altLang="en-US" smtClean="0"/>
-              <a:t>18</a:t>
+              <a:t>11</a:t>
             </a:fld>
             <a:endParaRPr lang="zh-CN" altLang="en-US"/>
           </a:p>
@@ -2462,7 +4659,7 @@
     </p:spTree>
     <p:extLst>
       <p:ext uri="{BB962C8B-B14F-4D97-AF65-F5344CB8AC3E}">
-        <p14:creationId xmlns:p14="http://schemas.microsoft.com/office/powerpoint/2010/main" val="1560458780"/>
+        <p14:creationId xmlns:p14="http://schemas.microsoft.com/office/powerpoint/2010/main" val="4005942515"/>
       </p:ext>
     </p:extLst>
   </p:cSld>
@@ -2491,7 +4688,7 @@
       </p:grpSpPr>
       <p:sp>
         <p:nvSpPr>
-          <p:cNvPr id="2" name="幻灯片图像占位符 1"/>
+          <p:cNvPr id="2" name="Slide Image Placeholder 1"/>
           <p:cNvSpPr>
             <a:spLocks noGrp="1" noRot="1" noChangeAspect="1"/>
           </p:cNvSpPr>
@@ -2503,7 +4700,7 @@
       </p:sp>
       <p:sp>
         <p:nvSpPr>
-          <p:cNvPr id="3" name="备注占位符 2"/>
+          <p:cNvPr id="3" name="Notes Placeholder 2"/>
           <p:cNvSpPr>
             <a:spLocks noGrp="1"/>
           </p:cNvSpPr>
@@ -2517,51 +4714,74 @@
           <a:lstStyle/>
           <a:p>
             <a:r>
-              <a:rPr lang="en-US" altLang="zh-CN" dirty="0" smtClean="0">
-                <a:hlinkClick r:id="rId3"/>
-              </a:rPr>
-              <a:t>http://zh.wikipedia.org/wiki/%E6%9F%AF%E9%87%8C%E5%8C%96</a:t>
+              <a:rPr lang="en-US" altLang="zh-CN" dirty="0" smtClean="0"/>
+              <a:t>general.(type) 		</a:t>
+            </a:r>
+            <a:r>
+              <a:rPr lang="zh-CN" altLang="en-US" dirty="0" smtClean="0"/>
+              <a:t>类型查询</a:t>
+            </a:r>
+            <a:r>
+              <a:rPr lang="en-US" altLang="zh-CN" dirty="0" smtClean="0"/>
+              <a:t/>
+            </a:r>
+            <a:br>
+              <a:rPr lang="en-US" altLang="zh-CN" dirty="0" smtClean="0"/>
+            </a:br>
+            <a:r>
+              <a:rPr lang="en-US" altLang="zh-CN" dirty="0" smtClean="0"/>
+              <a:t>if</a:t>
+            </a:r>
+            <a:r>
+              <a:rPr lang="en-US" altLang="zh-CN" baseline="0" dirty="0" smtClean="0"/>
+              <a:t> </a:t>
+            </a:r>
+            <a:r>
+              <a:rPr lang="en-US" dirty="0" smtClean="0"/>
+              <a:t>w</a:t>
+            </a:r>
+            <a:r>
+              <a:rPr lang="zh-CN" altLang="en-US" dirty="0" smtClean="0"/>
+              <a:t>，</a:t>
+            </a:r>
+            <a:r>
+              <a:rPr lang="en-US" altLang="zh-CN" dirty="0" smtClean="0"/>
+              <a:t>ok </a:t>
+            </a:r>
+            <a:r>
+              <a:rPr lang="zh-CN" altLang="en-US" dirty="0" smtClean="0"/>
+              <a:t>：＝</a:t>
+            </a:r>
+            <a:r>
+              <a:rPr lang="en-US" altLang="zh-CN" dirty="0" smtClean="0"/>
+              <a:t> a.(</a:t>
+            </a:r>
+            <a:r>
+              <a:rPr lang="en-US" altLang="zh-CN" dirty="0" err="1" smtClean="0"/>
+              <a:t>io.Writer</a:t>
+            </a:r>
+            <a:r>
+              <a:rPr lang="en-US" altLang="zh-CN" dirty="0" smtClean="0"/>
+              <a:t>); ok {     	</a:t>
+            </a:r>
+            <a:r>
+              <a:rPr lang="zh-CN" altLang="en-US" dirty="0" smtClean="0"/>
+              <a:t>接口查询</a:t>
             </a:r>
             <a:endParaRPr lang="en-US" altLang="zh-CN" dirty="0" smtClean="0"/>
           </a:p>
           <a:p>
-            <a:endParaRPr lang="en-US" altLang="zh-CN" dirty="0" smtClean="0"/>
-          </a:p>
-          <a:p>
-            <a:r>
-              <a:rPr lang="en-US" altLang="zh-CN" dirty="0" smtClean="0">
-                <a:hlinkClick r:id="rId4"/>
-              </a:rPr>
-              <a:t>http://alanwu.iteye.com/blog/538866</a:t>
-            </a:r>
-            <a:endParaRPr lang="en-US" altLang="zh-CN" dirty="0" smtClean="0"/>
-          </a:p>
-          <a:p>
-            <a:endParaRPr lang="en-US" altLang="zh-CN" dirty="0" smtClean="0"/>
-          </a:p>
-          <a:p>
-            <a:r>
-              <a:rPr lang="zh-CN" altLang="en-US" sz="1200" b="0" i="0" kern="1200" dirty="0" smtClean="0">
-                <a:solidFill>
-                  <a:schemeClr val="tx1"/>
-                </a:solidFill>
-                <a:effectLst/>
-                <a:latin typeface="+mn-lt"/>
-                <a:ea typeface="+mn-ea"/>
-                <a:cs typeface="+mn-cs"/>
-              </a:rPr>
-              <a:t>子函数可以使用父函数中的局部变量，这种行为就叫做闭包！</a:t>
-            </a:r>
-            <a:endParaRPr lang="en-US" altLang="zh-CN" dirty="0" smtClean="0"/>
-          </a:p>
-          <a:p>
-            <a:endParaRPr lang="zh-CN" altLang="en-US" dirty="0"/>
-          </a:p>
-        </p:txBody>
-      </p:sp>
-      <p:sp>
-        <p:nvSpPr>
-          <p:cNvPr id="4" name="灯片编号占位符 3"/>
+            <a:r>
+              <a:rPr lang="en-US" dirty="0" smtClean="0"/>
+              <a:t>}</a:t>
+            </a:r>
+            <a:endParaRPr lang="en-US" dirty="0"/>
+          </a:p>
+        </p:txBody>
+      </p:sp>
+      <p:sp>
+        <p:nvSpPr>
+          <p:cNvPr id="4" name="Slide Number Placeholder 3"/>
           <p:cNvSpPr>
             <a:spLocks noGrp="1"/>
           </p:cNvSpPr>
@@ -2576,7 +4796,7 @@
           <a:p>
             <a:fld id="{347F8222-77C5-485F-ADD4-207BF1484453}" type="slidenum">
               <a:rPr lang="zh-CN" altLang="en-US" smtClean="0"/>
-              <a:t>22</a:t>
+              <a:t>12</a:t>
             </a:fld>
             <a:endParaRPr lang="zh-CN" altLang="en-US"/>
           </a:p>
@@ -2585,7 +4805,7 @@
     </p:spTree>
     <p:extLst>
       <p:ext uri="{BB962C8B-B14F-4D97-AF65-F5344CB8AC3E}">
-        <p14:creationId xmlns:p14="http://schemas.microsoft.com/office/powerpoint/2010/main" val="425464411"/>
+        <p14:creationId xmlns:p14="http://schemas.microsoft.com/office/powerpoint/2010/main" val="1355018413"/>
       </p:ext>
     </p:extLst>
   </p:cSld>
@@ -2802,7 +5022,7 @@
           <a:p>
             <a:fld id="{69A83AB9-CCC0-4BF1-995C-C99A7F2533E7}" type="datetimeFigureOut">
               <a:rPr lang="zh-CN" altLang="en-US" smtClean="0"/>
-              <a:t>14/12/14</a:t>
+              <a:t>14/12/16</a:t>
             </a:fld>
             <a:endParaRPr lang="zh-CN" altLang="en-US"/>
           </a:p>
@@ -2996,7 +5216,7 @@
           <a:p>
             <a:fld id="{69A83AB9-CCC0-4BF1-995C-C99A7F2533E7}" type="datetimeFigureOut">
               <a:rPr lang="zh-CN" altLang="en-US" smtClean="0"/>
-              <a:t>14/12/14</a:t>
+              <a:t>14/12/16</a:t>
             </a:fld>
             <a:endParaRPr lang="zh-CN" altLang="en-US"/>
           </a:p>
@@ -3184,7 +5404,7 @@
           <a:p>
             <a:fld id="{69A83AB9-CCC0-4BF1-995C-C99A7F2533E7}" type="datetimeFigureOut">
               <a:rPr lang="zh-CN" altLang="en-US" smtClean="0"/>
-              <a:t>14/12/14</a:t>
+              <a:t>14/12/16</a:t>
             </a:fld>
             <a:endParaRPr lang="zh-CN" altLang="en-US"/>
           </a:p>
@@ -3413,7 +5633,7 @@
           <a:p>
             <a:fld id="{69A83AB9-CCC0-4BF1-995C-C99A7F2533E7}" type="datetimeFigureOut">
               <a:rPr lang="zh-CN" altLang="en-US" smtClean="0"/>
-              <a:t>14/12/14</a:t>
+              <a:t>14/12/16</a:t>
             </a:fld>
             <a:endParaRPr lang="zh-CN" altLang="en-US"/>
           </a:p>
@@ -3694,7 +5914,7 @@
           <a:p>
             <a:fld id="{69A83AB9-CCC0-4BF1-995C-C99A7F2533E7}" type="datetimeFigureOut">
               <a:rPr lang="zh-CN" altLang="en-US" smtClean="0"/>
-              <a:t>14/12/14</a:t>
+              <a:t>14/12/16</a:t>
             </a:fld>
             <a:endParaRPr lang="zh-CN" altLang="en-US"/>
           </a:p>
@@ -3982,7 +6202,7 @@
           <a:p>
             <a:fld id="{69A83AB9-CCC0-4BF1-995C-C99A7F2533E7}" type="datetimeFigureOut">
               <a:rPr lang="zh-CN" altLang="en-US" smtClean="0"/>
-              <a:t>14/12/14</a:t>
+              <a:t>14/12/16</a:t>
             </a:fld>
             <a:endParaRPr lang="zh-CN" altLang="en-US"/>
           </a:p>
@@ -4536,7 +6756,7 @@
           <a:p>
             <a:fld id="{69A83AB9-CCC0-4BF1-995C-C99A7F2533E7}" type="datetimeFigureOut">
               <a:rPr lang="zh-CN" altLang="en-US" smtClean="0"/>
-              <a:t>14/12/14</a:t>
+              <a:t>14/12/16</a:t>
             </a:fld>
             <a:endParaRPr lang="zh-CN" altLang="en-US"/>
           </a:p>
@@ -4667,7 +6887,7 @@
           <a:p>
             <a:fld id="{69A83AB9-CCC0-4BF1-995C-C99A7F2533E7}" type="datetimeFigureOut">
               <a:rPr lang="zh-CN" altLang="en-US" smtClean="0"/>
-              <a:t>14/12/14</a:t>
+              <a:t>14/12/16</a:t>
             </a:fld>
             <a:endParaRPr lang="zh-CN" altLang="en-US"/>
           </a:p>
@@ -4817,7 +7037,7 @@
           <a:p>
             <a:fld id="{69A83AB9-CCC0-4BF1-995C-C99A7F2533E7}" type="datetimeFigureOut">
               <a:rPr lang="zh-CN" altLang="en-US" smtClean="0"/>
-              <a:t>14/12/14</a:t>
+              <a:t>14/12/16</a:t>
             </a:fld>
             <a:endParaRPr lang="zh-CN" altLang="en-US"/>
           </a:p>
@@ -5138,7 +7358,7 @@
           <a:p>
             <a:fld id="{69A83AB9-CCC0-4BF1-995C-C99A7F2533E7}" type="datetimeFigureOut">
               <a:rPr lang="zh-CN" altLang="en-US" smtClean="0"/>
-              <a:t>14/12/14</a:t>
+              <a:t>14/12/16</a:t>
             </a:fld>
             <a:endParaRPr lang="zh-CN" altLang="en-US"/>
           </a:p>
@@ -5435,7 +7655,7 @@
           <a:p>
             <a:fld id="{69A83AB9-CCC0-4BF1-995C-C99A7F2533E7}" type="datetimeFigureOut">
               <a:rPr lang="zh-CN" altLang="en-US" smtClean="0"/>
-              <a:t>14/12/14</a:t>
+              <a:t>14/12/16</a:t>
             </a:fld>
             <a:endParaRPr lang="zh-CN" altLang="en-US"/>
           </a:p>
@@ -5680,7 +7900,7 @@
           <a:p>
             <a:fld id="{69A83AB9-CCC0-4BF1-995C-C99A7F2533E7}" type="datetimeFigureOut">
               <a:rPr lang="zh-CN" altLang="en-US" smtClean="0"/>
-              <a:t>14/12/14</a:t>
+              <a:t>14/12/16</a:t>
             </a:fld>
             <a:endParaRPr lang="zh-CN" altLang="en-US"/>
           </a:p>
@@ -6446,7 +8666,7 @@
           <p:nvPr/>
         </p:nvPicPr>
         <p:blipFill>
-          <a:blip r:embed="rId2">
+          <a:blip r:embed="rId3">
             <a:extLst>
               <a:ext uri="{28A0092B-C50C-407E-A947-70E740481C1C}">
                 <a14:useLocalDpi xmlns:a14="http://schemas.microsoft.com/office/drawing/2010/main" val="0"/>
@@ -6708,7 +8928,7 @@
           <p:nvPr/>
         </p:nvPicPr>
         <p:blipFill>
-          <a:blip r:embed="rId2">
+          <a:blip r:embed="rId3">
             <a:extLst>
               <a:ext uri="{28A0092B-C50C-407E-A947-70E740481C1C}">
                 <a14:useLocalDpi xmlns:a14="http://schemas.microsoft.com/office/drawing/2010/main" val="0"/>
@@ -6856,7 +9076,7 @@
           <p:nvPr/>
         </p:nvPicPr>
         <p:blipFill>
-          <a:blip r:embed="rId2">
+          <a:blip r:embed="rId3">
             <a:extLst>
               <a:ext uri="{28A0092B-C50C-407E-A947-70E740481C1C}">
                 <a14:useLocalDpi xmlns:a14="http://schemas.microsoft.com/office/drawing/2010/main" val="0"/>
@@ -6920,7 +9140,7 @@
           <p:nvPr/>
         </p:nvPicPr>
         <p:blipFill>
-          <a:blip r:embed="rId3">
+          <a:blip r:embed="rId4">
             <a:extLst>
               <a:ext uri="{28A0092B-C50C-407E-A947-70E740481C1C}">
                 <a14:useLocalDpi xmlns:a14="http://schemas.microsoft.com/office/drawing/2010/main" val="0"/>
@@ -7099,7 +9319,15 @@
             </a:r>
             <a:r>
               <a:rPr lang="zh-CN" altLang="en-US" dirty="0"/>
-              <a:t>描述，并在编译期</a:t>
+              <a:t>描述，并在</a:t>
+            </a:r>
+            <a:r>
+              <a:rPr lang="zh-CN" altLang="en-US" dirty="0">
+                <a:solidFill>
+                  <a:srgbClr val="FFFF00"/>
+                </a:solidFill>
+              </a:rPr>
+              <a:t>编译期</a:t>
             </a:r>
             <a:r>
               <a:rPr lang="zh-CN" altLang="en-US" dirty="0" smtClean="0"/>
@@ -7125,7 +9353,7 @@
           <p:nvPr/>
         </p:nvPicPr>
         <p:blipFill>
-          <a:blip r:embed="rId2">
+          <a:blip r:embed="rId3">
             <a:extLst>
               <a:ext uri="{28A0092B-C50C-407E-A947-70E740481C1C}">
                 <a14:useLocalDpi xmlns:a14="http://schemas.microsoft.com/office/drawing/2010/main" val="0"/>
@@ -7189,7 +9417,7 @@
           <p:nvPr/>
         </p:nvPicPr>
         <p:blipFill>
-          <a:blip r:embed="rId3">
+          <a:blip r:embed="rId4">
             <a:extLst>
               <a:ext uri="{28A0092B-C50C-407E-A947-70E740481C1C}">
                 <a14:useLocalDpi xmlns:a14="http://schemas.microsoft.com/office/drawing/2010/main" val="0"/>
@@ -8101,11 +10329,7 @@
             </a:r>
             <a:r>
               <a:rPr lang="zh-CN" altLang="en-US" dirty="0" smtClean="0"/>
-              <a:t>“替换文字”</a:t>
-            </a:r>
-            <a:r>
-              <a:rPr lang="zh-CN" altLang="en-US" dirty="0" smtClean="0"/>
-              <a:t>。</a:t>
+              <a:t>“替换文字”。</a:t>
             </a:r>
             <a:r>
               <a:rPr lang="en-US" altLang="zh-CN" dirty="0" smtClean="0"/>
@@ -9174,7 +11398,7 @@
           <p:nvPr/>
         </p:nvPicPr>
         <p:blipFill>
-          <a:blip r:embed="rId2">
+          <a:blip r:embed="rId3">
             <a:extLst>
               <a:ext uri="{28A0092B-C50C-407E-A947-70E740481C1C}">
                 <a14:useLocalDpi xmlns:a14="http://schemas.microsoft.com/office/drawing/2010/main" val="0"/>
@@ -9739,10 +11963,22 @@
             </a:r>
             <a:r>
               <a:rPr lang="zh-CN" altLang="en-US" dirty="0"/>
-              <a:t>关键字）。</a:t>
-            </a:r>
-            <a:r>
-              <a:rPr lang="en-US" altLang="zh-CN" dirty="0"/>
+              <a:t>关键字）</a:t>
+            </a:r>
+            <a:r>
+              <a:rPr lang="zh-CN" altLang="en-US" dirty="0" smtClean="0"/>
+              <a:t>。</a:t>
+            </a:r>
+            <a:endParaRPr lang="en-US" altLang="zh-CN" dirty="0" smtClean="0"/>
+          </a:p>
+          <a:p>
+            <a:pPr lvl="1">
+              <a:lnSpc>
+                <a:spcPct val="170000"/>
+              </a:lnSpc>
+            </a:pPr>
+            <a:r>
+              <a:rPr lang="en-US" altLang="zh-CN" dirty="0" smtClean="0"/>
               <a:t>defer</a:t>
             </a:r>
             <a:r>
@@ -9763,7 +11999,27 @@
             </a:r>
             <a:r>
               <a:rPr lang="zh-CN" altLang="en-US" dirty="0"/>
-              <a:t>语言中的错误处理代码显得非常优雅。在一个正常的函数调用前加上</a:t>
+              <a:t>语言中的错误处理代码显得非常优雅</a:t>
+            </a:r>
+            <a:r>
+              <a:rPr lang="zh-CN" altLang="en-US" dirty="0" smtClean="0"/>
+              <a:t>。</a:t>
+            </a:r>
+            <a:endParaRPr lang="en-US" altLang="zh-CN" dirty="0" smtClean="0"/>
+          </a:p>
+          <a:p>
+            <a:pPr lvl="1">
+              <a:lnSpc>
+                <a:spcPct val="170000"/>
+              </a:lnSpc>
+            </a:pPr>
+            <a:r>
+              <a:rPr lang="zh-CN" altLang="en-US" dirty="0" smtClean="0"/>
+              <a:t>在一个</a:t>
+            </a:r>
+            <a:r>
+              <a:rPr lang="zh-CN" altLang="en-US" dirty="0"/>
+              <a:t>正常的函数调用前加上</a:t>
             </a:r>
             <a:r>
               <a:rPr lang="en-US" altLang="zh-CN" dirty="0"/>
@@ -9779,7 +12035,27 @@
             </a:r>
             <a:r>
               <a:rPr lang="zh-CN" altLang="en-US" dirty="0"/>
-              <a:t>中并行执行。理解了这些背景，这个</a:t>
+              <a:t>中并行执行</a:t>
+            </a:r>
+            <a:r>
+              <a:rPr lang="zh-CN" altLang="en-US" dirty="0" smtClean="0"/>
+              <a:t>。</a:t>
+            </a:r>
+            <a:endParaRPr lang="en-US" altLang="zh-CN" dirty="0" smtClean="0"/>
+          </a:p>
+          <a:p>
+            <a:pPr>
+              <a:lnSpc>
+                <a:spcPct val="170000"/>
+              </a:lnSpc>
+            </a:pPr>
+            <a:r>
+              <a:rPr lang="zh-CN" altLang="en-US" dirty="0" smtClean="0"/>
+              <a:t>理解了这些</a:t>
+            </a:r>
+            <a:r>
+              <a:rPr lang="zh-CN" altLang="en-US" dirty="0"/>
+              <a:t>背景，这个</a:t>
             </a:r>
             <a:r>
               <a:rPr lang="en-US" altLang="zh-CN" dirty="0"/>
@@ -9873,7 +12149,7 @@
           <p:nvPr/>
         </p:nvPicPr>
         <p:blipFill>
-          <a:blip r:embed="rId2">
+          <a:blip r:embed="rId3">
             <a:extLst>
               <a:ext uri="{28A0092B-C50C-407E-A947-70E740481C1C}">
                 <a14:useLocalDpi xmlns:a14="http://schemas.microsoft.com/office/drawing/2010/main" val="0"/>
@@ -10063,7 +12339,7 @@
           <p:nvPr/>
         </p:nvPicPr>
         <p:blipFill>
-          <a:blip r:embed="rId2">
+          <a:blip r:embed="rId3">
             <a:extLst>
               <a:ext uri="{28A0092B-C50C-407E-A947-70E740481C1C}">
                 <a14:useLocalDpi xmlns:a14="http://schemas.microsoft.com/office/drawing/2010/main" val="0"/>
@@ -10127,7 +12403,7 @@
           <p:nvPr/>
         </p:nvPicPr>
         <p:blipFill>
-          <a:blip r:embed="rId3">
+          <a:blip r:embed="rId4">
             <a:extLst>
               <a:ext uri="{28A0092B-C50C-407E-A947-70E740481C1C}">
                 <a14:useLocalDpi xmlns:a14="http://schemas.microsoft.com/office/drawing/2010/main" val="0"/>
@@ -10277,7 +12553,7 @@
           <p:nvPr/>
         </p:nvPicPr>
         <p:blipFill>
-          <a:blip r:embed="rId2">
+          <a:blip r:embed="rId3">
             <a:extLst>
               <a:ext uri="{28A0092B-C50C-407E-A947-70E740481C1C}">
                 <a14:useLocalDpi xmlns:a14="http://schemas.microsoft.com/office/drawing/2010/main" val="0"/>
@@ -10598,87 +12874,28 @@
           </a:p>
         </p:txBody>
       </p:sp>
-      <p:sp>
-        <p:nvSpPr>
-          <p:cNvPr id="3" name="内容占位符 2"/>
-          <p:cNvSpPr>
-            <a:spLocks noGrp="1"/>
-          </p:cNvSpPr>
-          <p:nvPr>
-            <p:ph idx="1"/>
-          </p:nvPr>
-        </p:nvSpPr>
-        <p:spPr/>
-        <p:txBody>
-          <a:bodyPr/>
-          <a:lstStyle/>
-          <a:p>
-            <a:endParaRPr lang="zh-CN" altLang="en-US"/>
-          </a:p>
-        </p:txBody>
-      </p:sp>
       <p:pic>
         <p:nvPicPr>
-          <p:cNvPr id="5122" name="Picture 2"/>
+          <p:cNvPr id="4" name="Content Placeholder 3"/>
           <p:cNvPicPr>
-            <a:picLocks noChangeAspect="1" noChangeArrowheads="1"/>
+            <a:picLocks noGrp="1" noChangeAspect="1"/>
           </p:cNvPicPr>
-          <p:nvPr/>
+          <p:nvPr>
+            <p:ph idx="1"/>
+          </p:nvPr>
         </p:nvPicPr>
         <p:blipFill>
-          <a:blip r:embed="rId2">
-            <a:extLst>
-              <a:ext uri="{28A0092B-C50C-407E-A947-70E740481C1C}">
-                <a14:useLocalDpi xmlns:a14="http://schemas.microsoft.com/office/drawing/2010/main" val="0"/>
-              </a:ext>
-            </a:extLst>
-          </a:blip>
-          <a:srcRect/>
+          <a:blip r:embed="rId3"/>
+          <a:srcRect t="-5476" b="-5476"/>
           <a:stretch>
             <a:fillRect/>
           </a:stretch>
         </p:blipFill>
-        <p:spPr bwMode="auto">
+        <p:spPr>
           <a:xfrm>
-            <a:off x="1909300" y="1556792"/>
-            <a:ext cx="5276850" cy="4819650"/>
+            <a:off x="2339752" y="2492896"/>
+            <a:ext cx="4618856" cy="2201738"/>
           </a:xfrm>
-          <a:prstGeom prst="rect">
-            <a:avLst/>
-          </a:prstGeom>
-          <a:noFill/>
-          <a:ln>
-            <a:noFill/>
-          </a:ln>
-          <a:effectLst/>
-          <a:extLst>
-            <a:ext uri="{909E8E84-426E-40dd-AFC4-6F175D3DCCD1}">
-              <a14:hiddenFill xmlns:a14="http://schemas.microsoft.com/office/drawing/2010/main">
-                <a:solidFill>
-                  <a:schemeClr val="accent1"/>
-                </a:solidFill>
-              </a14:hiddenFill>
-            </a:ext>
-            <a:ext uri="{91240B29-F687-4f45-9708-019B960494DF}">
-              <a14:hiddenLine xmlns:a14="http://schemas.microsoft.com/office/drawing/2010/main" w="9525">
-                <a:solidFill>
-                  <a:schemeClr val="tx1"/>
-                </a:solidFill>
-                <a:miter lim="800000"/>
-                <a:headEnd/>
-                <a:tailEnd/>
-              </a14:hiddenLine>
-            </a:ext>
-            <a:ext uri="{AF507438-7753-43e0-B8FC-AC1667EBCBE1}">
-              <a14:hiddenEffects xmlns:a14="http://schemas.microsoft.com/office/drawing/2010/main">
-                <a:effectLst>
-                  <a:outerShdw dist="35921" dir="2700000" algn="ctr" rotWithShape="0">
-                    <a:schemeClr val="bg2"/>
-                  </a:outerShdw>
-                </a:effectLst>
-              </a14:hiddenEffects>
-            </a:ext>
-          </a:extLst>
         </p:spPr>
       </p:pic>
     </p:spTree>
@@ -10735,7 +12952,19 @@
           <a:p>
             <a:r>
               <a:rPr lang="zh-CN" altLang="en-US" dirty="0" smtClean="0"/>
-              <a:t>更严格的</a:t>
+              <a:t>更严</a:t>
+            </a:r>
+            <a:r>
+              <a:rPr lang="zh-CN" altLang="en-US" dirty="0" smtClean="0"/>
+              <a:t>格</a:t>
+            </a:r>
+            <a:r>
+              <a:rPr lang="zh-CN" altLang="en-US" dirty="0" smtClean="0"/>
+              <a:t>、强大</a:t>
+            </a:r>
+            <a:r>
+              <a:rPr lang="zh-CN" altLang="en-US" dirty="0" smtClean="0"/>
+              <a:t>的</a:t>
             </a:r>
             <a:r>
               <a:rPr lang="en-US" altLang="zh-CN" dirty="0" smtClean="0"/>
@@ -10773,7 +13002,7 @@
           <p:nvPr/>
         </p:nvPicPr>
         <p:blipFill>
-          <a:blip r:embed="rId2">
+          <a:blip r:embed="rId3">
             <a:extLst>
               <a:ext uri="{28A0092B-C50C-407E-A947-70E740481C1C}">
                 <a14:useLocalDpi xmlns:a14="http://schemas.microsoft.com/office/drawing/2010/main" val="0"/>
@@ -12605,7 +14834,7 @@
           <p:nvPr/>
         </p:nvPicPr>
         <p:blipFill>
-          <a:blip r:embed="rId2">
+          <a:blip r:embed="rId3">
             <a:extLst>
               <a:ext uri="{28A0092B-C50C-407E-A947-70E740481C1C}">
                 <a14:useLocalDpi xmlns:a14="http://schemas.microsoft.com/office/drawing/2010/main" val="0"/>
@@ -13552,7 +15781,7 @@
           <p:nvPr/>
         </p:nvPicPr>
         <p:blipFill>
-          <a:blip r:embed="rId2">
+          <a:blip r:embed="rId3">
             <a:extLst>
               <a:ext uri="{28A0092B-C50C-407E-A947-70E740481C1C}">
                 <a14:useLocalDpi xmlns:a14="http://schemas.microsoft.com/office/drawing/2010/main" val="0"/>
@@ -14131,7 +16360,7 @@
           <p:nvPr/>
         </p:nvPicPr>
         <p:blipFill>
-          <a:blip r:embed="rId2">
+          <a:blip r:embed="rId3">
             <a:extLst>
               <a:ext uri="{28A0092B-C50C-407E-A947-70E740481C1C}">
                 <a14:useLocalDpi xmlns:a14="http://schemas.microsoft.com/office/drawing/2010/main" val="0"/>
@@ -15624,7 +17853,7 @@
           <p:nvPr/>
         </p:nvPicPr>
         <p:blipFill>
-          <a:blip r:embed="rId2">
+          <a:blip r:embed="rId3">
             <a:extLst>
               <a:ext uri="{28A0092B-C50C-407E-A947-70E740481C1C}">
                 <a14:useLocalDpi xmlns:a14="http://schemas.microsoft.com/office/drawing/2010/main" val="0"/>

--- a/golang连接和组合的语言/Golang 连接和组合的语言.pptx
+++ b/golang连接和组合的语言/Golang 连接和组合的语言.pptx
@@ -237,7 +237,7 @@
           <a:p>
             <a:fld id="{B1C42D84-E911-4C39-845D-CFBE79462142}" type="datetimeFigureOut">
               <a:rPr lang="zh-CN" altLang="en-US" smtClean="0"/>
-              <a:t>14/12/16</a:t>
+              <a:t>2014/12/19</a:t>
             </a:fld>
             <a:endParaRPr lang="zh-CN" altLang="en-US"/>
           </a:p>
@@ -1519,13 +1519,7 @@
               <a:rPr lang="en-US" altLang="zh-CN" dirty="0" smtClean="0">
                 <a:hlinkClick r:id="rId3"/>
               </a:rPr>
-              <a:t>http</a:t>
-            </a:r>
-            <a:r>
-              <a:rPr lang="en-US" altLang="zh-CN" dirty="0" smtClean="0">
-                <a:hlinkClick r:id="rId3"/>
-              </a:rPr>
-              <a:t>://zh.wikipedia.org/wiki/%E6%9F%AF%E9%87%8C%E5%8C%96</a:t>
+              <a:t>http://zh.wikipedia.org/wiki/%E6%9F%AF%E9%87%8C%E5%8C%96</a:t>
             </a:r>
             <a:endParaRPr lang="en-US" altLang="zh-CN" dirty="0" smtClean="0"/>
           </a:p>
@@ -2007,8 +2001,11 @@
                 <a:ea typeface="+mn-ea"/>
                 <a:cs typeface="+mn-cs"/>
               </a:rPr>
-              <a:t>我们</a:t>
-            </a:r>
+              <a:t>我们知道，编程是为了解决问题，而解决问题可以有多种视角和思路，其中普适且行之有效的模式被归结为范式。比如我们常用的“面向对象编程”就是一种范式。</a:t>
+            </a:r>
+          </a:p>
+          <a:p>
+            <a:pPr fontAlgn="base"/>
             <a:r>
               <a:rPr lang="zh-CN" altLang="en-US" sz="1200" b="0" i="0" kern="1200" dirty="0" smtClean="0">
                 <a:solidFill>
@@ -2019,34 +2016,7 @@
                 <a:ea typeface="+mn-ea"/>
                 <a:cs typeface="+mn-cs"/>
               </a:rPr>
-              <a:t>知道，编程是为了解决问题，而解决问题可以有多种视角和思路，其中普适且行之有效的模式被归结为范式。比如我们常用的“面向对象编程”就是一种范式。</a:t>
-            </a:r>
-          </a:p>
-          <a:p>
-            <a:pPr fontAlgn="base"/>
-            <a:r>
-              <a:rPr lang="zh-CN" altLang="en-US" sz="1200" b="0" i="0" kern="1200" dirty="0" smtClean="0">
-                <a:solidFill>
-                  <a:schemeClr val="tx1"/>
-                </a:solidFill>
-                <a:effectLst/>
-                <a:latin typeface="+mn-lt"/>
-                <a:ea typeface="+mn-ea"/>
-                <a:cs typeface="+mn-cs"/>
-              </a:rPr>
-              <a:t>如果把一门编程语</a:t>
-            </a:r>
-            <a:r>
-              <a:rPr lang="zh-CN" altLang="en-US" sz="1200" b="0" i="0" kern="1200" dirty="0" smtClean="0">
-                <a:solidFill>
-                  <a:schemeClr val="tx1"/>
-                </a:solidFill>
-                <a:effectLst/>
-                <a:latin typeface="+mn-lt"/>
-                <a:ea typeface="+mn-ea"/>
-                <a:cs typeface="+mn-cs"/>
-              </a:rPr>
-              <a:t>言比作兵器，它的语法、工具和技巧等是招法，它采用的编程范式则是心法。</a:t>
+              <a:t>如果把一门编程语言比作兵器，它的语法、工具和技巧等是招法，它采用的编程范式则是心法。</a:t>
             </a:r>
           </a:p>
           <a:p>
@@ -2466,11 +2436,7 @@
             </a:r>
             <a:r>
               <a:rPr lang="en-US" altLang="zh-CN" dirty="0" smtClean="0"/>
-              <a:t>, </a:t>
-            </a:r>
-            <a:r>
-              <a:rPr lang="en-US" altLang="zh-CN" dirty="0" smtClean="0"/>
-              <a:t>Pipeline </a:t>
+              <a:t>, Pipeline </a:t>
             </a:r>
             <a:r>
               <a:rPr lang="zh-CN" altLang="en-US" dirty="0" smtClean="0"/>
@@ -2725,7 +2691,54 @@
                 <a:ea typeface="+mn-ea"/>
                 <a:cs typeface="+mn-cs"/>
               </a:rPr>
-              <a:t>对类的功能的扩展，要多用组合，少用继承。</a:t>
+              <a:t>对类的功能的扩展，要多用组合，少用</a:t>
+            </a:r>
+            <a:r>
+              <a:rPr lang="zh-CN" altLang="en-US" sz="1200" b="0" i="0" kern="1200" smtClean="0">
+                <a:solidFill>
+                  <a:schemeClr val="tx1"/>
+                </a:solidFill>
+                <a:effectLst/>
+                <a:latin typeface="+mn-lt"/>
+                <a:ea typeface="+mn-ea"/>
+                <a:cs typeface="+mn-cs"/>
+              </a:rPr>
+              <a:t>继承。</a:t>
+            </a:r>
+            <a:endParaRPr lang="en-US" altLang="zh-CN" sz="1200" b="0" i="0" kern="1200" dirty="0" smtClean="0">
+              <a:solidFill>
+                <a:schemeClr val="tx1"/>
+              </a:solidFill>
+              <a:effectLst/>
+              <a:latin typeface="+mn-lt"/>
+              <a:ea typeface="+mn-ea"/>
+              <a:cs typeface="+mn-cs"/>
+            </a:endParaRPr>
+          </a:p>
+          <a:p>
+            <a:r>
+              <a:rPr lang="zh-CN" altLang="en-US" sz="1200" b="0" i="0" kern="1200" dirty="0" smtClean="0">
+                <a:solidFill>
+                  <a:schemeClr val="tx1"/>
+                </a:solidFill>
+                <a:effectLst/>
+                <a:latin typeface="+mn-lt"/>
+                <a:ea typeface="+mn-ea"/>
+                <a:cs typeface="+mn-cs"/>
+              </a:rPr>
+              <a:t>继承和组合的关系类似</a:t>
+            </a:r>
+            <a:r>
+              <a:rPr lang="zh-CN" altLang="en-US" sz="1200" b="0" i="0" kern="1200" baseline="0" dirty="0" smtClean="0">
+                <a:solidFill>
+                  <a:schemeClr val="tx1"/>
+                </a:solidFill>
+                <a:effectLst/>
+                <a:latin typeface="+mn-lt"/>
+                <a:ea typeface="+mn-ea"/>
+                <a:cs typeface="+mn-cs"/>
+              </a:rPr>
+              <a:t>   你家庭和 你所在团队的关系。</a:t>
             </a:r>
             <a:endParaRPr lang="en-US" altLang="zh-CN" sz="1200" b="0" i="0" kern="1200" dirty="0" smtClean="0">
               <a:solidFill>
@@ -4103,10 +4116,6 @@
               <a:rPr lang="zh-CN" altLang="en-US" dirty="0" smtClean="0"/>
               <a:t>注意，这个接口是非浸入式的，后期定义的。</a:t>
             </a:r>
-            <a:r>
-              <a:rPr lang="en-US" altLang="zh-CN" dirty="0" smtClean="0"/>
-              <a:t/>
-            </a:r>
             <a:endParaRPr lang="en-US" dirty="0"/>
           </a:p>
         </p:txBody>
@@ -4201,11 +4210,7 @@
             </a:r>
             <a:r>
               <a:rPr lang="zh-CN" altLang="en-US" dirty="0" smtClean="0"/>
-              <a:t>解耦</a:t>
-            </a:r>
-            <a:r>
-              <a:rPr lang="zh-CN" altLang="en-US" dirty="0" smtClean="0"/>
-              <a:t>、事后定义</a:t>
+              <a:t>解耦、事后定义</a:t>
             </a:r>
             <a:r>
               <a:rPr lang="en-US" altLang="zh-CN" dirty="0" smtClean="0"/>
@@ -4276,7 +4281,6 @@
               <a:rPr lang="zh-CN" altLang="en-US" dirty="0" smtClean="0"/>
               <a:t>接口</a:t>
             </a:r>
-            <a:endParaRPr lang="zh-CN" altLang="en-US" dirty="0" smtClean="0"/>
           </a:p>
           <a:p>
             <a:pPr marL="0" marR="0" indent="0" algn="l" defTabSz="914400" rtl="0" eaLnBrk="1" fontAlgn="auto" latinLnBrk="0" hangingPunct="1">
@@ -5022,7 +5026,7 @@
           <a:p>
             <a:fld id="{69A83AB9-CCC0-4BF1-995C-C99A7F2533E7}" type="datetimeFigureOut">
               <a:rPr lang="zh-CN" altLang="en-US" smtClean="0"/>
-              <a:t>14/12/16</a:t>
+              <a:t>2014/12/19</a:t>
             </a:fld>
             <a:endParaRPr lang="zh-CN" altLang="en-US"/>
           </a:p>
@@ -5216,7 +5220,7 @@
           <a:p>
             <a:fld id="{69A83AB9-CCC0-4BF1-995C-C99A7F2533E7}" type="datetimeFigureOut">
               <a:rPr lang="zh-CN" altLang="en-US" smtClean="0"/>
-              <a:t>14/12/16</a:t>
+              <a:t>2014/12/19</a:t>
             </a:fld>
             <a:endParaRPr lang="zh-CN" altLang="en-US"/>
           </a:p>
@@ -5404,7 +5408,7 @@
           <a:p>
             <a:fld id="{69A83AB9-CCC0-4BF1-995C-C99A7F2533E7}" type="datetimeFigureOut">
               <a:rPr lang="zh-CN" altLang="en-US" smtClean="0"/>
-              <a:t>14/12/16</a:t>
+              <a:t>2014/12/19</a:t>
             </a:fld>
             <a:endParaRPr lang="zh-CN" altLang="en-US"/>
           </a:p>
@@ -5633,7 +5637,7 @@
           <a:p>
             <a:fld id="{69A83AB9-CCC0-4BF1-995C-C99A7F2533E7}" type="datetimeFigureOut">
               <a:rPr lang="zh-CN" altLang="en-US" smtClean="0"/>
-              <a:t>14/12/16</a:t>
+              <a:t>2014/12/19</a:t>
             </a:fld>
             <a:endParaRPr lang="zh-CN" altLang="en-US"/>
           </a:p>
@@ -5914,7 +5918,7 @@
           <a:p>
             <a:fld id="{69A83AB9-CCC0-4BF1-995C-C99A7F2533E7}" type="datetimeFigureOut">
               <a:rPr lang="zh-CN" altLang="en-US" smtClean="0"/>
-              <a:t>14/12/16</a:t>
+              <a:t>2014/12/19</a:t>
             </a:fld>
             <a:endParaRPr lang="zh-CN" altLang="en-US"/>
           </a:p>
@@ -6202,7 +6206,7 @@
           <a:p>
             <a:fld id="{69A83AB9-CCC0-4BF1-995C-C99A7F2533E7}" type="datetimeFigureOut">
               <a:rPr lang="zh-CN" altLang="en-US" smtClean="0"/>
-              <a:t>14/12/16</a:t>
+              <a:t>2014/12/19</a:t>
             </a:fld>
             <a:endParaRPr lang="zh-CN" altLang="en-US"/>
           </a:p>
@@ -6756,7 +6760,7 @@
           <a:p>
             <a:fld id="{69A83AB9-CCC0-4BF1-995C-C99A7F2533E7}" type="datetimeFigureOut">
               <a:rPr lang="zh-CN" altLang="en-US" smtClean="0"/>
-              <a:t>14/12/16</a:t>
+              <a:t>2014/12/19</a:t>
             </a:fld>
             <a:endParaRPr lang="zh-CN" altLang="en-US"/>
           </a:p>
@@ -6887,7 +6891,7 @@
           <a:p>
             <a:fld id="{69A83AB9-CCC0-4BF1-995C-C99A7F2533E7}" type="datetimeFigureOut">
               <a:rPr lang="zh-CN" altLang="en-US" smtClean="0"/>
-              <a:t>14/12/16</a:t>
+              <a:t>2014/12/19</a:t>
             </a:fld>
             <a:endParaRPr lang="zh-CN" altLang="en-US"/>
           </a:p>
@@ -7037,7 +7041,7 @@
           <a:p>
             <a:fld id="{69A83AB9-CCC0-4BF1-995C-C99A7F2533E7}" type="datetimeFigureOut">
               <a:rPr lang="zh-CN" altLang="en-US" smtClean="0"/>
-              <a:t>14/12/16</a:t>
+              <a:t>2014/12/19</a:t>
             </a:fld>
             <a:endParaRPr lang="zh-CN" altLang="en-US"/>
           </a:p>
@@ -7358,7 +7362,7 @@
           <a:p>
             <a:fld id="{69A83AB9-CCC0-4BF1-995C-C99A7F2533E7}" type="datetimeFigureOut">
               <a:rPr lang="zh-CN" altLang="en-US" smtClean="0"/>
-              <a:t>14/12/16</a:t>
+              <a:t>2014/12/19</a:t>
             </a:fld>
             <a:endParaRPr lang="zh-CN" altLang="en-US"/>
           </a:p>
@@ -7655,7 +7659,7 @@
           <a:p>
             <a:fld id="{69A83AB9-CCC0-4BF1-995C-C99A7F2533E7}" type="datetimeFigureOut">
               <a:rPr lang="zh-CN" altLang="en-US" smtClean="0"/>
-              <a:t>14/12/16</a:t>
+              <a:t>2014/12/19</a:t>
             </a:fld>
             <a:endParaRPr lang="zh-CN" altLang="en-US"/>
           </a:p>
@@ -7900,7 +7904,7 @@
           <a:p>
             <a:fld id="{69A83AB9-CCC0-4BF1-995C-C99A7F2533E7}" type="datetimeFigureOut">
               <a:rPr lang="zh-CN" altLang="en-US" smtClean="0"/>
-              <a:t>14/12/16</a:t>
+              <a:t>2014/12/19</a:t>
             </a:fld>
             <a:endParaRPr lang="zh-CN" altLang="en-US"/>
           </a:p>
@@ -8400,19 +8404,21 @@
         </p:nvSpPr>
         <p:spPr/>
         <p:txBody>
-          <a:bodyPr/>
+          <a:bodyPr>
+            <a:normAutofit/>
+          </a:bodyPr>
           <a:lstStyle/>
           <a:p>
             <a:r>
-              <a:rPr lang="en-US" altLang="zh-CN" dirty="0" err="1" smtClean="0"/>
+              <a:rPr lang="en-US" altLang="zh-CN" sz="4400" dirty="0" err="1" smtClean="0"/>
               <a:t>Golang</a:t>
             </a:r>
             <a:r>
-              <a:rPr lang="zh-CN" altLang="en-US" dirty="0" smtClean="0"/>
+              <a:rPr lang="zh-CN" altLang="en-US" sz="4400" dirty="0" smtClean="0"/>
               <a:t>基于</a:t>
             </a:r>
             <a:r>
-              <a:rPr lang="zh-CN" altLang="en-US" dirty="0"/>
+              <a:rPr lang="zh-CN" altLang="en-US" sz="4400" dirty="0"/>
               <a:t>连接和组合的语言</a:t>
             </a:r>
           </a:p>
@@ -8524,7 +8530,7 @@
   <p:timing>
     <p:tnLst>
       <p:par>
-        <p:cTn xmlns:p14="http://schemas.microsoft.com/office/powerpoint/2010/main" id="1" dur="indefinite" restart="never" nodeType="tmRoot"/>
+        <p:cTn id="1" dur="indefinite" restart="never" nodeType="tmRoot"/>
       </p:par>
     </p:tnLst>
   </p:timing>
@@ -8692,14 +8698,14 @@
           </a:ln>
           <a:effectLst/>
           <a:extLst>
-            <a:ext uri="{909E8E84-426E-40dd-AFC4-6F175D3DCCD1}">
+            <a:ext uri="{909E8E84-426E-40DD-AFC4-6F175D3DCCD1}">
               <a14:hiddenFill xmlns:a14="http://schemas.microsoft.com/office/drawing/2010/main">
                 <a:solidFill>
                   <a:schemeClr val="accent1"/>
                 </a:solidFill>
               </a14:hiddenFill>
             </a:ext>
-            <a:ext uri="{91240B29-F687-4f45-9708-019B960494DF}">
+            <a:ext uri="{91240B29-F687-4F45-9708-019B960494DF}">
               <a14:hiddenLine xmlns:a14="http://schemas.microsoft.com/office/drawing/2010/main" w="9525">
                 <a:solidFill>
                   <a:schemeClr val="tx1"/>
@@ -8709,7 +8715,7 @@
                 <a:tailEnd/>
               </a14:hiddenLine>
             </a:ext>
-            <a:ext uri="{AF507438-7753-43e0-B8FC-AC1667EBCBE1}">
+            <a:ext uri="{AF507438-7753-43E0-B8FC-AC1667EBCBE1}">
               <a14:hiddenEffects xmlns:a14="http://schemas.microsoft.com/office/drawing/2010/main">
                 <a:effectLst>
                   <a:outerShdw dist="35921" dir="2700000" algn="ctr" rotWithShape="0">
@@ -8734,7 +8740,7 @@
   <p:timing>
     <p:tnLst>
       <p:par>
-        <p:cTn xmlns:p14="http://schemas.microsoft.com/office/powerpoint/2010/main" id="1" dur="indefinite" restart="never" nodeType="tmRoot"/>
+        <p:cTn id="1" dur="indefinite" restart="never" nodeType="tmRoot"/>
       </p:par>
     </p:tnLst>
   </p:timing>
@@ -8954,14 +8960,14 @@
           </a:ln>
           <a:effectLst/>
           <a:extLst>
-            <a:ext uri="{909E8E84-426E-40dd-AFC4-6F175D3DCCD1}">
+            <a:ext uri="{909E8E84-426E-40DD-AFC4-6F175D3DCCD1}">
               <a14:hiddenFill xmlns:a14="http://schemas.microsoft.com/office/drawing/2010/main">
                 <a:solidFill>
                   <a:schemeClr val="accent1"/>
                 </a:solidFill>
               </a14:hiddenFill>
             </a:ext>
-            <a:ext uri="{91240B29-F687-4f45-9708-019B960494DF}">
+            <a:ext uri="{91240B29-F687-4F45-9708-019B960494DF}">
               <a14:hiddenLine xmlns:a14="http://schemas.microsoft.com/office/drawing/2010/main" w="9525">
                 <a:solidFill>
                   <a:schemeClr val="tx1"/>
@@ -8971,7 +8977,7 @@
                 <a:tailEnd/>
               </a14:hiddenLine>
             </a:ext>
-            <a:ext uri="{AF507438-7753-43e0-B8FC-AC1667EBCBE1}">
+            <a:ext uri="{AF507438-7753-43E0-B8FC-AC1667EBCBE1}">
               <a14:hiddenEffects xmlns:a14="http://schemas.microsoft.com/office/drawing/2010/main">
                 <a:effectLst>
                   <a:outerShdw dist="35921" dir="2700000" algn="ctr" rotWithShape="0">
@@ -8996,7 +9002,7 @@
   <p:timing>
     <p:tnLst>
       <p:par>
-        <p:cTn xmlns:p14="http://schemas.microsoft.com/office/powerpoint/2010/main" id="1" dur="indefinite" restart="never" nodeType="tmRoot"/>
+        <p:cTn id="1" dur="indefinite" restart="never" nodeType="tmRoot"/>
       </p:par>
     </p:tnLst>
   </p:timing>
@@ -9102,14 +9108,14 @@
           </a:ln>
           <a:effectLst/>
           <a:extLst>
-            <a:ext uri="{909E8E84-426E-40dd-AFC4-6F175D3DCCD1}">
+            <a:ext uri="{909E8E84-426E-40DD-AFC4-6F175D3DCCD1}">
               <a14:hiddenFill xmlns:a14="http://schemas.microsoft.com/office/drawing/2010/main">
                 <a:solidFill>
                   <a:schemeClr val="accent1"/>
                 </a:solidFill>
               </a14:hiddenFill>
             </a:ext>
-            <a:ext uri="{91240B29-F687-4f45-9708-019B960494DF}">
+            <a:ext uri="{91240B29-F687-4F45-9708-019B960494DF}">
               <a14:hiddenLine xmlns:a14="http://schemas.microsoft.com/office/drawing/2010/main" w="9525">
                 <a:solidFill>
                   <a:schemeClr val="tx1"/>
@@ -9119,7 +9125,7 @@
                 <a:tailEnd/>
               </a14:hiddenLine>
             </a:ext>
-            <a:ext uri="{AF507438-7753-43e0-B8FC-AC1667EBCBE1}">
+            <a:ext uri="{AF507438-7753-43E0-B8FC-AC1667EBCBE1}">
               <a14:hiddenEffects xmlns:a14="http://schemas.microsoft.com/office/drawing/2010/main">
                 <a:effectLst>
                   <a:outerShdw dist="35921" dir="2700000" algn="ctr" rotWithShape="0">
@@ -9166,14 +9172,14 @@
           </a:ln>
           <a:effectLst/>
           <a:extLst>
-            <a:ext uri="{909E8E84-426E-40dd-AFC4-6F175D3DCCD1}">
+            <a:ext uri="{909E8E84-426E-40DD-AFC4-6F175D3DCCD1}">
               <a14:hiddenFill xmlns:a14="http://schemas.microsoft.com/office/drawing/2010/main">
                 <a:solidFill>
                   <a:schemeClr val="accent1"/>
                 </a:solidFill>
               </a14:hiddenFill>
             </a:ext>
-            <a:ext uri="{91240B29-F687-4f45-9708-019B960494DF}">
+            <a:ext uri="{91240B29-F687-4F45-9708-019B960494DF}">
               <a14:hiddenLine xmlns:a14="http://schemas.microsoft.com/office/drawing/2010/main" w="9525">
                 <a:solidFill>
                   <a:schemeClr val="tx1"/>
@@ -9183,7 +9189,7 @@
                 <a:tailEnd/>
               </a14:hiddenLine>
             </a:ext>
-            <a:ext uri="{AF507438-7753-43e0-B8FC-AC1667EBCBE1}">
+            <a:ext uri="{AF507438-7753-43E0-B8FC-AC1667EBCBE1}">
               <a14:hiddenEffects xmlns:a14="http://schemas.microsoft.com/office/drawing/2010/main">
                 <a:effectLst>
                   <a:outerShdw dist="35921" dir="2700000" algn="ctr" rotWithShape="0">
@@ -9208,7 +9214,7 @@
   <p:timing>
     <p:tnLst>
       <p:par>
-        <p:cTn xmlns:p14="http://schemas.microsoft.com/office/powerpoint/2010/main" id="1" dur="indefinite" restart="never" nodeType="tmRoot"/>
+        <p:cTn id="1" dur="indefinite" restart="never" nodeType="tmRoot"/>
       </p:par>
     </p:tnLst>
   </p:timing>
@@ -9379,14 +9385,14 @@
           </a:ln>
           <a:effectLst/>
           <a:extLst>
-            <a:ext uri="{909E8E84-426E-40dd-AFC4-6F175D3DCCD1}">
+            <a:ext uri="{909E8E84-426E-40DD-AFC4-6F175D3DCCD1}">
               <a14:hiddenFill xmlns:a14="http://schemas.microsoft.com/office/drawing/2010/main">
                 <a:solidFill>
                   <a:schemeClr val="accent1"/>
                 </a:solidFill>
               </a14:hiddenFill>
             </a:ext>
-            <a:ext uri="{91240B29-F687-4f45-9708-019B960494DF}">
+            <a:ext uri="{91240B29-F687-4F45-9708-019B960494DF}">
               <a14:hiddenLine xmlns:a14="http://schemas.microsoft.com/office/drawing/2010/main" w="9525">
                 <a:solidFill>
                   <a:schemeClr val="tx1"/>
@@ -9396,7 +9402,7 @@
                 <a:tailEnd/>
               </a14:hiddenLine>
             </a:ext>
-            <a:ext uri="{AF507438-7753-43e0-B8FC-AC1667EBCBE1}">
+            <a:ext uri="{AF507438-7753-43E0-B8FC-AC1667EBCBE1}">
               <a14:hiddenEffects xmlns:a14="http://schemas.microsoft.com/office/drawing/2010/main">
                 <a:effectLst>
                   <a:outerShdw dist="35921" dir="2700000" algn="ctr" rotWithShape="0">
@@ -9443,14 +9449,14 @@
           </a:ln>
           <a:effectLst/>
           <a:extLst>
-            <a:ext uri="{909E8E84-426E-40dd-AFC4-6F175D3DCCD1}">
+            <a:ext uri="{909E8E84-426E-40DD-AFC4-6F175D3DCCD1}">
               <a14:hiddenFill xmlns:a14="http://schemas.microsoft.com/office/drawing/2010/main">
                 <a:solidFill>
                   <a:schemeClr val="accent1"/>
                 </a:solidFill>
               </a14:hiddenFill>
             </a:ext>
-            <a:ext uri="{91240B29-F687-4f45-9708-019B960494DF}">
+            <a:ext uri="{91240B29-F687-4F45-9708-019B960494DF}">
               <a14:hiddenLine xmlns:a14="http://schemas.microsoft.com/office/drawing/2010/main" w="9525">
                 <a:solidFill>
                   <a:schemeClr val="tx1"/>
@@ -9460,7 +9466,7 @@
                 <a:tailEnd/>
               </a14:hiddenLine>
             </a:ext>
-            <a:ext uri="{AF507438-7753-43e0-B8FC-AC1667EBCBE1}">
+            <a:ext uri="{AF507438-7753-43E0-B8FC-AC1667EBCBE1}">
               <a14:hiddenEffects xmlns:a14="http://schemas.microsoft.com/office/drawing/2010/main">
                 <a:effectLst>
                   <a:outerShdw dist="35921" dir="2700000" algn="ctr" rotWithShape="0">
@@ -9485,7 +9491,7 @@
   <p:timing>
     <p:tnLst>
       <p:par>
-        <p:cTn xmlns:p14="http://schemas.microsoft.com/office/powerpoint/2010/main" id="1" dur="indefinite" restart="never" nodeType="tmRoot"/>
+        <p:cTn id="1" dur="indefinite" restart="never" nodeType="tmRoot"/>
       </p:par>
     </p:tnLst>
   </p:timing>
@@ -9802,7 +9808,7 @@
   <p:timing>
     <p:tnLst>
       <p:par>
-        <p:cTn xmlns:p14="http://schemas.microsoft.com/office/powerpoint/2010/main" id="1" dur="indefinite" restart="never" nodeType="tmRoot"/>
+        <p:cTn id="1" dur="indefinite" restart="never" nodeType="tmRoot"/>
       </p:par>
     </p:tnLst>
   </p:timing>
@@ -9982,7 +9988,7 @@
   <p:timing>
     <p:tnLst>
       <p:par>
-        <p:cTn xmlns:p14="http://schemas.microsoft.com/office/powerpoint/2010/main" id="1" dur="indefinite" restart="never" nodeType="tmRoot"/>
+        <p:cTn id="1" dur="indefinite" restart="never" nodeType="tmRoot"/>
       </p:par>
     </p:tnLst>
   </p:timing>
@@ -10135,7 +10141,7 @@
           </a:prstGeom>
           <a:noFill/>
           <a:extLst>
-            <a:ext uri="{909E8E84-426E-40dd-AFC4-6F175D3DCCD1}">
+            <a:ext uri="{909E8E84-426E-40DD-AFC4-6F175D3DCCD1}">
               <a14:hiddenFill xmlns:a14="http://schemas.microsoft.com/office/drawing/2010/main">
                 <a:solidFill>
                   <a:srgbClr val="FFFFFF"/>
@@ -10158,7 +10164,7 @@
   <p:timing>
     <p:tnLst>
       <p:par>
-        <p:cTn xmlns:p14="http://schemas.microsoft.com/office/powerpoint/2010/main" id="1" dur="indefinite" restart="never" nodeType="tmRoot"/>
+        <p:cTn id="1" dur="indefinite" restart="never" nodeType="tmRoot"/>
       </p:par>
     </p:tnLst>
   </p:timing>
@@ -10524,14 +10530,14 @@
           </a:ln>
           <a:effectLst/>
           <a:extLst>
-            <a:ext uri="{909E8E84-426E-40dd-AFC4-6F175D3DCCD1}">
+            <a:ext uri="{909E8E84-426E-40DD-AFC4-6F175D3DCCD1}">
               <a14:hiddenFill xmlns:a14="http://schemas.microsoft.com/office/drawing/2010/main">
                 <a:solidFill>
                   <a:schemeClr val="accent1"/>
                 </a:solidFill>
               </a14:hiddenFill>
             </a:ext>
-            <a:ext uri="{91240B29-F687-4f45-9708-019B960494DF}">
+            <a:ext uri="{91240B29-F687-4F45-9708-019B960494DF}">
               <a14:hiddenLine xmlns:a14="http://schemas.microsoft.com/office/drawing/2010/main" w="9525">
                 <a:solidFill>
                   <a:schemeClr val="tx1"/>
@@ -10541,7 +10547,7 @@
                 <a:tailEnd/>
               </a14:hiddenLine>
             </a:ext>
-            <a:ext uri="{AF507438-7753-43e0-B8FC-AC1667EBCBE1}">
+            <a:ext uri="{AF507438-7753-43E0-B8FC-AC1667EBCBE1}">
               <a14:hiddenEffects xmlns:a14="http://schemas.microsoft.com/office/drawing/2010/main">
                 <a:effectLst>
                   <a:outerShdw dist="35921" dir="2700000" algn="ctr" rotWithShape="0">
@@ -10566,7 +10572,7 @@
   <p:timing>
     <p:tnLst>
       <p:par>
-        <p:cTn xmlns:p14="http://schemas.microsoft.com/office/powerpoint/2010/main" id="1" dur="indefinite" restart="never" nodeType="tmRoot"/>
+        <p:cTn id="1" dur="indefinite" restart="never" nodeType="tmRoot"/>
       </p:par>
     </p:tnLst>
   </p:timing>
@@ -10720,7 +10726,7 @@
   <p:timing>
     <p:tnLst>
       <p:par>
-        <p:cTn xmlns:p14="http://schemas.microsoft.com/office/powerpoint/2010/main" id="1" dur="indefinite" restart="never" nodeType="tmRoot"/>
+        <p:cTn id="1" dur="indefinite" restart="never" nodeType="tmRoot"/>
       </p:par>
     </p:tnLst>
   </p:timing>
@@ -10928,7 +10934,7 @@
   <p:timing>
     <p:tnLst>
       <p:par>
-        <p:cTn xmlns:p14="http://schemas.microsoft.com/office/powerpoint/2010/main" id="1" dur="indefinite" restart="never" nodeType="tmRoot"/>
+        <p:cTn id="1" dur="indefinite" restart="never" nodeType="tmRoot"/>
       </p:par>
     </p:tnLst>
   </p:timing>
@@ -11130,7 +11136,7 @@
   <p:timing>
     <p:tnLst>
       <p:par>
-        <p:cTn xmlns:p14="http://schemas.microsoft.com/office/powerpoint/2010/main" id="1" dur="indefinite" restart="never" nodeType="tmRoot"/>
+        <p:cTn id="1" dur="indefinite" restart="never" nodeType="tmRoot"/>
       </p:par>
     </p:tnLst>
   </p:timing>
@@ -11308,7 +11314,7 @@
           </a:prstGeom>
           <a:noFill/>
           <a:extLst>
-            <a:ext uri="{909E8E84-426E-40dd-AFC4-6F175D3DCCD1}">
+            <a:ext uri="{909E8E84-426E-40DD-AFC4-6F175D3DCCD1}">
               <a14:hiddenFill xmlns:a14="http://schemas.microsoft.com/office/drawing/2010/main">
                 <a:solidFill>
                   <a:srgbClr val="FFFFFF"/>
@@ -11331,7 +11337,7 @@
   <p:timing>
     <p:tnLst>
       <p:par>
-        <p:cTn xmlns:p14="http://schemas.microsoft.com/office/powerpoint/2010/main" id="1" dur="indefinite" restart="never" nodeType="tmRoot"/>
+        <p:cTn id="1" dur="indefinite" restart="never" nodeType="tmRoot"/>
       </p:par>
     </p:tnLst>
   </p:timing>
@@ -11424,14 +11430,14 @@
           </a:ln>
           <a:effectLst/>
           <a:extLst>
-            <a:ext uri="{909E8E84-426E-40dd-AFC4-6F175D3DCCD1}">
+            <a:ext uri="{909E8E84-426E-40DD-AFC4-6F175D3DCCD1}">
               <a14:hiddenFill xmlns:a14="http://schemas.microsoft.com/office/drawing/2010/main">
                 <a:solidFill>
                   <a:schemeClr val="accent1"/>
                 </a:solidFill>
               </a14:hiddenFill>
             </a:ext>
-            <a:ext uri="{91240B29-F687-4f45-9708-019B960494DF}">
+            <a:ext uri="{91240B29-F687-4F45-9708-019B960494DF}">
               <a14:hiddenLine xmlns:a14="http://schemas.microsoft.com/office/drawing/2010/main" w="9525">
                 <a:solidFill>
                   <a:schemeClr val="tx1"/>
@@ -11441,7 +11447,7 @@
                 <a:tailEnd/>
               </a14:hiddenLine>
             </a:ext>
-            <a:ext uri="{AF507438-7753-43e0-B8FC-AC1667EBCBE1}">
+            <a:ext uri="{AF507438-7753-43E0-B8FC-AC1667EBCBE1}">
               <a14:hiddenEffects xmlns:a14="http://schemas.microsoft.com/office/drawing/2010/main">
                 <a:effectLst>
                   <a:outerShdw dist="35921" dir="2700000" algn="ctr" rotWithShape="0">
@@ -11466,7 +11472,7 @@
   <p:timing>
     <p:tnLst>
       <p:par>
-        <p:cTn xmlns:p14="http://schemas.microsoft.com/office/powerpoint/2010/main" id="1" dur="indefinite" restart="never" nodeType="tmRoot"/>
+        <p:cTn id="1" dur="indefinite" restart="never" nodeType="tmRoot"/>
       </p:par>
     </p:tnLst>
   </p:timing>
@@ -11813,14 +11819,14 @@
           </a:ln>
           <a:effectLst/>
           <a:extLst>
-            <a:ext uri="{909E8E84-426E-40dd-AFC4-6F175D3DCCD1}">
+            <a:ext uri="{909E8E84-426E-40DD-AFC4-6F175D3DCCD1}">
               <a14:hiddenFill xmlns:a14="http://schemas.microsoft.com/office/drawing/2010/main">
                 <a:solidFill>
                   <a:schemeClr val="accent1"/>
                 </a:solidFill>
               </a14:hiddenFill>
             </a:ext>
-            <a:ext uri="{91240B29-F687-4f45-9708-019B960494DF}">
+            <a:ext uri="{91240B29-F687-4F45-9708-019B960494DF}">
               <a14:hiddenLine xmlns:a14="http://schemas.microsoft.com/office/drawing/2010/main" w="9525">
                 <a:solidFill>
                   <a:schemeClr val="tx1"/>
@@ -11830,7 +11836,7 @@
                 <a:tailEnd/>
               </a14:hiddenLine>
             </a:ext>
-            <a:ext uri="{AF507438-7753-43e0-B8FC-AC1667EBCBE1}">
+            <a:ext uri="{AF507438-7753-43E0-B8FC-AC1667EBCBE1}">
               <a14:hiddenEffects xmlns:a14="http://schemas.microsoft.com/office/drawing/2010/main">
                 <a:effectLst>
                   <a:outerShdw dist="35921" dir="2700000" algn="ctr" rotWithShape="0">
@@ -11855,7 +11861,7 @@
   <p:timing>
     <p:tnLst>
       <p:par>
-        <p:cTn xmlns:p14="http://schemas.microsoft.com/office/powerpoint/2010/main" id="1" dur="indefinite" restart="never" nodeType="tmRoot"/>
+        <p:cTn id="1" dur="indefinite" restart="never" nodeType="tmRoot"/>
       </p:par>
     </p:tnLst>
   </p:timing>
@@ -12175,14 +12181,14 @@
           </a:ln>
           <a:effectLst/>
           <a:extLst>
-            <a:ext uri="{909E8E84-426E-40dd-AFC4-6F175D3DCCD1}">
+            <a:ext uri="{909E8E84-426E-40DD-AFC4-6F175D3DCCD1}">
               <a14:hiddenFill xmlns:a14="http://schemas.microsoft.com/office/drawing/2010/main">
                 <a:solidFill>
                   <a:schemeClr val="accent1"/>
                 </a:solidFill>
               </a14:hiddenFill>
             </a:ext>
-            <a:ext uri="{91240B29-F687-4f45-9708-019B960494DF}">
+            <a:ext uri="{91240B29-F687-4F45-9708-019B960494DF}">
               <a14:hiddenLine xmlns:a14="http://schemas.microsoft.com/office/drawing/2010/main" w="9525">
                 <a:solidFill>
                   <a:schemeClr val="tx1"/>
@@ -12192,7 +12198,7 @@
                 <a:tailEnd/>
               </a14:hiddenLine>
             </a:ext>
-            <a:ext uri="{AF507438-7753-43e0-B8FC-AC1667EBCBE1}">
+            <a:ext uri="{AF507438-7753-43E0-B8FC-AC1667EBCBE1}">
               <a14:hiddenEffects xmlns:a14="http://schemas.microsoft.com/office/drawing/2010/main">
                 <a:effectLst>
                   <a:outerShdw dist="35921" dir="2700000" algn="ctr" rotWithShape="0">
@@ -12217,7 +12223,7 @@
   <p:timing>
     <p:tnLst>
       <p:par>
-        <p:cTn xmlns:p14="http://schemas.microsoft.com/office/powerpoint/2010/main" id="1" dur="indefinite" restart="never" nodeType="tmRoot"/>
+        <p:cTn id="1" dur="indefinite" restart="never" nodeType="tmRoot"/>
       </p:par>
     </p:tnLst>
   </p:timing>
@@ -12365,14 +12371,14 @@
           </a:ln>
           <a:effectLst/>
           <a:extLst>
-            <a:ext uri="{909E8E84-426E-40dd-AFC4-6F175D3DCCD1}">
+            <a:ext uri="{909E8E84-426E-40DD-AFC4-6F175D3DCCD1}">
               <a14:hiddenFill xmlns:a14="http://schemas.microsoft.com/office/drawing/2010/main">
                 <a:solidFill>
                   <a:schemeClr val="accent1"/>
                 </a:solidFill>
               </a14:hiddenFill>
             </a:ext>
-            <a:ext uri="{91240B29-F687-4f45-9708-019B960494DF}">
+            <a:ext uri="{91240B29-F687-4F45-9708-019B960494DF}">
               <a14:hiddenLine xmlns:a14="http://schemas.microsoft.com/office/drawing/2010/main" w="9525">
                 <a:solidFill>
                   <a:schemeClr val="tx1"/>
@@ -12382,7 +12388,7 @@
                 <a:tailEnd/>
               </a14:hiddenLine>
             </a:ext>
-            <a:ext uri="{AF507438-7753-43e0-B8FC-AC1667EBCBE1}">
+            <a:ext uri="{AF507438-7753-43E0-B8FC-AC1667EBCBE1}">
               <a14:hiddenEffects xmlns:a14="http://schemas.microsoft.com/office/drawing/2010/main">
                 <a:effectLst>
                   <a:outerShdw dist="35921" dir="2700000" algn="ctr" rotWithShape="0">
@@ -12396,7 +12402,7 @@
       </p:pic>
       <p:pic>
         <p:nvPicPr>
-          <p:cNvPr id="2051" name="Picture 3" descr="D:\培训\golang思维方式\管道.png"/>
+          <p:cNvPr id="1030" name="Picture 6"/>
           <p:cNvPicPr>
             <a:picLocks noChangeAspect="1" noChangeArrowheads="1"/>
           </p:cNvPicPr>
@@ -12417,20 +12423,33 @@
         </p:blipFill>
         <p:spPr bwMode="auto">
           <a:xfrm>
-            <a:off x="4159619" y="3709046"/>
-            <a:ext cx="2603510" cy="864096"/>
+            <a:off x="4860032" y="3350970"/>
+            <a:ext cx="3384376" cy="1277163"/>
           </a:xfrm>
           <a:prstGeom prst="rect">
             <a:avLst/>
           </a:prstGeom>
           <a:noFill/>
+          <a:ln>
+            <a:noFill/>
+          </a:ln>
           <a:extLst>
-            <a:ext uri="{909E8E84-426E-40dd-AFC4-6F175D3DCCD1}">
+            <a:ext uri="{909E8E84-426E-40DD-AFC4-6F175D3DCCD1}">
               <a14:hiddenFill xmlns:a14="http://schemas.microsoft.com/office/drawing/2010/main">
                 <a:solidFill>
-                  <a:srgbClr val="FFFFFF"/>
+                  <a:schemeClr val="accent1"/>
                 </a:solidFill>
               </a14:hiddenFill>
+            </a:ext>
+            <a:ext uri="{91240B29-F687-4F45-9708-019B960494DF}">
+              <a14:hiddenLine xmlns:a14="http://schemas.microsoft.com/office/drawing/2010/main" w="9525">
+                <a:solidFill>
+                  <a:schemeClr val="tx1"/>
+                </a:solidFill>
+                <a:miter lim="800000"/>
+                <a:headEnd/>
+                <a:tailEnd/>
+              </a14:hiddenLine>
             </a:ext>
           </a:extLst>
         </p:spPr>
@@ -12448,7 +12467,75 @@
   <p:timing>
     <p:tnLst>
       <p:par>
-        <p:cTn xmlns:p14="http://schemas.microsoft.com/office/powerpoint/2010/main" id="1" dur="indefinite" restart="never" nodeType="tmRoot"/>
+        <p:cTn id="1" dur="indefinite" restart="never" nodeType="tmRoot">
+          <p:childTnLst>
+            <p:seq concurrent="1" nextAc="seek">
+              <p:cTn id="2" dur="indefinite" nodeType="mainSeq">
+                <p:childTnLst>
+                  <p:par>
+                    <p:cTn id="3" fill="hold">
+                      <p:stCondLst>
+                        <p:cond delay="indefinite"/>
+                      </p:stCondLst>
+                      <p:childTnLst>
+                        <p:par>
+                          <p:cTn id="4" fill="hold">
+                            <p:stCondLst>
+                              <p:cond delay="0"/>
+                            </p:stCondLst>
+                            <p:childTnLst>
+                              <p:par>
+                                <p:cTn id="5" presetID="1" presetClass="entr" presetSubtype="0" fill="hold" nodeType="clickEffect">
+                                  <p:stCondLst>
+                                    <p:cond delay="0"/>
+                                  </p:stCondLst>
+                                  <p:childTnLst>
+                                    <p:set>
+                                      <p:cBhvr>
+                                        <p:cTn id="6" dur="1" fill="hold">
+                                          <p:stCondLst>
+                                            <p:cond delay="0"/>
+                                          </p:stCondLst>
+                                        </p:cTn>
+                                        <p:tgtEl>
+                                          <p:spTgt spid="1030"/>
+                                        </p:tgtEl>
+                                        <p:attrNameLst>
+                                          <p:attrName>style.visibility</p:attrName>
+                                        </p:attrNameLst>
+                                      </p:cBhvr>
+                                      <p:to>
+                                        <p:strVal val="visible"/>
+                                      </p:to>
+                                    </p:set>
+                                  </p:childTnLst>
+                                </p:cTn>
+                              </p:par>
+                            </p:childTnLst>
+                          </p:cTn>
+                        </p:par>
+                      </p:childTnLst>
+                    </p:cTn>
+                  </p:par>
+                </p:childTnLst>
+              </p:cTn>
+              <p:prevCondLst>
+                <p:cond evt="onPrev" delay="0">
+                  <p:tgtEl>
+                    <p:sldTgt/>
+                  </p:tgtEl>
+                </p:cond>
+              </p:prevCondLst>
+              <p:nextCondLst>
+                <p:cond evt="onNext" delay="0">
+                  <p:tgtEl>
+                    <p:sldTgt/>
+                  </p:tgtEl>
+                </p:cond>
+              </p:nextCondLst>
+            </p:seq>
+          </p:childTnLst>
+        </p:cTn>
       </p:par>
     </p:tnLst>
   </p:timing>
@@ -12575,7 +12662,7 @@
           </a:prstGeom>
           <a:noFill/>
           <a:extLst>
-            <a:ext uri="{909E8E84-426E-40dd-AFC4-6F175D3DCCD1}">
+            <a:ext uri="{909E8E84-426E-40DD-AFC4-6F175D3DCCD1}">
               <a14:hiddenFill xmlns:a14="http://schemas.microsoft.com/office/drawing/2010/main">
                 <a:solidFill>
                   <a:srgbClr val="FFFFFF"/>
@@ -12598,7 +12685,7 @@
   <p:timing>
     <p:tnLst>
       <p:par>
-        <p:cTn xmlns:p14="http://schemas.microsoft.com/office/powerpoint/2010/main" id="1" dur="indefinite" restart="never" nodeType="tmRoot"/>
+        <p:cTn id="1" dur="indefinite" restart="never" nodeType="tmRoot"/>
       </p:par>
     </p:tnLst>
   </p:timing>
@@ -12721,14 +12808,14 @@
           </a:ln>
           <a:effectLst/>
           <a:extLst>
-            <a:ext uri="{909E8E84-426E-40dd-AFC4-6F175D3DCCD1}">
+            <a:ext uri="{909E8E84-426E-40DD-AFC4-6F175D3DCCD1}">
               <a14:hiddenFill xmlns:a14="http://schemas.microsoft.com/office/drawing/2010/main">
                 <a:solidFill>
                   <a:schemeClr val="accent1"/>
                 </a:solidFill>
               </a14:hiddenFill>
             </a:ext>
-            <a:ext uri="{91240B29-F687-4f45-9708-019B960494DF}">
+            <a:ext uri="{91240B29-F687-4F45-9708-019B960494DF}">
               <a14:hiddenLine xmlns:a14="http://schemas.microsoft.com/office/drawing/2010/main" w="9525">
                 <a:solidFill>
                   <a:schemeClr val="tx1"/>
@@ -12738,7 +12825,7 @@
                 <a:tailEnd/>
               </a14:hiddenLine>
             </a:ext>
-            <a:ext uri="{AF507438-7753-43e0-B8FC-AC1667EBCBE1}">
+            <a:ext uri="{AF507438-7753-43E0-B8FC-AC1667EBCBE1}">
               <a14:hiddenEffects xmlns:a14="http://schemas.microsoft.com/office/drawing/2010/main">
                 <a:effectLst>
                   <a:outerShdw dist="35921" dir="2700000" algn="ctr" rotWithShape="0">
@@ -12785,14 +12872,14 @@
           </a:ln>
           <a:effectLst/>
           <a:extLst>
-            <a:ext uri="{909E8E84-426E-40dd-AFC4-6F175D3DCCD1}">
+            <a:ext uri="{909E8E84-426E-40DD-AFC4-6F175D3DCCD1}">
               <a14:hiddenFill xmlns:a14="http://schemas.microsoft.com/office/drawing/2010/main">
                 <a:solidFill>
                   <a:schemeClr val="accent1"/>
                 </a:solidFill>
               </a14:hiddenFill>
             </a:ext>
-            <a:ext uri="{91240B29-F687-4f45-9708-019B960494DF}">
+            <a:ext uri="{91240B29-F687-4F45-9708-019B960494DF}">
               <a14:hiddenLine xmlns:a14="http://schemas.microsoft.com/office/drawing/2010/main" w="9525">
                 <a:solidFill>
                   <a:schemeClr val="tx1"/>
@@ -12802,7 +12889,7 @@
                 <a:tailEnd/>
               </a14:hiddenLine>
             </a:ext>
-            <a:ext uri="{AF507438-7753-43e0-B8FC-AC1667EBCBE1}">
+            <a:ext uri="{AF507438-7753-43E0-B8FC-AC1667EBCBE1}">
               <a14:hiddenEffects xmlns:a14="http://schemas.microsoft.com/office/drawing/2010/main">
                 <a:effectLst>
                   <a:outerShdw dist="35921" dir="2700000" algn="ctr" rotWithShape="0">
@@ -12827,7 +12914,7 @@
   <p:timing>
     <p:tnLst>
       <p:par>
-        <p:cTn xmlns:p14="http://schemas.microsoft.com/office/powerpoint/2010/main" id="1" dur="indefinite" restart="never" nodeType="tmRoot"/>
+        <p:cTn id="1" dur="indefinite" restart="never" nodeType="tmRoot"/>
       </p:par>
     </p:tnLst>
   </p:timing>
@@ -12911,7 +12998,7 @@
   <p:timing>
     <p:tnLst>
       <p:par>
-        <p:cTn xmlns:p14="http://schemas.microsoft.com/office/powerpoint/2010/main" id="1" dur="indefinite" restart="never" nodeType="tmRoot"/>
+        <p:cTn id="1" dur="indefinite" restart="never" nodeType="tmRoot"/>
       </p:par>
     </p:tnLst>
   </p:timing>
@@ -12952,19 +13039,7 @@
           <a:p>
             <a:r>
               <a:rPr lang="zh-CN" altLang="en-US" dirty="0" smtClean="0"/>
-              <a:t>更严</a:t>
-            </a:r>
-            <a:r>
-              <a:rPr lang="zh-CN" altLang="en-US" dirty="0" smtClean="0"/>
-              <a:t>格</a:t>
-            </a:r>
-            <a:r>
-              <a:rPr lang="zh-CN" altLang="en-US" dirty="0" smtClean="0"/>
-              <a:t>、强大</a:t>
-            </a:r>
-            <a:r>
-              <a:rPr lang="zh-CN" altLang="en-US" dirty="0" smtClean="0"/>
-              <a:t>的</a:t>
+              <a:t>更严格、强大的</a:t>
             </a:r>
             <a:r>
               <a:rPr lang="en-US" altLang="zh-CN" dirty="0" smtClean="0"/>
@@ -13028,14 +13103,14 @@
           </a:ln>
           <a:effectLst/>
           <a:extLst>
-            <a:ext uri="{909E8E84-426E-40dd-AFC4-6F175D3DCCD1}">
+            <a:ext uri="{909E8E84-426E-40DD-AFC4-6F175D3DCCD1}">
               <a14:hiddenFill xmlns:a14="http://schemas.microsoft.com/office/drawing/2010/main">
                 <a:solidFill>
                   <a:schemeClr val="accent1"/>
                 </a:solidFill>
               </a14:hiddenFill>
             </a:ext>
-            <a:ext uri="{91240B29-F687-4f45-9708-019B960494DF}">
+            <a:ext uri="{91240B29-F687-4F45-9708-019B960494DF}">
               <a14:hiddenLine xmlns:a14="http://schemas.microsoft.com/office/drawing/2010/main" w="9525">
                 <a:solidFill>
                   <a:schemeClr val="tx1"/>
@@ -13045,7 +13120,7 @@
                 <a:tailEnd/>
               </a14:hiddenLine>
             </a:ext>
-            <a:ext uri="{AF507438-7753-43e0-B8FC-AC1667EBCBE1}">
+            <a:ext uri="{AF507438-7753-43E0-B8FC-AC1667EBCBE1}">
               <a14:hiddenEffects xmlns:a14="http://schemas.microsoft.com/office/drawing/2010/main">
                 <a:effectLst>
                   <a:outerShdw dist="35921" dir="2700000" algn="ctr" rotWithShape="0">
@@ -13070,7 +13145,7 @@
   <p:timing>
     <p:tnLst>
       <p:par>
-        <p:cTn xmlns:p14="http://schemas.microsoft.com/office/powerpoint/2010/main" id="1" dur="indefinite" restart="never" nodeType="tmRoot"/>
+        <p:cTn id="1" dur="indefinite" restart="never" nodeType="tmRoot"/>
       </p:par>
     </p:tnLst>
   </p:timing>
@@ -13182,7 +13257,7 @@
   <p:timing>
     <p:tnLst>
       <p:par>
-        <p:cTn xmlns:p14="http://schemas.microsoft.com/office/powerpoint/2010/main" id="1" dur="indefinite" restart="never" nodeType="tmRoot"/>
+        <p:cTn id="1" dur="indefinite" restart="never" nodeType="tmRoot"/>
       </p:par>
     </p:tnLst>
   </p:timing>
@@ -13408,7 +13483,7 @@
   <p:timing>
     <p:tnLst>
       <p:par>
-        <p:cTn xmlns:p14="http://schemas.microsoft.com/office/powerpoint/2010/main" id="1" dur="indefinite" restart="never" nodeType="tmRoot"/>
+        <p:cTn id="1" dur="indefinite" restart="never" nodeType="tmRoot"/>
       </p:par>
     </p:tnLst>
   </p:timing>
@@ -13584,7 +13659,7 @@
   <p:timing>
     <p:tnLst>
       <p:par>
-        <p:cTn xmlns:p14="http://schemas.microsoft.com/office/powerpoint/2010/main" id="1" dur="indefinite" restart="never" nodeType="tmRoot"/>
+        <p:cTn id="1" dur="indefinite" restart="never" nodeType="tmRoot"/>
       </p:par>
     </p:tnLst>
   </p:timing>
@@ -13773,7 +13848,7 @@
   <p:timing>
     <p:tnLst>
       <p:par>
-        <p:cTn xmlns:p14="http://schemas.microsoft.com/office/powerpoint/2010/main" id="1" dur="indefinite" restart="never" nodeType="tmRoot"/>
+        <p:cTn id="1" dur="indefinite" restart="never" nodeType="tmRoot"/>
       </p:par>
     </p:tnLst>
   </p:timing>
@@ -13933,14 +14008,14 @@
           </a:ln>
           <a:effectLst/>
           <a:extLst>
-            <a:ext uri="{909E8E84-426E-40dd-AFC4-6F175D3DCCD1}">
+            <a:ext uri="{909E8E84-426E-40DD-AFC4-6F175D3DCCD1}">
               <a14:hiddenFill xmlns:a14="http://schemas.microsoft.com/office/drawing/2010/main">
                 <a:solidFill>
                   <a:schemeClr val="accent1"/>
                 </a:solidFill>
               </a14:hiddenFill>
             </a:ext>
-            <a:ext uri="{91240B29-F687-4f45-9708-019B960494DF}">
+            <a:ext uri="{91240B29-F687-4F45-9708-019B960494DF}">
               <a14:hiddenLine xmlns:a14="http://schemas.microsoft.com/office/drawing/2010/main" w="9525">
                 <a:solidFill>
                   <a:schemeClr val="tx1"/>
@@ -13950,7 +14025,7 @@
                 <a:tailEnd/>
               </a14:hiddenLine>
             </a:ext>
-            <a:ext uri="{AF507438-7753-43e0-B8FC-AC1667EBCBE1}">
+            <a:ext uri="{AF507438-7753-43E0-B8FC-AC1667EBCBE1}">
               <a14:hiddenEffects xmlns:a14="http://schemas.microsoft.com/office/drawing/2010/main">
                 <a:effectLst>
                   <a:outerShdw dist="35921" dir="2700000" algn="ctr" rotWithShape="0">
@@ -13975,7 +14050,7 @@
   <p:timing>
     <p:tnLst>
       <p:par>
-        <p:cTn xmlns:p14="http://schemas.microsoft.com/office/powerpoint/2010/main" id="1" dur="indefinite" restart="never" nodeType="tmRoot"/>
+        <p:cTn id="1" dur="indefinite" restart="never" nodeType="tmRoot"/>
       </p:par>
     </p:tnLst>
   </p:timing>
@@ -14278,7 +14353,7 @@
           </a:prstGeom>
           <a:noFill/>
           <a:extLst>
-            <a:ext uri="{909E8E84-426E-40dd-AFC4-6F175D3DCCD1}">
+            <a:ext uri="{909E8E84-426E-40DD-AFC4-6F175D3DCCD1}">
               <a14:hiddenFill xmlns:a14="http://schemas.microsoft.com/office/drawing/2010/main">
                 <a:solidFill>
                   <a:srgbClr val="FFFFFF"/>
@@ -14301,7 +14376,7 @@
   <p:timing>
     <p:tnLst>
       <p:par>
-        <p:cTn xmlns:p14="http://schemas.microsoft.com/office/powerpoint/2010/main" id="1" dur="indefinite" restart="never" nodeType="tmRoot">
+        <p:cTn id="1" dur="indefinite" restart="never" nodeType="tmRoot">
           <p:childTnLst>
             <p:seq concurrent="1" nextAc="seek">
               <p:cTn id="2" dur="indefinite" nodeType="mainSeq">
@@ -14604,14 +14679,14 @@
           </a:ln>
           <a:effectLst/>
           <a:extLst>
-            <a:ext uri="{909E8E84-426E-40dd-AFC4-6F175D3DCCD1}">
+            <a:ext uri="{909E8E84-426E-40DD-AFC4-6F175D3DCCD1}">
               <a14:hiddenFill xmlns:a14="http://schemas.microsoft.com/office/drawing/2010/main">
                 <a:solidFill>
                   <a:schemeClr val="accent1"/>
                 </a:solidFill>
               </a14:hiddenFill>
             </a:ext>
-            <a:ext uri="{91240B29-F687-4f45-9708-019B960494DF}">
+            <a:ext uri="{91240B29-F687-4F45-9708-019B960494DF}">
               <a14:hiddenLine xmlns:a14="http://schemas.microsoft.com/office/drawing/2010/main" w="9525">
                 <a:solidFill>
                   <a:schemeClr val="tx1"/>
@@ -14621,7 +14696,7 @@
                 <a:tailEnd/>
               </a14:hiddenLine>
             </a:ext>
-            <a:ext uri="{AF507438-7753-43e0-B8FC-AC1667EBCBE1}">
+            <a:ext uri="{AF507438-7753-43E0-B8FC-AC1667EBCBE1}">
               <a14:hiddenEffects xmlns:a14="http://schemas.microsoft.com/office/drawing/2010/main">
                 <a:effectLst>
                   <a:outerShdw dist="35921" dir="2700000" algn="ctr" rotWithShape="0">
@@ -14646,7 +14721,7 @@
   <p:timing>
     <p:tnLst>
       <p:par>
-        <p:cTn xmlns:p14="http://schemas.microsoft.com/office/powerpoint/2010/main" id="1" dur="indefinite" restart="never" nodeType="tmRoot"/>
+        <p:cTn id="1" dur="indefinite" restart="never" nodeType="tmRoot"/>
       </p:par>
     </p:tnLst>
   </p:timing>
@@ -14860,14 +14935,14 @@
           </a:ln>
           <a:effectLst/>
           <a:extLst>
-            <a:ext uri="{909E8E84-426E-40dd-AFC4-6F175D3DCCD1}">
+            <a:ext uri="{909E8E84-426E-40DD-AFC4-6F175D3DCCD1}">
               <a14:hiddenFill xmlns:a14="http://schemas.microsoft.com/office/drawing/2010/main">
                 <a:solidFill>
                   <a:schemeClr val="accent1"/>
                 </a:solidFill>
               </a14:hiddenFill>
             </a:ext>
-            <a:ext uri="{91240B29-F687-4f45-9708-019B960494DF}">
+            <a:ext uri="{91240B29-F687-4F45-9708-019B960494DF}">
               <a14:hiddenLine xmlns:a14="http://schemas.microsoft.com/office/drawing/2010/main" w="9525">
                 <a:solidFill>
                   <a:schemeClr val="tx1"/>
@@ -14877,7 +14952,7 @@
                 <a:tailEnd/>
               </a14:hiddenLine>
             </a:ext>
-            <a:ext uri="{AF507438-7753-43e0-B8FC-AC1667EBCBE1}">
+            <a:ext uri="{AF507438-7753-43E0-B8FC-AC1667EBCBE1}">
               <a14:hiddenEffects xmlns:a14="http://schemas.microsoft.com/office/drawing/2010/main">
                 <a:effectLst>
                   <a:outerShdw dist="35921" dir="2700000" algn="ctr" rotWithShape="0">
@@ -14902,7 +14977,7 @@
   <p:timing>
     <p:tnLst>
       <p:par>
-        <p:cTn xmlns:p14="http://schemas.microsoft.com/office/powerpoint/2010/main" id="1" dur="indefinite" restart="never" nodeType="tmRoot"/>
+        <p:cTn id="1" dur="indefinite" restart="never" nodeType="tmRoot"/>
       </p:par>
     </p:tnLst>
   </p:timing>
@@ -15025,14 +15100,14 @@
           </a:ln>
           <a:effectLst/>
           <a:extLst>
-            <a:ext uri="{909E8E84-426E-40dd-AFC4-6F175D3DCCD1}">
+            <a:ext uri="{909E8E84-426E-40DD-AFC4-6F175D3DCCD1}">
               <a14:hiddenFill xmlns:a14="http://schemas.microsoft.com/office/drawing/2010/main">
                 <a:solidFill>
                   <a:schemeClr val="accent1"/>
                 </a:solidFill>
               </a14:hiddenFill>
             </a:ext>
-            <a:ext uri="{91240B29-F687-4f45-9708-019B960494DF}">
+            <a:ext uri="{91240B29-F687-4F45-9708-019B960494DF}">
               <a14:hiddenLine xmlns:a14="http://schemas.microsoft.com/office/drawing/2010/main" w="9525">
                 <a:solidFill>
                   <a:schemeClr val="tx1"/>
@@ -15042,7 +15117,7 @@
                 <a:tailEnd/>
               </a14:hiddenLine>
             </a:ext>
-            <a:ext uri="{AF507438-7753-43e0-B8FC-AC1667EBCBE1}">
+            <a:ext uri="{AF507438-7753-43E0-B8FC-AC1667EBCBE1}">
               <a14:hiddenEffects xmlns:a14="http://schemas.microsoft.com/office/drawing/2010/main">
                 <a:effectLst>
                   <a:outerShdw dist="35921" dir="2700000" algn="ctr" rotWithShape="0">
@@ -15067,7 +15142,7 @@
   <p:timing>
     <p:tnLst>
       <p:par>
-        <p:cTn xmlns:p14="http://schemas.microsoft.com/office/powerpoint/2010/main" id="1" dur="indefinite" restart="never" nodeType="tmRoot"/>
+        <p:cTn id="1" dur="indefinite" restart="never" nodeType="tmRoot"/>
       </p:par>
     </p:tnLst>
   </p:timing>
@@ -15283,14 +15358,14 @@
           </a:ln>
           <a:effectLst/>
           <a:extLst>
-            <a:ext uri="{909E8E84-426E-40dd-AFC4-6F175D3DCCD1}">
+            <a:ext uri="{909E8E84-426E-40DD-AFC4-6F175D3DCCD1}">
               <a14:hiddenFill xmlns:a14="http://schemas.microsoft.com/office/drawing/2010/main">
                 <a:solidFill>
                   <a:schemeClr val="accent1"/>
                 </a:solidFill>
               </a14:hiddenFill>
             </a:ext>
-            <a:ext uri="{91240B29-F687-4f45-9708-019B960494DF}">
+            <a:ext uri="{91240B29-F687-4F45-9708-019B960494DF}">
               <a14:hiddenLine xmlns:a14="http://schemas.microsoft.com/office/drawing/2010/main" w="9525">
                 <a:solidFill>
                   <a:schemeClr val="tx1"/>
@@ -15300,7 +15375,7 @@
                 <a:tailEnd/>
               </a14:hiddenLine>
             </a:ext>
-            <a:ext uri="{AF507438-7753-43e0-B8FC-AC1667EBCBE1}">
+            <a:ext uri="{AF507438-7753-43E0-B8FC-AC1667EBCBE1}">
               <a14:hiddenEffects xmlns:a14="http://schemas.microsoft.com/office/drawing/2010/main">
                 <a:effectLst>
                   <a:outerShdw dist="35921" dir="2700000" algn="ctr" rotWithShape="0">
@@ -15325,7 +15400,7 @@
   <p:timing>
     <p:tnLst>
       <p:par>
-        <p:cTn xmlns:p14="http://schemas.microsoft.com/office/powerpoint/2010/main" id="1" dur="indefinite" restart="never" nodeType="tmRoot"/>
+        <p:cTn id="1" dur="indefinite" restart="never" nodeType="tmRoot"/>
       </p:par>
     </p:tnLst>
   </p:timing>
@@ -15518,14 +15593,14 @@
           </a:ln>
           <a:effectLst/>
           <a:extLst>
-            <a:ext uri="{909E8E84-426E-40dd-AFC4-6F175D3DCCD1}">
+            <a:ext uri="{909E8E84-426E-40DD-AFC4-6F175D3DCCD1}">
               <a14:hiddenFill xmlns:a14="http://schemas.microsoft.com/office/drawing/2010/main">
                 <a:solidFill>
                   <a:schemeClr val="accent1"/>
                 </a:solidFill>
               </a14:hiddenFill>
             </a:ext>
-            <a:ext uri="{91240B29-F687-4f45-9708-019B960494DF}">
+            <a:ext uri="{91240B29-F687-4F45-9708-019B960494DF}">
               <a14:hiddenLine xmlns:a14="http://schemas.microsoft.com/office/drawing/2010/main" w="9525">
                 <a:solidFill>
                   <a:schemeClr val="tx1"/>
@@ -15535,7 +15610,7 @@
                 <a:tailEnd/>
               </a14:hiddenLine>
             </a:ext>
-            <a:ext uri="{AF507438-7753-43e0-B8FC-AC1667EBCBE1}">
+            <a:ext uri="{AF507438-7753-43E0-B8FC-AC1667EBCBE1}">
               <a14:hiddenEffects xmlns:a14="http://schemas.microsoft.com/office/drawing/2010/main">
                 <a:effectLst>
                   <a:outerShdw dist="35921" dir="2700000" algn="ctr" rotWithShape="0">
@@ -15560,7 +15635,7 @@
   <p:timing>
     <p:tnLst>
       <p:par>
-        <p:cTn xmlns:p14="http://schemas.microsoft.com/office/powerpoint/2010/main" id="1" dur="indefinite" restart="never" nodeType="tmRoot"/>
+        <p:cTn id="1" dur="indefinite" restart="never" nodeType="tmRoot"/>
       </p:par>
     </p:tnLst>
   </p:timing>
@@ -15807,14 +15882,14 @@
           </a:ln>
           <a:effectLst/>
           <a:extLst>
-            <a:ext uri="{909E8E84-426E-40dd-AFC4-6F175D3DCCD1}">
+            <a:ext uri="{909E8E84-426E-40DD-AFC4-6F175D3DCCD1}">
               <a14:hiddenFill xmlns:a14="http://schemas.microsoft.com/office/drawing/2010/main">
                 <a:solidFill>
                   <a:schemeClr val="accent1"/>
                 </a:solidFill>
               </a14:hiddenFill>
             </a:ext>
-            <a:ext uri="{91240B29-F687-4f45-9708-019B960494DF}">
+            <a:ext uri="{91240B29-F687-4F45-9708-019B960494DF}">
               <a14:hiddenLine xmlns:a14="http://schemas.microsoft.com/office/drawing/2010/main" w="9525">
                 <a:solidFill>
                   <a:schemeClr val="tx1"/>
@@ -15824,7 +15899,7 @@
                 <a:tailEnd/>
               </a14:hiddenLine>
             </a:ext>
-            <a:ext uri="{AF507438-7753-43e0-B8FC-AC1667EBCBE1}">
+            <a:ext uri="{AF507438-7753-43E0-B8FC-AC1667EBCBE1}">
               <a14:hiddenEffects xmlns:a14="http://schemas.microsoft.com/office/drawing/2010/main">
                 <a:effectLst>
                   <a:outerShdw dist="35921" dir="2700000" algn="ctr" rotWithShape="0">
@@ -15849,7 +15924,7 @@
   <p:timing>
     <p:tnLst>
       <p:par>
-        <p:cTn xmlns:p14="http://schemas.microsoft.com/office/powerpoint/2010/main" id="1" dur="indefinite" restart="never" nodeType="tmRoot"/>
+        <p:cTn id="1" dur="indefinite" restart="never" nodeType="tmRoot"/>
       </p:par>
     </p:tnLst>
   </p:timing>
@@ -15913,7 +15988,7 @@
         <p:spPr/>
         <p:txBody>
           <a:bodyPr>
-            <a:normAutofit fontScale="62500" lnSpcReduction="20000"/>
+            <a:normAutofit fontScale="55000" lnSpcReduction="20000"/>
           </a:bodyPr>
           <a:lstStyle/>
           <a:p>
@@ -16135,7 +16210,7 @@
   <p:timing>
     <p:tnLst>
       <p:par>
-        <p:cTn xmlns:p14="http://schemas.microsoft.com/office/powerpoint/2010/main" id="1" dur="indefinite" restart="never" nodeType="tmRoot"/>
+        <p:cTn id="1" dur="indefinite" restart="never" nodeType="tmRoot"/>
       </p:par>
     </p:tnLst>
   </p:timing>
@@ -16386,14 +16461,14 @@
           </a:ln>
           <a:effectLst/>
           <a:extLst>
-            <a:ext uri="{909E8E84-426E-40dd-AFC4-6F175D3DCCD1}">
+            <a:ext uri="{909E8E84-426E-40DD-AFC4-6F175D3DCCD1}">
               <a14:hiddenFill xmlns:a14="http://schemas.microsoft.com/office/drawing/2010/main">
                 <a:solidFill>
                   <a:schemeClr val="accent1"/>
                 </a:solidFill>
               </a14:hiddenFill>
             </a:ext>
-            <a:ext uri="{91240B29-F687-4f45-9708-019B960494DF}">
+            <a:ext uri="{91240B29-F687-4F45-9708-019B960494DF}">
               <a14:hiddenLine xmlns:a14="http://schemas.microsoft.com/office/drawing/2010/main" w="9525">
                 <a:solidFill>
                   <a:schemeClr val="tx1"/>
@@ -16403,7 +16478,7 @@
                 <a:tailEnd/>
               </a14:hiddenLine>
             </a:ext>
-            <a:ext uri="{AF507438-7753-43e0-B8FC-AC1667EBCBE1}">
+            <a:ext uri="{AF507438-7753-43E0-B8FC-AC1667EBCBE1}">
               <a14:hiddenEffects xmlns:a14="http://schemas.microsoft.com/office/drawing/2010/main">
                 <a:effectLst>
                   <a:outerShdw dist="35921" dir="2700000" algn="ctr" rotWithShape="0">
@@ -16428,7 +16503,7 @@
   <p:timing>
     <p:tnLst>
       <p:par>
-        <p:cTn xmlns:p14="http://schemas.microsoft.com/office/powerpoint/2010/main" id="1" dur="indefinite" restart="never" nodeType="tmRoot"/>
+        <p:cTn id="1" dur="indefinite" restart="never" nodeType="tmRoot"/>
       </p:par>
     </p:tnLst>
   </p:timing>
@@ -16515,7 +16590,7 @@
   <p:timing>
     <p:tnLst>
       <p:par>
-        <p:cTn xmlns:p14="http://schemas.microsoft.com/office/powerpoint/2010/main" id="1" dur="indefinite" restart="never" nodeType="tmRoot"/>
+        <p:cTn id="1" dur="indefinite" restart="never" nodeType="tmRoot"/>
       </p:par>
     </p:tnLst>
   </p:timing>
@@ -16783,7 +16858,7 @@
   <p:timing>
     <p:tnLst>
       <p:par>
-        <p:cTn xmlns:p14="http://schemas.microsoft.com/office/powerpoint/2010/main" id="1" dur="indefinite" restart="never" nodeType="tmRoot"/>
+        <p:cTn id="1" dur="indefinite" restart="never" nodeType="tmRoot"/>
       </p:par>
     </p:tnLst>
   </p:timing>
@@ -16911,7 +16986,7 @@
   <p:timing>
     <p:tnLst>
       <p:par>
-        <p:cTn xmlns:p14="http://schemas.microsoft.com/office/powerpoint/2010/main" id="1" dur="indefinite" restart="never" nodeType="tmRoot"/>
+        <p:cTn id="1" dur="indefinite" restart="never" nodeType="tmRoot"/>
       </p:par>
     </p:tnLst>
   </p:timing>
@@ -17035,7 +17110,7 @@
   <p:timing>
     <p:tnLst>
       <p:par>
-        <p:cTn xmlns:p14="http://schemas.microsoft.com/office/powerpoint/2010/main" id="1" dur="indefinite" restart="never" nodeType="tmRoot"/>
+        <p:cTn id="1" dur="indefinite" restart="never" nodeType="tmRoot"/>
       </p:par>
     </p:tnLst>
   </p:timing>
@@ -17130,7 +17205,7 @@
   <p:timing>
     <p:tnLst>
       <p:par>
-        <p:cTn xmlns:p14="http://schemas.microsoft.com/office/powerpoint/2010/main" id="1" dur="indefinite" restart="never" nodeType="tmRoot"/>
+        <p:cTn id="1" dur="indefinite" restart="never" nodeType="tmRoot"/>
       </p:par>
     </p:tnLst>
   </p:timing>
@@ -17188,14 +17263,14 @@
             <a:noFill/>
           </a:ln>
           <a:extLst>
-            <a:ext uri="{909E8E84-426E-40dd-AFC4-6F175D3DCCD1}">
+            <a:ext uri="{909E8E84-426E-40DD-AFC4-6F175D3DCCD1}">
               <a14:hiddenFill xmlns:a14="http://schemas.microsoft.com/office/drawing/2010/main">
                 <a:solidFill>
                   <a:srgbClr val="FFFFFF"/>
                 </a:solidFill>
               </a14:hiddenFill>
             </a:ext>
-            <a:ext uri="{91240B29-F687-4f45-9708-019B960494DF}">
+            <a:ext uri="{91240B29-F687-4F45-9708-019B960494DF}">
               <a14:hiddenLine xmlns:a14="http://schemas.microsoft.com/office/drawing/2010/main" w="9525">
                 <a:solidFill>
                   <a:srgbClr val="000000"/>
@@ -17221,7 +17296,7 @@
   <p:timing>
     <p:tnLst>
       <p:par>
-        <p:cTn xmlns:p14="http://schemas.microsoft.com/office/powerpoint/2010/main" id="1" dur="indefinite" restart="never" nodeType="tmRoot"/>
+        <p:cTn id="1" dur="indefinite" restart="never" nodeType="tmRoot"/>
       </p:par>
     </p:tnLst>
   </p:timing>
@@ -17338,7 +17413,7 @@
   <p:timing>
     <p:tnLst>
       <p:par>
-        <p:cTn xmlns:p14="http://schemas.microsoft.com/office/powerpoint/2010/main" id="1" dur="indefinite" restart="never" nodeType="tmRoot"/>
+        <p:cTn id="1" dur="indefinite" restart="never" nodeType="tmRoot"/>
       </p:par>
     </p:tnLst>
   </p:timing>
@@ -17500,7 +17575,7 @@
   <p:timing>
     <p:tnLst>
       <p:par>
-        <p:cTn xmlns:p14="http://schemas.microsoft.com/office/powerpoint/2010/main" id="1" dur="indefinite" restart="never" nodeType="tmRoot"/>
+        <p:cTn id="1" dur="indefinite" restart="never" nodeType="tmRoot"/>
       </p:par>
     </p:tnLst>
   </p:timing>
@@ -17664,7 +17739,7 @@
   <p:timing>
     <p:tnLst>
       <p:par>
-        <p:cTn xmlns:p14="http://schemas.microsoft.com/office/powerpoint/2010/main" id="1" dur="indefinite" restart="never" nodeType="tmRoot"/>
+        <p:cTn id="1" dur="indefinite" restart="never" nodeType="tmRoot"/>
       </p:par>
     </p:tnLst>
   </p:timing>
@@ -17879,14 +17954,14 @@
           </a:ln>
           <a:effectLst/>
           <a:extLst>
-            <a:ext uri="{909E8E84-426E-40dd-AFC4-6F175D3DCCD1}">
+            <a:ext uri="{909E8E84-426E-40DD-AFC4-6F175D3DCCD1}">
               <a14:hiddenFill xmlns:a14="http://schemas.microsoft.com/office/drawing/2010/main">
                 <a:solidFill>
                   <a:schemeClr val="accent1"/>
                 </a:solidFill>
               </a14:hiddenFill>
             </a:ext>
-            <a:ext uri="{91240B29-F687-4f45-9708-019B960494DF}">
+            <a:ext uri="{91240B29-F687-4F45-9708-019B960494DF}">
               <a14:hiddenLine xmlns:a14="http://schemas.microsoft.com/office/drawing/2010/main" w="9525">
                 <a:solidFill>
                   <a:schemeClr val="tx1"/>
@@ -17896,7 +17971,7 @@
                 <a:tailEnd/>
               </a14:hiddenLine>
             </a:ext>
-            <a:ext uri="{AF507438-7753-43e0-B8FC-AC1667EBCBE1}">
+            <a:ext uri="{AF507438-7753-43E0-B8FC-AC1667EBCBE1}">
               <a14:hiddenEffects xmlns:a14="http://schemas.microsoft.com/office/drawing/2010/main">
                 <a:effectLst>
                   <a:outerShdw dist="35921" dir="2700000" algn="ctr" rotWithShape="0">
@@ -17921,7 +17996,7 @@
   <p:timing>
     <p:tnLst>
       <p:par>
-        <p:cTn xmlns:p14="http://schemas.microsoft.com/office/powerpoint/2010/main" id="1" dur="indefinite" restart="never" nodeType="tmRoot"/>
+        <p:cTn id="1" dur="indefinite" restart="never" nodeType="tmRoot"/>
       </p:par>
     </p:tnLst>
   </p:timing>
@@ -18098,14 +18173,14 @@
           </a:ln>
           <a:effectLst/>
           <a:extLst>
-            <a:ext uri="{909E8E84-426E-40dd-AFC4-6F175D3DCCD1}">
+            <a:ext uri="{909E8E84-426E-40DD-AFC4-6F175D3DCCD1}">
               <a14:hiddenFill xmlns:a14="http://schemas.microsoft.com/office/drawing/2010/main">
                 <a:solidFill>
                   <a:schemeClr val="accent1"/>
                 </a:solidFill>
               </a14:hiddenFill>
             </a:ext>
-            <a:ext uri="{91240B29-F687-4f45-9708-019B960494DF}">
+            <a:ext uri="{91240B29-F687-4F45-9708-019B960494DF}">
               <a14:hiddenLine xmlns:a14="http://schemas.microsoft.com/office/drawing/2010/main" w="9525">
                 <a:solidFill>
                   <a:schemeClr val="tx1"/>
@@ -18115,7 +18190,7 @@
                 <a:tailEnd/>
               </a14:hiddenLine>
             </a:ext>
-            <a:ext uri="{AF507438-7753-43e0-B8FC-AC1667EBCBE1}">
+            <a:ext uri="{AF507438-7753-43E0-B8FC-AC1667EBCBE1}">
               <a14:hiddenEffects xmlns:a14="http://schemas.microsoft.com/office/drawing/2010/main">
                 <a:effectLst>
                   <a:outerShdw dist="35921" dir="2700000" algn="ctr" rotWithShape="0">
@@ -18140,7 +18215,7 @@
   <p:timing>
     <p:tnLst>
       <p:par>
-        <p:cTn xmlns:p14="http://schemas.microsoft.com/office/powerpoint/2010/main" id="1" dur="indefinite" restart="never" nodeType="tmRoot"/>
+        <p:cTn id="1" dur="indefinite" restart="never" nodeType="tmRoot"/>
       </p:par>
     </p:tnLst>
   </p:timing>

--- a/golang连接和组合的语言/Golang 连接和组合的语言.pptx
+++ b/golang连接和组合的语言/Golang 连接和组合的语言.pptx
@@ -152,6 +152,22 @@
       </a:defRPr>
     </a:lvl9pPr>
   </p:defaultTextStyle>
+  <p:extLst>
+    <p:ext uri="{EFAFB233-063F-42B5-8137-9DF3F51BA10A}">
+      <p15:sldGuideLst xmlns:p15="http://schemas.microsoft.com/office/powerpoint/2012/main">
+        <p15:guide id="1" orient="horz" pos="2160">
+          <p15:clr>
+            <a:srgbClr val="A4A3A4"/>
+          </p15:clr>
+        </p15:guide>
+        <p15:guide id="2" pos="2880">
+          <p15:clr>
+            <a:srgbClr val="A4A3A4"/>
+          </p15:clr>
+        </p15:guide>
+      </p15:sldGuideLst>
+    </p:ext>
+  </p:extLst>
 </p:presentation>
 </file>
 
@@ -237,7 +253,7 @@
           <a:p>
             <a:fld id="{B1C42D84-E911-4C39-845D-CFBE79462142}" type="datetimeFigureOut">
               <a:rPr lang="zh-CN" altLang="en-US" smtClean="0"/>
-              <a:t>2014/12/19</a:t>
+              <a:t>15/12/18</a:t>
             </a:fld>
             <a:endParaRPr lang="zh-CN" altLang="en-US"/>
           </a:p>
@@ -5026,7 +5042,7 @@
           <a:p>
             <a:fld id="{69A83AB9-CCC0-4BF1-995C-C99A7F2533E7}" type="datetimeFigureOut">
               <a:rPr lang="zh-CN" altLang="en-US" smtClean="0"/>
-              <a:t>2014/12/19</a:t>
+              <a:t>15/12/18</a:t>
             </a:fld>
             <a:endParaRPr lang="zh-CN" altLang="en-US"/>
           </a:p>
@@ -5220,7 +5236,7 @@
           <a:p>
             <a:fld id="{69A83AB9-CCC0-4BF1-995C-C99A7F2533E7}" type="datetimeFigureOut">
               <a:rPr lang="zh-CN" altLang="en-US" smtClean="0"/>
-              <a:t>2014/12/19</a:t>
+              <a:t>15/12/18</a:t>
             </a:fld>
             <a:endParaRPr lang="zh-CN" altLang="en-US"/>
           </a:p>
@@ -5408,7 +5424,7 @@
           <a:p>
             <a:fld id="{69A83AB9-CCC0-4BF1-995C-C99A7F2533E7}" type="datetimeFigureOut">
               <a:rPr lang="zh-CN" altLang="en-US" smtClean="0"/>
-              <a:t>2014/12/19</a:t>
+              <a:t>15/12/18</a:t>
             </a:fld>
             <a:endParaRPr lang="zh-CN" altLang="en-US"/>
           </a:p>
@@ -5637,7 +5653,7 @@
           <a:p>
             <a:fld id="{69A83AB9-CCC0-4BF1-995C-C99A7F2533E7}" type="datetimeFigureOut">
               <a:rPr lang="zh-CN" altLang="en-US" smtClean="0"/>
-              <a:t>2014/12/19</a:t>
+              <a:t>15/12/18</a:t>
             </a:fld>
             <a:endParaRPr lang="zh-CN" altLang="en-US"/>
           </a:p>
@@ -5918,7 +5934,7 @@
           <a:p>
             <a:fld id="{69A83AB9-CCC0-4BF1-995C-C99A7F2533E7}" type="datetimeFigureOut">
               <a:rPr lang="zh-CN" altLang="en-US" smtClean="0"/>
-              <a:t>2014/12/19</a:t>
+              <a:t>15/12/18</a:t>
             </a:fld>
             <a:endParaRPr lang="zh-CN" altLang="en-US"/>
           </a:p>
@@ -6206,7 +6222,7 @@
           <a:p>
             <a:fld id="{69A83AB9-CCC0-4BF1-995C-C99A7F2533E7}" type="datetimeFigureOut">
               <a:rPr lang="zh-CN" altLang="en-US" smtClean="0"/>
-              <a:t>2014/12/19</a:t>
+              <a:t>15/12/18</a:t>
             </a:fld>
             <a:endParaRPr lang="zh-CN" altLang="en-US"/>
           </a:p>
@@ -6760,7 +6776,7 @@
           <a:p>
             <a:fld id="{69A83AB9-CCC0-4BF1-995C-C99A7F2533E7}" type="datetimeFigureOut">
               <a:rPr lang="zh-CN" altLang="en-US" smtClean="0"/>
-              <a:t>2014/12/19</a:t>
+              <a:t>15/12/18</a:t>
             </a:fld>
             <a:endParaRPr lang="zh-CN" altLang="en-US"/>
           </a:p>
@@ -6891,7 +6907,7 @@
           <a:p>
             <a:fld id="{69A83AB9-CCC0-4BF1-995C-C99A7F2533E7}" type="datetimeFigureOut">
               <a:rPr lang="zh-CN" altLang="en-US" smtClean="0"/>
-              <a:t>2014/12/19</a:t>
+              <a:t>15/12/18</a:t>
             </a:fld>
             <a:endParaRPr lang="zh-CN" altLang="en-US"/>
           </a:p>
@@ -7041,7 +7057,7 @@
           <a:p>
             <a:fld id="{69A83AB9-CCC0-4BF1-995C-C99A7F2533E7}" type="datetimeFigureOut">
               <a:rPr lang="zh-CN" altLang="en-US" smtClean="0"/>
-              <a:t>2014/12/19</a:t>
+              <a:t>15/12/18</a:t>
             </a:fld>
             <a:endParaRPr lang="zh-CN" altLang="en-US"/>
           </a:p>
@@ -7362,7 +7378,7 @@
           <a:p>
             <a:fld id="{69A83AB9-CCC0-4BF1-995C-C99A7F2533E7}" type="datetimeFigureOut">
               <a:rPr lang="zh-CN" altLang="en-US" smtClean="0"/>
-              <a:t>2014/12/19</a:t>
+              <a:t>15/12/18</a:t>
             </a:fld>
             <a:endParaRPr lang="zh-CN" altLang="en-US"/>
           </a:p>
@@ -7659,7 +7675,7 @@
           <a:p>
             <a:fld id="{69A83AB9-CCC0-4BF1-995C-C99A7F2533E7}" type="datetimeFigureOut">
               <a:rPr lang="zh-CN" altLang="en-US" smtClean="0"/>
-              <a:t>2014/12/19</a:t>
+              <a:t>15/12/18</a:t>
             </a:fld>
             <a:endParaRPr lang="zh-CN" altLang="en-US"/>
           </a:p>
@@ -7904,7 +7920,7 @@
           <a:p>
             <a:fld id="{69A83AB9-CCC0-4BF1-995C-C99A7F2533E7}" type="datetimeFigureOut">
               <a:rPr lang="zh-CN" altLang="en-US" smtClean="0"/>
-              <a:t>2014/12/19</a:t>
+              <a:t>15/12/18</a:t>
             </a:fld>
             <a:endParaRPr lang="zh-CN" altLang="en-US"/>
           </a:p>
@@ -8819,7 +8835,7 @@
           <a:p>
             <a:pPr>
               <a:lnSpc>
-                <a:spcPct val="150000"/>
+                <a:spcPct val="170000"/>
               </a:lnSpc>
             </a:pPr>
             <a:r>
@@ -8848,15 +8864,35 @@
             </a:r>
             <a:r>
               <a:rPr lang="zh-CN" altLang="en-US" dirty="0"/>
-              <a:t>看起来像是可以指向任何对象的</a:t>
-            </a:r>
-            <a:r>
-              <a:rPr lang="en-US" altLang="zh-CN" dirty="0"/>
+              <a:t>看起来像是可以指向</a:t>
+            </a:r>
+            <a:r>
+              <a:rPr lang="zh-CN" altLang="en-US" dirty="0">
+                <a:solidFill>
+                  <a:srgbClr val="FFFF00"/>
+                </a:solidFill>
+              </a:rPr>
+              <a:t>任何对象的</a:t>
+            </a:r>
+            <a:r>
+              <a:rPr lang="en-US" altLang="zh-CN" dirty="0">
+                <a:solidFill>
+                  <a:srgbClr val="FFFF00"/>
+                </a:solidFill>
+              </a:rPr>
               <a:t>Any</a:t>
             </a:r>
             <a:r>
-              <a:rPr lang="zh-CN" altLang="en-US" dirty="0"/>
-              <a:t>类型。类似于</a:t>
+              <a:rPr lang="zh-CN" altLang="en-US" dirty="0">
+                <a:solidFill>
+                  <a:srgbClr val="FFFF00"/>
+                </a:solidFill>
+              </a:rPr>
+              <a:t>类型</a:t>
+            </a:r>
+            <a:r>
+              <a:rPr lang="zh-CN" altLang="en-US" dirty="0"/>
+              <a:t>。类似于</a:t>
             </a:r>
             <a:r>
               <a:rPr lang="en-US" altLang="zh-CN" dirty="0"/>
@@ -8879,7 +8915,7 @@
           <a:p>
             <a:pPr>
               <a:lnSpc>
-                <a:spcPct val="150000"/>
+                <a:spcPct val="170000"/>
               </a:lnSpc>
             </a:pPr>
             <a:r>
@@ -9043,7 +9079,15 @@
           <a:p>
             <a:r>
               <a:rPr lang="zh-CN" altLang="en-US" dirty="0" smtClean="0"/>
-              <a:t>接口查询</a:t>
+              <a:t>类型查询、</a:t>
+            </a:r>
+            <a:r>
+              <a:rPr lang="zh-CN" altLang="en-US" dirty="0" smtClean="0"/>
+              <a:t>接口</a:t>
+            </a:r>
+            <a:r>
+              <a:rPr lang="zh-CN" altLang="en-US" dirty="0" smtClean="0"/>
+              <a:t>查询</a:t>
             </a:r>
             <a:endParaRPr lang="zh-CN" altLang="en-US" dirty="0"/>
           </a:p>
@@ -9069,6 +9113,13 @@
           <a:bodyPr/>
           <a:lstStyle/>
           <a:p>
+            <a:pPr marL="0" indent="0">
+              <a:buNone/>
+            </a:pPr>
+            <a:r>
+              <a:rPr lang="zh-CN" altLang="en-US" dirty="0" smtClean="0"/>
+              <a:t>接口查询</a:t>
+            </a:r>
             <a:endParaRPr lang="zh-CN" altLang="en-US" dirty="0"/>
           </a:p>
         </p:txBody>
@@ -9201,6 +9252,34 @@
           </a:extLst>
         </p:spPr>
       </p:pic>
+      <p:sp>
+        <p:nvSpPr>
+          <p:cNvPr id="4" name="矩形 3"/>
+          <p:cNvSpPr/>
+          <p:nvPr/>
+        </p:nvSpPr>
+        <p:spPr>
+          <a:xfrm>
+            <a:off x="6660232" y="1646237"/>
+            <a:ext cx="1620957" cy="523220"/>
+          </a:xfrm>
+          <a:prstGeom prst="rect">
+            <a:avLst/>
+          </a:prstGeom>
+        </p:spPr>
+        <p:txBody>
+          <a:bodyPr wrap="none">
+            <a:spAutoFit/>
+          </a:bodyPr>
+          <a:lstStyle/>
+          <a:p>
+            <a:r>
+              <a:rPr lang="zh-CN" altLang="en-US" sz="2800"/>
+              <a:t>类型查询</a:t>
+            </a:r>
+          </a:p>
+        </p:txBody>
+      </p:sp>
     </p:spTree>
     <p:extLst>
       <p:ext uri="{BB962C8B-B14F-4D97-AF65-F5344CB8AC3E}">
@@ -9592,13 +9671,21 @@
                 <a:spcPct val="170000"/>
               </a:lnSpc>
             </a:pPr>
-            <a:r>
-              <a:rPr lang="zh-CN" altLang="en-US" dirty="0" smtClean="0"/>
-              <a:t>举</a:t>
-            </a:r>
-            <a:r>
-              <a:rPr lang="zh-CN" altLang="en-US" dirty="0"/>
-              <a:t>个例子，假设我们实现了一个</a:t>
+            <a:endParaRPr lang="zh-CN" altLang="en-US" dirty="0" smtClean="0"/>
+          </a:p>
+          <a:p>
+            <a:pPr>
+              <a:lnSpc>
+                <a:spcPct val="170000"/>
+              </a:lnSpc>
+            </a:pPr>
+            <a:r>
+              <a:rPr lang="zh-CN" altLang="en-US" dirty="0" smtClean="0"/>
+              <a:t>举个</a:t>
+            </a:r>
+            <a:r>
+              <a:rPr lang="zh-CN" altLang="en-US" dirty="0"/>
+              <a:t>例子，假设我们实现了一个</a:t>
             </a:r>
             <a:r>
               <a:rPr lang="en-US" altLang="zh-CN" dirty="0"/>
@@ -9784,6 +9871,65 @@
               <a:rPr lang="zh-CN" altLang="en-US" dirty="0"/>
               <a:t>种之多！</a:t>
             </a:r>
+          </a:p>
+          <a:p>
+            <a:pPr>
+              <a:lnSpc>
+                <a:spcPct val="170000"/>
+              </a:lnSpc>
+            </a:pPr>
+            <a:endParaRPr lang="zh-CN" altLang="en-US" dirty="0" smtClean="0"/>
+          </a:p>
+          <a:p>
+            <a:r>
+              <a:rPr lang="zh-CN" altLang="en-US" dirty="0">
+                <a:solidFill>
+                  <a:srgbClr val="FFFF00"/>
+                </a:solidFill>
+              </a:rPr>
+              <a:t>提前想好</a:t>
+            </a:r>
+            <a:r>
+              <a:rPr lang="zh-CN" altLang="en-US" dirty="0"/>
+              <a:t>未来要用的</a:t>
+            </a:r>
+            <a:r>
+              <a:rPr lang="en-US" altLang="zh-CN" dirty="0"/>
+              <a:t> </a:t>
+            </a:r>
+            <a:r>
+              <a:rPr lang="zh-CN" altLang="en-US" dirty="0"/>
+              <a:t>接口，</a:t>
+            </a:r>
+            <a:r>
+              <a:rPr lang="en-US" altLang="zh-CN" dirty="0"/>
+              <a:t> </a:t>
+            </a:r>
+            <a:r>
+              <a:rPr lang="zh-CN" altLang="en-US" dirty="0"/>
+              <a:t>是一件疯狂的事情</a:t>
+            </a:r>
+            <a:r>
+              <a:rPr lang="zh-CN" altLang="en-US" dirty="0" smtClean="0"/>
+              <a:t>。所以</a:t>
+            </a:r>
+            <a:r>
+              <a:rPr lang="en-US" altLang="zh-CN" dirty="0" smtClean="0"/>
+              <a:t> </a:t>
+            </a:r>
+            <a:r>
+              <a:rPr lang="zh-CN" altLang="en-US" dirty="0"/>
+              <a:t>非侵入式接口</a:t>
+            </a:r>
+            <a:r>
+              <a:rPr lang="en-US" altLang="zh-CN" dirty="0"/>
+              <a:t> </a:t>
+            </a:r>
+            <a:r>
+              <a:rPr lang="zh-CN" altLang="en-US" dirty="0"/>
+              <a:t>可以避免这事。</a:t>
+            </a:r>
+            <a:endParaRPr lang="en-US" altLang="zh-CN" dirty="0"/>
           </a:p>
           <a:p>
             <a:pPr>
@@ -9863,9 +10009,16 @@
         </p:nvSpPr>
         <p:spPr/>
         <p:txBody>
-          <a:bodyPr/>
+          <a:bodyPr>
+            <a:normAutofit/>
+          </a:bodyPr>
           <a:lstStyle/>
           <a:p>
+            <a:pPr>
+              <a:lnSpc>
+                <a:spcPct val="150000"/>
+              </a:lnSpc>
+            </a:pPr>
             <a:r>
               <a:rPr lang="en-US" altLang="zh-CN" dirty="0" err="1"/>
               <a:t>Golang</a:t>
@@ -9881,6 +10034,11 @@
             <a:endParaRPr lang="en-US" altLang="zh-CN" dirty="0" smtClean="0"/>
           </a:p>
           <a:p>
+            <a:pPr>
+              <a:lnSpc>
+                <a:spcPct val="150000"/>
+              </a:lnSpc>
+            </a:pPr>
             <a:r>
               <a:rPr lang="en-US" altLang="zh-CN" dirty="0" err="1" smtClean="0"/>
               <a:t>Golang</a:t>
@@ -9896,6 +10054,11 @@
             <a:endParaRPr lang="en-US" altLang="zh-CN" dirty="0" smtClean="0"/>
           </a:p>
           <a:p>
+            <a:pPr>
+              <a:lnSpc>
+                <a:spcPct val="150000"/>
+              </a:lnSpc>
+            </a:pPr>
             <a:r>
               <a:rPr lang="zh-CN" altLang="en-US" dirty="0" smtClean="0"/>
               <a:t>连接</a:t>
@@ -9911,6 +10074,11 @@
             <a:endParaRPr lang="en-US" altLang="zh-CN" dirty="0" smtClean="0"/>
           </a:p>
           <a:p>
+            <a:pPr>
+              <a:lnSpc>
+                <a:spcPct val="150000"/>
+              </a:lnSpc>
+            </a:pPr>
             <a:r>
               <a:rPr lang="zh-CN" altLang="en-US" dirty="0">
                 <a:solidFill>
@@ -9953,6 +10121,11 @@
             </a:r>
           </a:p>
           <a:p>
+            <a:pPr>
+              <a:lnSpc>
+                <a:spcPct val="150000"/>
+              </a:lnSpc>
+            </a:pPr>
             <a:r>
               <a:rPr lang="zh-CN" altLang="en-US" dirty="0" smtClean="0"/>
               <a:t>组合</a:t>
@@ -9960,17 +10133,15 @@
             <a:endParaRPr lang="en-US" altLang="zh-CN" dirty="0" smtClean="0"/>
           </a:p>
           <a:p>
+            <a:pPr>
+              <a:lnSpc>
+                <a:spcPct val="150000"/>
+              </a:lnSpc>
+            </a:pPr>
             <a:r>
               <a:rPr lang="zh-CN" altLang="en-US" dirty="0" smtClean="0"/>
               <a:t>总结</a:t>
             </a:r>
-            <a:r>
-              <a:rPr lang="en-US" altLang="zh-CN" dirty="0"/>
-              <a:t/>
-            </a:r>
-            <a:br>
-              <a:rPr lang="en-US" altLang="zh-CN" dirty="0"/>
-            </a:br>
             <a:endParaRPr lang="zh-CN" altLang="en-US" dirty="0"/>
           </a:p>
         </p:txBody>
@@ -10053,7 +10224,7 @@
         </p:spPr>
         <p:txBody>
           <a:bodyPr>
-            <a:normAutofit fontScale="47500" lnSpcReduction="20000"/>
+            <a:noAutofit/>
           </a:bodyPr>
           <a:lstStyle/>
           <a:p>
@@ -10063,50 +10234,93 @@
               </a:lnSpc>
             </a:pPr>
             <a:r>
-              <a:rPr lang="zh-CN" altLang="en-US" dirty="0" smtClean="0"/>
+              <a:rPr lang="zh-CN" altLang="en-US" sz="1400" dirty="0" smtClean="0"/>
               <a:t>在类</a:t>
             </a:r>
             <a:r>
-              <a:rPr lang="en-US" altLang="zh-CN" dirty="0" smtClean="0"/>
+              <a:rPr lang="en-US" altLang="zh-CN" sz="1400" dirty="0" smtClean="0"/>
               <a:t>Unix</a:t>
             </a:r>
             <a:r>
-              <a:rPr lang="zh-CN" altLang="en-US" dirty="0" smtClean="0"/>
+              <a:rPr lang="zh-CN" altLang="en-US" sz="1400" dirty="0" smtClean="0"/>
               <a:t>操作系统（以及一些扩展，</a:t>
             </a:r>
             <a:r>
-              <a:rPr lang="en-US" altLang="zh-CN" dirty="0" smtClean="0"/>
+              <a:rPr lang="en-US" altLang="zh-CN" sz="1400" dirty="0" smtClean="0"/>
               <a:t>Windows</a:t>
             </a:r>
             <a:r>
-              <a:rPr lang="zh-CN" altLang="en-US" dirty="0" smtClean="0"/>
+              <a:rPr lang="zh-CN" altLang="en-US" sz="1400" dirty="0" smtClean="0"/>
               <a:t>）中，管道（英语：</a:t>
             </a:r>
             <a:r>
-              <a:rPr lang="en-US" altLang="zh-CN" dirty="0" smtClean="0"/>
+              <a:rPr lang="en-US" altLang="zh-CN" sz="1400" dirty="0" smtClean="0"/>
               <a:t>Pipeline</a:t>
             </a:r>
             <a:r>
-              <a:rPr lang="zh-CN" altLang="en-US" dirty="0" smtClean="0"/>
-              <a:t>）是原始的软件管道：即是一个由标准输入输出链接起来的进程集合，所以每一个进程的输出（</a:t>
-            </a:r>
-            <a:r>
-              <a:rPr lang="en-US" altLang="zh-CN" dirty="0" err="1" smtClean="0"/>
+              <a:rPr lang="zh-CN" altLang="en-US" sz="1400" dirty="0" smtClean="0"/>
+              <a:t>）是原始的软件管道：即是一个由标准输入输出链接起来的进程集合</a:t>
+            </a:r>
+            <a:r>
+              <a:rPr lang="zh-CN" altLang="en-US" sz="1400" dirty="0" smtClean="0"/>
+              <a:t>，</a:t>
+            </a:r>
+          </a:p>
+          <a:p>
+            <a:pPr>
+              <a:lnSpc>
+                <a:spcPct val="170000"/>
+              </a:lnSpc>
+            </a:pPr>
+            <a:endParaRPr lang="zh-CN" altLang="en-US" sz="1400" dirty="0"/>
+          </a:p>
+          <a:p>
+            <a:pPr>
+              <a:lnSpc>
+                <a:spcPct val="170000"/>
+              </a:lnSpc>
+            </a:pPr>
+            <a:r>
+              <a:rPr lang="zh-CN" altLang="en-US" sz="1400" dirty="0" smtClean="0"/>
+              <a:t>每</a:t>
+            </a:r>
+            <a:r>
+              <a:rPr lang="zh-CN" altLang="en-US" sz="1400" dirty="0" smtClean="0"/>
+              <a:t>一个进程的输出（</a:t>
+            </a:r>
+            <a:r>
+              <a:rPr lang="en-US" altLang="zh-CN" sz="1400" dirty="0" err="1" smtClean="0"/>
               <a:t>stdout</a:t>
             </a:r>
             <a:r>
-              <a:rPr lang="zh-CN" altLang="en-US" dirty="0" smtClean="0"/>
+              <a:rPr lang="zh-CN" altLang="en-US" sz="1400" dirty="0" smtClean="0"/>
               <a:t>）被直接作为下一个进程的输入（</a:t>
             </a:r>
             <a:r>
-              <a:rPr lang="en-US" altLang="zh-CN" dirty="0" err="1" smtClean="0"/>
+              <a:rPr lang="en-US" altLang="zh-CN" sz="1400" dirty="0" err="1" smtClean="0"/>
               <a:t>stdin</a:t>
             </a:r>
             <a:r>
-              <a:rPr lang="zh-CN" altLang="en-US" dirty="0" smtClean="0"/>
-              <a:t>）。 每一个链接都由未命名管道实现。过滤程序经常被用于这种设置。</a:t>
-            </a:r>
-            <a:endParaRPr lang="zh-CN" altLang="en-US" dirty="0"/>
+              <a:rPr lang="zh-CN" altLang="en-US" sz="1400" dirty="0" smtClean="0"/>
+              <a:t>）。 </a:t>
+            </a:r>
+            <a:endParaRPr lang="zh-CN" altLang="en-US" sz="1400" dirty="0" smtClean="0"/>
+          </a:p>
+          <a:p>
+            <a:pPr>
+              <a:lnSpc>
+                <a:spcPct val="170000"/>
+              </a:lnSpc>
+            </a:pPr>
+            <a:r>
+              <a:rPr lang="zh-CN" altLang="en-US" sz="1400" dirty="0" smtClean="0"/>
+              <a:t>每</a:t>
+            </a:r>
+            <a:r>
+              <a:rPr lang="zh-CN" altLang="en-US" sz="1400" dirty="0" smtClean="0"/>
+              <a:t>一个链接都由未命名管道实现。过滤程序经常被用于这种设置。</a:t>
+            </a:r>
+            <a:endParaRPr lang="zh-CN" altLang="en-US" sz="1400" dirty="0"/>
           </a:p>
         </p:txBody>
       </p:sp>
@@ -10233,7 +10447,7 @@
         </p:spPr>
         <p:txBody>
           <a:bodyPr>
-            <a:normAutofit fontScale="32500" lnSpcReduction="20000"/>
+            <a:noAutofit/>
           </a:bodyPr>
           <a:lstStyle/>
           <a:p>
@@ -10243,18 +10457,18 @@
               </a:lnSpc>
             </a:pPr>
             <a:r>
-              <a:rPr lang="zh-CN" altLang="en-US" dirty="0"/>
+              <a:rPr lang="zh-CN" altLang="en-US" sz="1100" dirty="0"/>
               <a:t>“</a:t>
             </a:r>
             <a:r>
-              <a:rPr lang="en-US" altLang="zh-CN" dirty="0"/>
+              <a:rPr lang="en-US" altLang="zh-CN" sz="1100" dirty="0"/>
               <a:t>\”</a:t>
             </a:r>
             <a:r>
-              <a:rPr lang="zh-CN" altLang="en-US" dirty="0"/>
+              <a:rPr lang="zh-CN" altLang="en-US" sz="1100" dirty="0"/>
               <a:t>是用来把这六行转为一个命令行。</a:t>
             </a:r>
-            <a:endParaRPr lang="en-US" altLang="zh-CN" b="1" dirty="0" smtClean="0">
+            <a:endParaRPr lang="en-US" altLang="zh-CN" sz="1100" b="1" dirty="0" smtClean="0">
               <a:hlinkClick r:id="rId3" tooltip="CURL"/>
             </a:endParaRPr>
           </a:p>
@@ -10265,31 +10479,31 @@
               </a:lnSpc>
             </a:pPr>
             <a:r>
-              <a:rPr lang="en-US" altLang="zh-CN" b="1" dirty="0" smtClean="0">
+              <a:rPr lang="en-US" altLang="zh-CN" sz="1100" b="1" dirty="0" smtClean="0">
                 <a:hlinkClick r:id="rId3" tooltip="CURL"/>
               </a:rPr>
               <a:t>curl</a:t>
             </a:r>
             <a:r>
-              <a:rPr lang="zh-CN" altLang="en-US" dirty="0"/>
+              <a:rPr lang="zh-CN" altLang="en-US" sz="1100" dirty="0"/>
               <a:t> 取得该网页的</a:t>
             </a:r>
             <a:r>
-              <a:rPr lang="en-US" altLang="zh-CN" dirty="0">
+              <a:rPr lang="en-US" altLang="zh-CN" sz="1100" dirty="0">
                 <a:hlinkClick r:id="rId4" tooltip="HTML"/>
               </a:rPr>
               <a:t>HTML</a:t>
             </a:r>
             <a:r>
-              <a:rPr lang="zh-CN" altLang="en-US" dirty="0"/>
+              <a:rPr lang="zh-CN" altLang="en-US" sz="1100" dirty="0"/>
               <a:t>内容（在有些系统上可以使用</a:t>
             </a:r>
             <a:r>
-              <a:rPr lang="en-US" altLang="zh-CN" dirty="0" err="1"/>
+              <a:rPr lang="en-US" altLang="zh-CN" sz="1100" dirty="0" err="1"/>
               <a:t>wget</a:t>
             </a:r>
             <a:r>
-              <a:rPr lang="zh-CN" altLang="en-US" dirty="0"/>
+              <a:rPr lang="zh-CN" altLang="en-US" sz="1100" dirty="0"/>
               <a:t>）。</a:t>
             </a:r>
           </a:p>
@@ -10300,52 +10514,52 @@
               </a:lnSpc>
             </a:pPr>
             <a:r>
-              <a:rPr lang="en-US" altLang="zh-CN" b="1" dirty="0" err="1">
+              <a:rPr lang="en-US" altLang="zh-CN" sz="1100" b="1" dirty="0" err="1">
                 <a:hlinkClick r:id="rId5" tooltip="Sed"/>
               </a:rPr>
               <a:t>sed</a:t>
             </a:r>
             <a:r>
-              <a:rPr lang="zh-CN" altLang="en-US" dirty="0"/>
+              <a:rPr lang="zh-CN" altLang="en-US" sz="1100" dirty="0"/>
               <a:t>  </a:t>
             </a:r>
             <a:r>
-              <a:rPr lang="en-US" altLang="zh-CN" i="1" dirty="0" smtClean="0"/>
+              <a:rPr lang="en-US" altLang="zh-CN" sz="1100" i="1" dirty="0" smtClean="0"/>
               <a:t>s/</a:t>
             </a:r>
             <a:r>
-              <a:rPr lang="zh-CN" altLang="en-US" i="1" dirty="0"/>
+              <a:rPr lang="zh-CN" altLang="en-US" sz="1100" i="1" dirty="0"/>
               <a:t>模式</a:t>
             </a:r>
             <a:r>
-              <a:rPr lang="en-US" altLang="zh-CN" i="1" dirty="0"/>
+              <a:rPr lang="en-US" altLang="zh-CN" sz="1100" i="1" dirty="0"/>
               <a:t>/</a:t>
             </a:r>
             <a:r>
-              <a:rPr lang="zh-CN" altLang="en-US" i="1" dirty="0"/>
+              <a:rPr lang="zh-CN" altLang="en-US" sz="1100" i="1" dirty="0"/>
               <a:t>替换文字</a:t>
             </a:r>
             <a:r>
-              <a:rPr lang="en-US" altLang="zh-CN" i="1" dirty="0"/>
+              <a:rPr lang="en-US" altLang="zh-CN" sz="1100" i="1" dirty="0"/>
               <a:t>/g</a:t>
             </a:r>
             <a:r>
-              <a:rPr lang="zh-CN" altLang="en-US" dirty="0"/>
+              <a:rPr lang="zh-CN" altLang="en-US" sz="1100" dirty="0"/>
               <a:t>－ 将所有匹配“模式”的字符串转换成</a:t>
             </a:r>
             <a:r>
-              <a:rPr lang="zh-CN" altLang="en-US" dirty="0" smtClean="0"/>
+              <a:rPr lang="zh-CN" altLang="en-US" sz="1100" dirty="0" smtClean="0"/>
               <a:t>“替换文字”。</a:t>
             </a:r>
             <a:r>
-              <a:rPr lang="en-US" altLang="zh-CN" dirty="0" smtClean="0"/>
+              <a:rPr lang="en-US" altLang="zh-CN" sz="1100" dirty="0" smtClean="0"/>
               <a:t>  </a:t>
             </a:r>
             <a:r>
-              <a:rPr lang="zh-CN" altLang="en-US" dirty="0" smtClean="0"/>
+              <a:rPr lang="zh-CN" altLang="en-US" sz="1100" dirty="0" smtClean="0"/>
               <a:t>删除所有非字母内容。</a:t>
             </a:r>
-            <a:endParaRPr lang="zh-CN" altLang="en-US" dirty="0"/>
+            <a:endParaRPr lang="zh-CN" altLang="en-US" sz="1100" dirty="0"/>
           </a:p>
           <a:p>
             <a:pPr>
@@ -10354,13 +10568,13 @@
               </a:lnSpc>
             </a:pPr>
             <a:r>
-              <a:rPr lang="en-US" altLang="zh-CN" b="1" dirty="0" err="1">
+              <a:rPr lang="en-US" altLang="zh-CN" sz="1100" b="1" dirty="0" err="1">
                 <a:hlinkClick r:id="rId6" tooltip="Tr（页面不存在）"/>
               </a:rPr>
               <a:t>tr</a:t>
             </a:r>
             <a:r>
-              <a:rPr lang="zh-CN" altLang="en-US" dirty="0"/>
+              <a:rPr lang="zh-CN" altLang="en-US" sz="1100" dirty="0"/>
               <a:t> 把大写字母改成小写字母，并把行列里的空格换成新行（每个词现在各占有独立的一行）。</a:t>
             </a:r>
           </a:p>
@@ -10371,13 +10585,13 @@
               </a:lnSpc>
             </a:pPr>
             <a:r>
-              <a:rPr lang="en-US" altLang="zh-CN" b="1" dirty="0" err="1">
+              <a:rPr lang="en-US" altLang="zh-CN" sz="1100" b="1" dirty="0" err="1">
                 <a:hlinkClick r:id="rId7" tooltip="Grep"/>
               </a:rPr>
               <a:t>grep</a:t>
             </a:r>
             <a:r>
-              <a:rPr lang="zh-CN" altLang="en-US" dirty="0"/>
+              <a:rPr lang="zh-CN" altLang="en-US" sz="1100" dirty="0"/>
               <a:t> 过滤得到那些至少有一个小写字母的行（删除空行）。</a:t>
             </a:r>
           </a:p>
@@ -10388,21 +10602,21 @@
               </a:lnSpc>
             </a:pPr>
             <a:r>
-              <a:rPr lang="en-US" altLang="zh-CN" b="1" dirty="0">
+              <a:rPr lang="en-US" altLang="zh-CN" sz="1100" b="1" dirty="0">
                 <a:hlinkClick r:id="rId8" tooltip="Sort (Unix)（页面不存在）"/>
               </a:rPr>
               <a:t>sort</a:t>
             </a:r>
             <a:r>
-              <a:rPr lang="zh-CN" altLang="en-US" dirty="0"/>
+              <a:rPr lang="zh-CN" altLang="en-US" sz="1100" dirty="0"/>
               <a:t> 将“单词”（也就是每一个行）按照字母顺序排序，并且通过命令行的</a:t>
             </a:r>
             <a:r>
-              <a:rPr lang="en-US" altLang="zh-CN" dirty="0"/>
+              <a:rPr lang="en-US" altLang="zh-CN" sz="1100" dirty="0"/>
               <a:t>-u</a:t>
             </a:r>
             <a:r>
-              <a:rPr lang="zh-CN" altLang="en-US" dirty="0"/>
+              <a:rPr lang="zh-CN" altLang="en-US" sz="1100" dirty="0"/>
               <a:t>参数来删除重复的行。</a:t>
             </a:r>
           </a:p>
@@ -10413,61 +10627,61 @@
               </a:lnSpc>
             </a:pPr>
             <a:r>
-              <a:rPr lang="en-US" altLang="zh-CN" b="1" dirty="0" err="1">
+              <a:rPr lang="en-US" altLang="zh-CN" sz="1100" b="1" dirty="0" err="1">
                 <a:hlinkClick r:id="rId9" tooltip="Comm (Unix)（页面不存在）"/>
               </a:rPr>
               <a:t>comm</a:t>
             </a:r>
             <a:r>
-              <a:rPr lang="zh-CN" altLang="en-US" dirty="0"/>
+              <a:rPr lang="zh-CN" altLang="en-US" sz="1100" dirty="0"/>
               <a:t> 查找两个文件中的共同行，</a:t>
             </a:r>
             <a:r>
-              <a:rPr lang="en-US" altLang="zh-CN" dirty="0"/>
+              <a:rPr lang="en-US" altLang="zh-CN" sz="1100" dirty="0"/>
               <a:t>-23</a:t>
             </a:r>
             <a:r>
-              <a:rPr lang="zh-CN" altLang="en-US" dirty="0"/>
+              <a:rPr lang="zh-CN" altLang="en-US" sz="1100" dirty="0"/>
               <a:t>过滤掉只有第二个文件拥有的行、两个文件共有的行，仅仅留下只在第一个文件中有的行。在文件名的位置上的</a:t>
             </a:r>
             <a:r>
-              <a:rPr lang="en-US" altLang="zh-CN" dirty="0"/>
+              <a:rPr lang="en-US" altLang="zh-CN" sz="1100" dirty="0"/>
               <a:t>-</a:t>
             </a:r>
             <a:r>
-              <a:rPr lang="zh-CN" altLang="en-US" dirty="0"/>
+              <a:rPr lang="zh-CN" altLang="en-US" sz="1100" dirty="0"/>
               <a:t>参数表示要求</a:t>
             </a:r>
             <a:r>
-              <a:rPr lang="en-US" altLang="zh-CN" dirty="0" err="1"/>
+              <a:rPr lang="en-US" altLang="zh-CN" sz="1100" dirty="0" err="1"/>
               <a:t>comm</a:t>
             </a:r>
             <a:r>
-              <a:rPr lang="zh-CN" altLang="en-US" dirty="0"/>
+              <a:rPr lang="zh-CN" altLang="en-US" sz="1100" dirty="0"/>
               <a:t>使用标准输入（在这个例子里，他的标准输入来自于管道上游的标准输出）作为输入，而不是以普通文件作为输入。最终得到一串没有出现在</a:t>
             </a:r>
             <a:r>
-              <a:rPr lang="en-US" altLang="zh-CN" dirty="0"/>
+              <a:rPr lang="en-US" altLang="zh-CN" sz="1100" dirty="0"/>
               <a:t>/</a:t>
             </a:r>
             <a:r>
-              <a:rPr lang="en-US" altLang="zh-CN" dirty="0" err="1"/>
+              <a:rPr lang="en-US" altLang="zh-CN" sz="1100" dirty="0" err="1"/>
               <a:t>usr</a:t>
             </a:r>
             <a:r>
-              <a:rPr lang="en-US" altLang="zh-CN" dirty="0"/>
+              <a:rPr lang="en-US" altLang="zh-CN" sz="1100" dirty="0"/>
               <a:t>/share/</a:t>
             </a:r>
             <a:r>
-              <a:rPr lang="en-US" altLang="zh-CN" dirty="0" err="1"/>
+              <a:rPr lang="en-US" altLang="zh-CN" sz="1100" dirty="0" err="1"/>
               <a:t>dict</a:t>
             </a:r>
             <a:r>
-              <a:rPr lang="en-US" altLang="zh-CN" dirty="0"/>
+              <a:rPr lang="en-US" altLang="zh-CN" sz="1100" dirty="0"/>
               <a:t>/words</a:t>
             </a:r>
             <a:r>
-              <a:rPr lang="zh-CN" altLang="en-US" dirty="0"/>
+              <a:rPr lang="zh-CN" altLang="en-US" sz="1100" dirty="0"/>
               <a:t>之中的“单词”（也就是一行）。</a:t>
             </a:r>
           </a:p>
@@ -10478,20 +10692,20 @@
               </a:lnSpc>
             </a:pPr>
             <a:r>
-              <a:rPr lang="en-US" altLang="zh-CN" b="1" dirty="0">
+              <a:rPr lang="en-US" altLang="zh-CN" sz="1100" b="1" dirty="0">
                 <a:hlinkClick r:id="rId10" tooltip="Less (Unix)（页面不存在）"/>
               </a:rPr>
               <a:t>less</a:t>
             </a:r>
             <a:r>
-              <a:rPr lang="zh-CN" altLang="en-US" dirty="0"/>
+              <a:rPr lang="zh-CN" altLang="en-US" sz="1100" dirty="0"/>
               <a:t> 允许用户翻页浏览结果</a:t>
             </a:r>
             <a:r>
-              <a:rPr lang="zh-CN" altLang="en-US" dirty="0" smtClean="0"/>
+              <a:rPr lang="zh-CN" altLang="en-US" sz="1100" dirty="0" smtClean="0"/>
               <a:t>。</a:t>
             </a:r>
-            <a:endParaRPr lang="zh-CN" altLang="en-US" dirty="0"/>
+            <a:endParaRPr lang="zh-CN" altLang="en-US" sz="1100" dirty="0"/>
           </a:p>
         </p:txBody>
       </p:sp>
@@ -10645,7 +10859,19 @@
             </a:r>
             <a:r>
               <a:rPr lang="zh-CN" altLang="en-US" dirty="0"/>
-              <a:t>起来都比较简单，因此</a:t>
+              <a:t>起来都比较</a:t>
+            </a:r>
+            <a:r>
+              <a:rPr lang="zh-CN" altLang="en-US" dirty="0">
+                <a:solidFill>
+                  <a:srgbClr val="FFFF00"/>
+                </a:solidFill>
+              </a:rPr>
+              <a:t>简单</a:t>
+            </a:r>
+            <a:r>
+              <a:rPr lang="zh-CN" altLang="en-US" dirty="0"/>
+              <a:t>，因此</a:t>
             </a:r>
             <a:r>
               <a:rPr lang="zh-CN" altLang="en-US" dirty="0" smtClean="0"/>
@@ -10653,7 +10879,19 @@
             </a:r>
             <a:r>
               <a:rPr lang="zh-CN" altLang="en-US" dirty="0"/>
-              <a:t>制造成本降低了</a:t>
+              <a:t>制造</a:t>
+            </a:r>
+            <a:r>
+              <a:rPr lang="zh-CN" altLang="en-US" dirty="0">
+                <a:solidFill>
+                  <a:srgbClr val="FFFF00"/>
+                </a:solidFill>
+              </a:rPr>
+              <a:t>成本</a:t>
+            </a:r>
+            <a:r>
+              <a:rPr lang="zh-CN" altLang="en-US" dirty="0"/>
+              <a:t>降低了</a:t>
             </a:r>
           </a:p>
           <a:p>
@@ -10668,7 +10906,15 @@
             </a:r>
             <a:r>
               <a:rPr lang="zh-CN" altLang="en-US" dirty="0"/>
-              <a:t>可能被重复使用</a:t>
+              <a:t>可</a:t>
+            </a:r>
+            <a:r>
+              <a:rPr lang="zh-CN" altLang="en-US" dirty="0">
+                <a:solidFill>
+                  <a:srgbClr val="FFFF00"/>
+                </a:solidFill>
+              </a:rPr>
+              <a:t>能被重复使用</a:t>
             </a:r>
           </a:p>
           <a:p>
@@ -10687,7 +10933,15 @@
             </a:r>
             <a:r>
               <a:rPr lang="zh-CN" altLang="en-US" dirty="0"/>
-              <a:t>只需要重新组合</a:t>
+              <a:t>只需</a:t>
+            </a:r>
+            <a:r>
+              <a:rPr lang="zh-CN" altLang="en-US" dirty="0">
+                <a:solidFill>
+                  <a:srgbClr val="FFFF00"/>
+                </a:solidFill>
+              </a:rPr>
+              <a:t>要重新组合</a:t>
             </a:r>
             <a:r>
               <a:rPr lang="zh-CN" altLang="en-US" dirty="0" smtClean="0"/>
@@ -10814,8 +11068,16 @@
               <a:t>是</a:t>
             </a:r>
             <a:r>
-              <a:rPr lang="zh-CN" altLang="en-US" dirty="0"/>
-              <a:t>并行执行的</a:t>
+              <a:rPr lang="zh-CN" altLang="en-US" dirty="0">
+                <a:solidFill>
+                  <a:srgbClr val="FFFF00"/>
+                </a:solidFill>
+              </a:rPr>
+              <a:t>并行</a:t>
+            </a:r>
+            <a:r>
+              <a:rPr lang="zh-CN" altLang="en-US" dirty="0"/>
+              <a:t>执行的</a:t>
             </a:r>
           </a:p>
           <a:p>
@@ -10853,7 +11115,19 @@
             </a:r>
             <a:r>
               <a:rPr lang="zh-CN" altLang="en-US" dirty="0"/>
-              <a:t>间的协议是松散耦合的</a:t>
+              <a:t>间的协议是</a:t>
+            </a:r>
+            <a:r>
+              <a:rPr lang="zh-CN" altLang="en-US" dirty="0">
+                <a:solidFill>
+                  <a:srgbClr val="FFFF00"/>
+                </a:solidFill>
+              </a:rPr>
+              <a:t>松散耦合</a:t>
+            </a:r>
+            <a:r>
+              <a:rPr lang="zh-CN" altLang="en-US" dirty="0"/>
+              <a:t>的</a:t>
             </a:r>
           </a:p>
           <a:p>
@@ -11459,6 +11733,34 @@
           </a:extLst>
         </p:spPr>
       </p:pic>
+      <p:sp>
+        <p:nvSpPr>
+          <p:cNvPr id="3" name="矩形 2"/>
+          <p:cNvSpPr/>
+          <p:nvPr/>
+        </p:nvSpPr>
+        <p:spPr>
+          <a:xfrm>
+            <a:off x="6300192" y="1700808"/>
+            <a:ext cx="2492990" cy="369332"/>
+          </a:xfrm>
+          <a:prstGeom prst="rect">
+            <a:avLst/>
+          </a:prstGeom>
+        </p:spPr>
+        <p:txBody>
+          <a:bodyPr wrap="none">
+            <a:spAutoFit/>
+          </a:bodyPr>
+          <a:lstStyle/>
+          <a:p>
+            <a:r>
+              <a:rPr lang="zh-CN" altLang="en-US" dirty="0"/>
+              <a:t>打包并压缩的代码实现</a:t>
+            </a:r>
+          </a:p>
+        </p:txBody>
+      </p:sp>
     </p:spTree>
     <p:extLst>
       <p:ext uri="{BB962C8B-B14F-4D97-AF65-F5344CB8AC3E}">
@@ -11531,13 +11833,13 @@
         </p:nvSpPr>
         <p:spPr>
           <a:xfrm>
-            <a:off x="457200" y="3428999"/>
+            <a:off x="457200" y="2805708"/>
             <a:ext cx="8147248" cy="2743517"/>
           </a:xfrm>
         </p:spPr>
         <p:txBody>
           <a:bodyPr>
-            <a:normAutofit fontScale="32500" lnSpcReduction="20000"/>
+            <a:noAutofit/>
           </a:bodyPr>
           <a:lstStyle/>
           <a:p>
@@ -11547,46 +11849,46 @@
               </a:lnSpc>
             </a:pPr>
             <a:r>
-              <a:rPr lang="zh-CN" altLang="en-US" dirty="0"/>
+              <a:rPr lang="zh-CN" altLang="en-US" sz="1400" dirty="0"/>
               <a:t>要理解</a:t>
             </a:r>
             <a:r>
-              <a:rPr lang="en-US" altLang="zh-CN" dirty="0"/>
+              <a:rPr lang="en-US" altLang="zh-CN" sz="1400" dirty="0"/>
               <a:t>bind</a:t>
             </a:r>
             <a:r>
-              <a:rPr lang="zh-CN" altLang="en-US" dirty="0"/>
+              <a:rPr lang="zh-CN" altLang="en-US" sz="1400" dirty="0"/>
               <a:t>函数，需要先理解“闭包”。</a:t>
             </a:r>
             <a:r>
-              <a:rPr lang="en-US" altLang="zh-CN" dirty="0"/>
+              <a:rPr lang="en-US" altLang="zh-CN" sz="1400" dirty="0"/>
               <a:t>Go</a:t>
             </a:r>
             <a:r>
-              <a:rPr lang="zh-CN" altLang="en-US" dirty="0"/>
+              <a:rPr lang="zh-CN" altLang="en-US" sz="1400" dirty="0"/>
               <a:t>语言中，应用程序以一个闭包的形式体现。如果你熟悉函数式编程，不难发现，这个</a:t>
             </a:r>
             <a:r>
-              <a:rPr lang="en-US" altLang="zh-CN" dirty="0"/>
+              <a:rPr lang="en-US" altLang="zh-CN" sz="1400" dirty="0"/>
               <a:t>bind</a:t>
             </a:r>
             <a:r>
-              <a:rPr lang="zh-CN" altLang="en-US" dirty="0"/>
+              <a:rPr lang="zh-CN" altLang="en-US" sz="1400" dirty="0"/>
               <a:t>函数其实就是所谓的柯里化（</a:t>
             </a:r>
             <a:r>
-              <a:rPr lang="en-US" altLang="zh-CN" dirty="0"/>
+              <a:rPr lang="en-US" altLang="zh-CN" sz="1400" dirty="0"/>
               <a:t>currying</a:t>
             </a:r>
             <a:r>
-              <a:rPr lang="zh-CN" altLang="en-US" dirty="0"/>
+              <a:rPr lang="zh-CN" altLang="en-US" sz="1400" dirty="0"/>
               <a:t>）</a:t>
             </a:r>
             <a:r>
-              <a:rPr lang="zh-CN" altLang="en-US" dirty="0" smtClean="0"/>
+              <a:rPr lang="zh-CN" altLang="en-US" sz="1400" dirty="0" smtClean="0"/>
               <a:t>。</a:t>
             </a:r>
-            <a:endParaRPr lang="en-US" altLang="zh-CN" dirty="0" smtClean="0"/>
+            <a:endParaRPr lang="en-US" altLang="zh-CN" sz="1400" dirty="0" smtClean="0"/>
           </a:p>
           <a:p>
             <a:pPr>
@@ -11595,22 +11897,34 @@
               </a:lnSpc>
             </a:pPr>
             <a:r>
-              <a:rPr lang="zh-CN" altLang="en-US" dirty="0"/>
+              <a:rPr lang="zh-CN" altLang="en-US" sz="1400" dirty="0">
+                <a:solidFill>
+                  <a:srgbClr val="FFFF00"/>
+                </a:solidFill>
+              </a:rPr>
               <a:t>子函数可以使用父函数中的局部变量</a:t>
             </a:r>
             <a:r>
-              <a:rPr lang="zh-CN" altLang="en-US" dirty="0" smtClean="0"/>
-              <a:t>，即使父函数的执行已经终止，这种</a:t>
-            </a:r>
-            <a:r>
-              <a:rPr lang="zh-CN" altLang="en-US" dirty="0"/>
+              <a:rPr lang="zh-CN" altLang="en-US" sz="1400" dirty="0" smtClean="0">
+                <a:solidFill>
+                  <a:srgbClr val="FFFF00"/>
+                </a:solidFill>
+              </a:rPr>
+              <a:t>，即使父函数的执行已经终止</a:t>
+            </a:r>
+            <a:r>
+              <a:rPr lang="zh-CN" altLang="en-US" sz="1400" dirty="0" smtClean="0"/>
+              <a:t>，这种</a:t>
+            </a:r>
+            <a:r>
+              <a:rPr lang="zh-CN" altLang="en-US" sz="1400" dirty="0"/>
               <a:t>行为就叫做闭包</a:t>
             </a:r>
             <a:r>
-              <a:rPr lang="zh-CN" altLang="en-US" dirty="0" smtClean="0"/>
+              <a:rPr lang="zh-CN" altLang="en-US" sz="1400" dirty="0" smtClean="0"/>
               <a:t>！</a:t>
             </a:r>
-            <a:endParaRPr lang="en-US" altLang="zh-CN" dirty="0" smtClean="0"/>
+            <a:endParaRPr lang="en-US" altLang="zh-CN" sz="1400" dirty="0" smtClean="0"/>
           </a:p>
           <a:p>
             <a:pPr>
@@ -11619,10 +11933,10 @@
               </a:lnSpc>
             </a:pPr>
             <a:r>
-              <a:rPr lang="zh-CN" altLang="en-US" dirty="0" smtClean="0"/>
+              <a:rPr lang="zh-CN" altLang="en-US" sz="1400" dirty="0" smtClean="0"/>
               <a:t>支持闭包的语言一般有下面特征：</a:t>
             </a:r>
-            <a:endParaRPr lang="en-US" altLang="zh-CN" dirty="0" smtClean="0"/>
+            <a:endParaRPr lang="en-US" altLang="zh-CN" sz="1400" dirty="0" smtClean="0"/>
           </a:p>
           <a:p>
             <a:pPr lvl="1">
@@ -11631,14 +11945,14 @@
               </a:lnSpc>
             </a:pPr>
             <a:r>
-              <a:rPr lang="zh-CN" altLang="en-US" dirty="0"/>
+              <a:rPr lang="zh-CN" altLang="en-US" sz="1050" dirty="0"/>
               <a:t>函数可以作为另一个函数的返回值或参数，还可以作为一个变量的值</a:t>
             </a:r>
             <a:r>
-              <a:rPr lang="zh-CN" altLang="en-US" dirty="0" smtClean="0"/>
+              <a:rPr lang="zh-CN" altLang="en-US" sz="1050" dirty="0" smtClean="0"/>
               <a:t>。</a:t>
             </a:r>
-            <a:endParaRPr lang="en-US" altLang="zh-CN" dirty="0" smtClean="0"/>
+            <a:endParaRPr lang="en-US" altLang="zh-CN" sz="1050" dirty="0" smtClean="0"/>
           </a:p>
           <a:p>
             <a:pPr lvl="1">
@@ -11647,7 +11961,7 @@
               </a:lnSpc>
             </a:pPr>
             <a:r>
-              <a:rPr lang="zh-CN" altLang="en-US" dirty="0"/>
+              <a:rPr lang="zh-CN" altLang="en-US" sz="1050" dirty="0"/>
               <a:t>函数可以嵌套定义，即在一个函数内部可以定义另一个函数。</a:t>
             </a:r>
           </a:p>
@@ -11658,127 +11972,127 @@
               </a:lnSpc>
             </a:pPr>
             <a:r>
-              <a:rPr lang="zh-CN" altLang="en-US" dirty="0"/>
+              <a:rPr lang="zh-CN" altLang="en-US" sz="1400" dirty="0"/>
               <a:t>什么是</a:t>
             </a:r>
             <a:r>
-              <a:rPr lang="en-US" altLang="zh-CN" dirty="0"/>
+              <a:rPr lang="en-US" altLang="zh-CN" sz="1400" dirty="0"/>
               <a:t>Currying? </a:t>
             </a:r>
             <a:r>
-              <a:rPr lang="zh-CN" altLang="en-US" dirty="0"/>
+              <a:rPr lang="zh-CN" altLang="en-US" sz="1400" dirty="0"/>
               <a:t>它是一个有趣的概念。还是从数学开始：我们说，考虑一个三维空间方程 </a:t>
             </a:r>
             <a:r>
-              <a:rPr lang="en-US" altLang="zh-CN" dirty="0"/>
+              <a:rPr lang="en-US" altLang="zh-CN" sz="1400" dirty="0"/>
               <a:t>F(x, y, z)= 0</a:t>
             </a:r>
             <a:r>
-              <a:rPr lang="zh-CN" altLang="en-US" dirty="0"/>
+              <a:rPr lang="zh-CN" altLang="en-US" sz="1400" dirty="0"/>
               <a:t>，如果我们限定</a:t>
             </a:r>
             <a:r>
-              <a:rPr lang="en-US" altLang="zh-CN" dirty="0"/>
+              <a:rPr lang="en-US" altLang="zh-CN" sz="1400" dirty="0"/>
               <a:t>z = 0</a:t>
             </a:r>
             <a:r>
-              <a:rPr lang="zh-CN" altLang="en-US" dirty="0"/>
+              <a:rPr lang="zh-CN" altLang="en-US" sz="1400" dirty="0"/>
               <a:t>，于是得到 </a:t>
             </a:r>
             <a:r>
-              <a:rPr lang="en-US" altLang="zh-CN" dirty="0"/>
+              <a:rPr lang="en-US" altLang="zh-CN" sz="1400" dirty="0"/>
               <a:t>F(x, y, 0) = 0 </a:t>
             </a:r>
             <a:r>
-              <a:rPr lang="zh-CN" altLang="en-US" dirty="0"/>
+              <a:rPr lang="zh-CN" altLang="en-US" sz="1400" dirty="0"/>
               <a:t>记为 </a:t>
             </a:r>
             <a:r>
-              <a:rPr lang="en-US" altLang="zh-CN" dirty="0"/>
+              <a:rPr lang="en-US" altLang="zh-CN" sz="1400" dirty="0"/>
               <a:t>F’(x, y)</a:t>
             </a:r>
             <a:r>
-              <a:rPr lang="zh-CN" altLang="en-US" dirty="0"/>
+              <a:rPr lang="zh-CN" altLang="en-US" sz="1400" dirty="0"/>
               <a:t>。这里</a:t>
             </a:r>
             <a:r>
-              <a:rPr lang="en-US" altLang="zh-CN" dirty="0"/>
+              <a:rPr lang="en-US" altLang="zh-CN" sz="1400" dirty="0"/>
               <a:t>F’</a:t>
             </a:r>
             <a:r>
-              <a:rPr lang="zh-CN" altLang="en-US" dirty="0"/>
+              <a:rPr lang="zh-CN" altLang="en-US" sz="1400" dirty="0"/>
               <a:t>显然是一个新的方程式，它代表三维空间曲线</a:t>
             </a:r>
             <a:r>
-              <a:rPr lang="en-US" altLang="zh-CN" dirty="0"/>
+              <a:rPr lang="en-US" altLang="zh-CN" sz="1400" dirty="0"/>
               <a:t>F(x, y, z)</a:t>
             </a:r>
             <a:r>
-              <a:rPr lang="zh-CN" altLang="en-US" dirty="0"/>
+              <a:rPr lang="zh-CN" altLang="en-US" sz="1400" dirty="0"/>
               <a:t>在</a:t>
             </a:r>
             <a:r>
-              <a:rPr lang="en-US" altLang="zh-CN" dirty="0"/>
+              <a:rPr lang="en-US" altLang="zh-CN" sz="1400" dirty="0"/>
               <a:t>z = 0 </a:t>
             </a:r>
             <a:r>
-              <a:rPr lang="zh-CN" altLang="en-US" dirty="0"/>
+              <a:rPr lang="zh-CN" altLang="en-US" sz="1400" dirty="0"/>
               <a:t>平面上的两维投影。记</a:t>
             </a:r>
             <a:r>
-              <a:rPr lang="en-US" altLang="zh-CN" dirty="0"/>
+              <a:rPr lang="en-US" altLang="zh-CN" sz="1400" dirty="0"/>
               <a:t>y = f(x, z)</a:t>
             </a:r>
             <a:r>
-              <a:rPr lang="zh-CN" altLang="en-US" dirty="0"/>
+              <a:rPr lang="zh-CN" altLang="en-US" sz="1400" dirty="0"/>
               <a:t>， 令</a:t>
             </a:r>
             <a:r>
-              <a:rPr lang="en-US" altLang="zh-CN" dirty="0"/>
+              <a:rPr lang="en-US" altLang="zh-CN" sz="1400" dirty="0"/>
               <a:t>z = 0</a:t>
             </a:r>
             <a:r>
-              <a:rPr lang="zh-CN" altLang="en-US" dirty="0"/>
+              <a:rPr lang="zh-CN" altLang="en-US" sz="1400" dirty="0"/>
               <a:t>， 得到 </a:t>
             </a:r>
             <a:r>
-              <a:rPr lang="en-US" altLang="zh-CN" dirty="0"/>
+              <a:rPr lang="en-US" altLang="zh-CN" sz="1400" dirty="0"/>
               <a:t>y = f(x, 0)</a:t>
             </a:r>
             <a:r>
-              <a:rPr lang="zh-CN" altLang="en-US" dirty="0"/>
+              <a:rPr lang="zh-CN" altLang="en-US" sz="1400" dirty="0"/>
               <a:t>，记为 </a:t>
             </a:r>
             <a:r>
-              <a:rPr lang="en-US" altLang="zh-CN" dirty="0"/>
+              <a:rPr lang="en-US" altLang="zh-CN" sz="1400" dirty="0"/>
               <a:t>y= f’(x)</a:t>
             </a:r>
             <a:r>
-              <a:rPr lang="zh-CN" altLang="en-US" dirty="0"/>
+              <a:rPr lang="zh-CN" altLang="en-US" sz="1400" dirty="0"/>
               <a:t>，我们说函数</a:t>
             </a:r>
             <a:r>
-              <a:rPr lang="en-US" altLang="zh-CN" dirty="0"/>
+              <a:rPr lang="en-US" altLang="zh-CN" sz="1400" dirty="0"/>
               <a:t>f’</a:t>
             </a:r>
             <a:r>
-              <a:rPr lang="zh-CN" altLang="en-US" dirty="0"/>
+              <a:rPr lang="zh-CN" altLang="en-US" sz="1400" dirty="0"/>
               <a:t>是</a:t>
             </a:r>
             <a:r>
-              <a:rPr lang="en-US" altLang="zh-CN" dirty="0"/>
+              <a:rPr lang="en-US" altLang="zh-CN" sz="1400" dirty="0"/>
               <a:t>f</a:t>
             </a:r>
             <a:r>
-              <a:rPr lang="zh-CN" altLang="en-US" dirty="0"/>
+              <a:rPr lang="zh-CN" altLang="en-US" sz="1400" dirty="0"/>
               <a:t>的一个</a:t>
             </a:r>
             <a:r>
-              <a:rPr lang="en-US" altLang="zh-CN" dirty="0"/>
+              <a:rPr lang="en-US" altLang="zh-CN" sz="1400" dirty="0"/>
               <a:t>Currying</a:t>
             </a:r>
             <a:r>
-              <a:rPr lang="zh-CN" altLang="en-US" dirty="0"/>
+              <a:rPr lang="zh-CN" altLang="en-US" sz="1400" dirty="0"/>
               <a:t>解。</a:t>
             </a:r>
           </a:p>
@@ -11807,7 +12121,7 @@
         </p:blipFill>
         <p:spPr bwMode="auto">
           <a:xfrm>
-            <a:off x="4427984" y="1771650"/>
+            <a:off x="4427984" y="1700808"/>
             <a:ext cx="3876675" cy="1104900"/>
           </a:xfrm>
           <a:prstGeom prst="rect">
@@ -11920,13 +12234,13 @@
         </p:nvSpPr>
         <p:spPr>
           <a:xfrm>
-            <a:off x="457200" y="3861048"/>
-            <a:ext cx="7931224" cy="2311468"/>
+            <a:off x="318356" y="3804233"/>
+            <a:ext cx="8507288" cy="2311468"/>
           </a:xfrm>
         </p:spPr>
         <p:txBody>
           <a:bodyPr>
-            <a:normAutofit fontScale="40000" lnSpcReduction="20000"/>
+            <a:noAutofit/>
           </a:bodyPr>
           <a:lstStyle/>
           <a:p>
@@ -11936,46 +12250,46 @@
               </a:lnSpc>
             </a:pPr>
             <a:r>
-              <a:rPr lang="zh-CN" altLang="en-US" dirty="0"/>
+              <a:rPr lang="zh-CN" altLang="en-US" sz="1600" dirty="0"/>
               <a:t>要理解</a:t>
             </a:r>
             <a:r>
-              <a:rPr lang="en-US" altLang="zh-CN" dirty="0"/>
+              <a:rPr lang="en-US" altLang="zh-CN" sz="1600" dirty="0"/>
               <a:t>pipe</a:t>
             </a:r>
             <a:r>
-              <a:rPr lang="zh-CN" altLang="en-US" dirty="0"/>
+              <a:rPr lang="zh-CN" altLang="en-US" sz="1600" dirty="0"/>
               <a:t>函数，除了“闭包”外，需要知晓</a:t>
             </a:r>
             <a:r>
-              <a:rPr lang="en-US" altLang="zh-CN" dirty="0"/>
+              <a:rPr lang="en-US" altLang="zh-CN" sz="1600" dirty="0"/>
               <a:t>defer</a:t>
             </a:r>
             <a:r>
-              <a:rPr lang="zh-CN" altLang="en-US" dirty="0"/>
+              <a:rPr lang="zh-CN" altLang="en-US" sz="1600" dirty="0"/>
               <a:t>关键字和</a:t>
             </a:r>
             <a:r>
-              <a:rPr lang="en-US" altLang="zh-CN" dirty="0" err="1"/>
+              <a:rPr lang="en-US" altLang="zh-CN" sz="1600" dirty="0" err="1"/>
               <a:t>goroutine</a:t>
             </a:r>
             <a:r>
-              <a:rPr lang="zh-CN" altLang="en-US" dirty="0"/>
+              <a:rPr lang="zh-CN" altLang="en-US" sz="1600" dirty="0"/>
               <a:t>（</a:t>
             </a:r>
             <a:r>
-              <a:rPr lang="en-US" altLang="zh-CN" dirty="0"/>
+              <a:rPr lang="en-US" altLang="zh-CN" sz="1600" dirty="0"/>
               <a:t>go</a:t>
             </a:r>
             <a:r>
-              <a:rPr lang="zh-CN" altLang="en-US" dirty="0"/>
+              <a:rPr lang="zh-CN" altLang="en-US" sz="1600" dirty="0"/>
               <a:t>关键字）</a:t>
             </a:r>
             <a:r>
-              <a:rPr lang="zh-CN" altLang="en-US" dirty="0" smtClean="0"/>
+              <a:rPr lang="zh-CN" altLang="en-US" sz="1600" dirty="0" smtClean="0"/>
               <a:t>。</a:t>
             </a:r>
-            <a:endParaRPr lang="en-US" altLang="zh-CN" dirty="0" smtClean="0"/>
+            <a:endParaRPr lang="en-US" altLang="zh-CN" sz="1600" dirty="0" smtClean="0"/>
           </a:p>
           <a:p>
             <a:pPr lvl="1">
@@ -11984,70 +12298,54 @@
               </a:lnSpc>
             </a:pPr>
             <a:r>
-              <a:rPr lang="en-US" altLang="zh-CN" dirty="0" smtClean="0"/>
+              <a:rPr lang="en-US" altLang="zh-CN" sz="1200" dirty="0" smtClean="0"/>
               <a:t>defer</a:t>
             </a:r>
             <a:r>
-              <a:rPr lang="zh-CN" altLang="en-US" dirty="0"/>
+              <a:rPr lang="zh-CN" altLang="en-US" sz="1200" dirty="0"/>
               <a:t>语句会在函数退出时执行（无论是否发生了异常），通常用于资源的清理操作（比如关闭文件句柄等）。有了</a:t>
             </a:r>
             <a:r>
-              <a:rPr lang="en-US" altLang="zh-CN" dirty="0"/>
+              <a:rPr lang="en-US" altLang="zh-CN" sz="1200" dirty="0"/>
               <a:t>defer</a:t>
             </a:r>
             <a:r>
-              <a:rPr lang="zh-CN" altLang="en-US" dirty="0"/>
-              <a:t>语句，</a:t>
-            </a:r>
-            <a:r>
-              <a:rPr lang="en-US" altLang="zh-CN" dirty="0"/>
-              <a:t>Go</a:t>
-            </a:r>
-            <a:r>
-              <a:rPr lang="zh-CN" altLang="en-US" dirty="0"/>
-              <a:t>语言中的错误处理代码显得非常优雅</a:t>
-            </a:r>
-            <a:r>
-              <a:rPr lang="zh-CN" altLang="en-US" dirty="0" smtClean="0"/>
+              <a:rPr lang="zh-CN" altLang="en-US" sz="1200" dirty="0"/>
+              <a:t>语句</a:t>
+            </a:r>
+            <a:r>
+              <a:rPr lang="zh-CN" altLang="en-US" sz="1200" dirty="0" smtClean="0"/>
+              <a:t>，在</a:t>
+            </a:r>
+            <a:r>
+              <a:rPr lang="zh-CN" altLang="en-US" sz="1200" dirty="0" smtClean="0"/>
+              <a:t>一个</a:t>
+            </a:r>
+            <a:r>
+              <a:rPr lang="zh-CN" altLang="en-US" sz="1200" dirty="0"/>
+              <a:t>正常的函数调用前加上</a:t>
+            </a:r>
+            <a:r>
+              <a:rPr lang="en-US" altLang="zh-CN" sz="1200" dirty="0"/>
+              <a:t>go</a:t>
+            </a:r>
+            <a:r>
+              <a:rPr lang="zh-CN" altLang="en-US" sz="1200" dirty="0"/>
+              <a:t>关键字，就会使得该函数在新的</a:t>
+            </a:r>
+            <a:r>
+              <a:rPr lang="en-US" altLang="zh-CN" sz="1200" dirty="0" err="1"/>
+              <a:t>goroutine</a:t>
+            </a:r>
+            <a:r>
+              <a:rPr lang="zh-CN" altLang="en-US" sz="1200" dirty="0"/>
+              <a:t>中并行执行</a:t>
+            </a:r>
+            <a:r>
+              <a:rPr lang="zh-CN" altLang="en-US" sz="1200" dirty="0" smtClean="0"/>
               <a:t>。</a:t>
             </a:r>
-            <a:endParaRPr lang="en-US" altLang="zh-CN" dirty="0" smtClean="0"/>
-          </a:p>
-          <a:p>
-            <a:pPr lvl="1">
-              <a:lnSpc>
-                <a:spcPct val="170000"/>
-              </a:lnSpc>
-            </a:pPr>
-            <a:r>
-              <a:rPr lang="zh-CN" altLang="en-US" dirty="0" smtClean="0"/>
-              <a:t>在一个</a:t>
-            </a:r>
-            <a:r>
-              <a:rPr lang="zh-CN" altLang="en-US" dirty="0"/>
-              <a:t>正常的函数调用前加上</a:t>
-            </a:r>
-            <a:r>
-              <a:rPr lang="en-US" altLang="zh-CN" dirty="0"/>
-              <a:t>go</a:t>
-            </a:r>
-            <a:r>
-              <a:rPr lang="zh-CN" altLang="en-US" dirty="0"/>
-              <a:t>关键字，就会使得该函数在新的</a:t>
-            </a:r>
-            <a:r>
-              <a:rPr lang="en-US" altLang="zh-CN" dirty="0" err="1"/>
-              <a:t>goroutine</a:t>
-            </a:r>
-            <a:r>
-              <a:rPr lang="zh-CN" altLang="en-US" dirty="0"/>
-              <a:t>中并行执行</a:t>
-            </a:r>
-            <a:r>
-              <a:rPr lang="zh-CN" altLang="en-US" dirty="0" smtClean="0"/>
-              <a:t>。</a:t>
-            </a:r>
-            <a:endParaRPr lang="en-US" altLang="zh-CN" dirty="0" smtClean="0"/>
+            <a:endParaRPr lang="en-US" altLang="zh-CN" sz="1200" dirty="0" smtClean="0"/>
           </a:p>
           <a:p>
             <a:pPr>
@@ -12056,91 +12354,91 @@
               </a:lnSpc>
             </a:pPr>
             <a:r>
-              <a:rPr lang="zh-CN" altLang="en-US" dirty="0" smtClean="0"/>
+              <a:rPr lang="zh-CN" altLang="en-US" sz="1600" dirty="0" smtClean="0"/>
               <a:t>理解了这些</a:t>
             </a:r>
             <a:r>
-              <a:rPr lang="zh-CN" altLang="en-US" dirty="0"/>
+              <a:rPr lang="zh-CN" altLang="en-US" sz="1600" dirty="0"/>
               <a:t>背景，这个</a:t>
             </a:r>
             <a:r>
-              <a:rPr lang="en-US" altLang="zh-CN" dirty="0"/>
+              <a:rPr lang="en-US" altLang="zh-CN" sz="1600" dirty="0"/>
               <a:t>pipe</a:t>
             </a:r>
             <a:r>
-              <a:rPr lang="zh-CN" altLang="en-US" dirty="0"/>
+              <a:rPr lang="zh-CN" altLang="en-US" sz="1600" dirty="0"/>
               <a:t>函数不难理解，无非是：先创建一个管道，让</a:t>
             </a:r>
             <a:r>
-              <a:rPr lang="en-US" altLang="zh-CN" dirty="0"/>
+              <a:rPr lang="en-US" altLang="zh-CN" sz="1600" dirty="0"/>
               <a:t>app1</a:t>
             </a:r>
             <a:r>
-              <a:rPr lang="zh-CN" altLang="en-US" dirty="0"/>
+              <a:rPr lang="zh-CN" altLang="en-US" sz="1600" dirty="0"/>
               <a:t>读入数据（</a:t>
             </a:r>
             <a:r>
-              <a:rPr lang="en-US" altLang="zh-CN" dirty="0"/>
+              <a:rPr lang="en-US" altLang="zh-CN" sz="1600" dirty="0"/>
               <a:t>in</a:t>
             </a:r>
             <a:r>
-              <a:rPr lang="zh-CN" altLang="en-US" dirty="0"/>
+              <a:rPr lang="zh-CN" altLang="en-US" sz="1600" dirty="0"/>
               <a:t>），并向管道的写入端（</a:t>
             </a:r>
             <a:r>
-              <a:rPr lang="en-US" altLang="zh-CN" dirty="0"/>
+              <a:rPr lang="en-US" altLang="zh-CN" sz="1600" dirty="0"/>
               <a:t>pw</a:t>
             </a:r>
             <a:r>
-              <a:rPr lang="zh-CN" altLang="en-US" dirty="0"/>
+              <a:rPr lang="zh-CN" altLang="en-US" sz="1600" dirty="0"/>
               <a:t>）输出，启动一个新</a:t>
             </a:r>
             <a:r>
-              <a:rPr lang="en-US" altLang="zh-CN" dirty="0" err="1"/>
+              <a:rPr lang="en-US" altLang="zh-CN" sz="1600" dirty="0" err="1"/>
               <a:t>goroutine</a:t>
             </a:r>
             <a:r>
-              <a:rPr lang="zh-CN" altLang="en-US" dirty="0"/>
+              <a:rPr lang="zh-CN" altLang="en-US" sz="1600" dirty="0"/>
               <a:t>，让</a:t>
             </a:r>
             <a:r>
-              <a:rPr lang="en-US" altLang="zh-CN" dirty="0"/>
+              <a:rPr lang="en-US" altLang="zh-CN" sz="1600" dirty="0"/>
               <a:t>app2</a:t>
             </a:r>
             <a:r>
-              <a:rPr lang="zh-CN" altLang="en-US" dirty="0"/>
+              <a:rPr lang="zh-CN" altLang="en-US" sz="1600" dirty="0"/>
               <a:t>从管道的读入端读取数据，并将处理结果输出（</a:t>
             </a:r>
             <a:r>
-              <a:rPr lang="en-US" altLang="zh-CN" dirty="0"/>
+              <a:rPr lang="en-US" altLang="zh-CN" sz="1600" dirty="0"/>
               <a:t>out</a:t>
             </a:r>
             <a:r>
-              <a:rPr lang="zh-CN" altLang="en-US" dirty="0"/>
+              <a:rPr lang="zh-CN" altLang="en-US" sz="1600" dirty="0"/>
               <a:t>）。这样得到的</a:t>
             </a:r>
             <a:r>
-              <a:rPr lang="en-US" altLang="zh-CN" dirty="0"/>
+              <a:rPr lang="en-US" altLang="zh-CN" sz="1600" dirty="0"/>
               <a:t>app</a:t>
             </a:r>
             <a:r>
-              <a:rPr lang="zh-CN" altLang="en-US" dirty="0"/>
+              <a:rPr lang="zh-CN" altLang="en-US" sz="1600" dirty="0"/>
               <a:t>就是</a:t>
             </a:r>
             <a:r>
-              <a:rPr lang="en-US" altLang="zh-CN" dirty="0"/>
+              <a:rPr lang="en-US" altLang="zh-CN" sz="1600" dirty="0"/>
               <a:t>app1</a:t>
             </a:r>
             <a:r>
-              <a:rPr lang="zh-CN" altLang="en-US" dirty="0"/>
+              <a:rPr lang="zh-CN" altLang="en-US" sz="1600" dirty="0"/>
               <a:t>和</a:t>
             </a:r>
             <a:r>
-              <a:rPr lang="en-US" altLang="zh-CN" dirty="0"/>
+              <a:rPr lang="en-US" altLang="zh-CN" sz="1600" dirty="0"/>
               <a:t>app2</a:t>
             </a:r>
             <a:r>
-              <a:rPr lang="zh-CN" altLang="en-US" dirty="0"/>
+              <a:rPr lang="zh-CN" altLang="en-US" sz="1600" dirty="0"/>
               <a:t>的组合了。</a:t>
             </a:r>
           </a:p>
@@ -12454,6 +12752,34 @@
           </a:extLst>
         </p:spPr>
       </p:pic>
+      <p:sp>
+        <p:nvSpPr>
+          <p:cNvPr id="4" name="矩形 3"/>
+          <p:cNvSpPr/>
+          <p:nvPr/>
+        </p:nvSpPr>
+        <p:spPr>
+          <a:xfrm>
+            <a:off x="6585685" y="4643843"/>
+            <a:ext cx="2262158" cy="369332"/>
+          </a:xfrm>
+          <a:prstGeom prst="rect">
+            <a:avLst/>
+          </a:prstGeom>
+        </p:spPr>
+        <p:txBody>
+          <a:bodyPr wrap="none">
+            <a:spAutoFit/>
+          </a:bodyPr>
+          <a:lstStyle/>
+          <a:p>
+            <a:r>
+              <a:rPr lang="zh-CN" altLang="en-US"/>
+              <a:t>竖的每个是一个协程</a:t>
+            </a:r>
+          </a:p>
+        </p:txBody>
+      </p:sp>
     </p:spTree>
     <p:extLst>
       <p:ext uri="{BB962C8B-B14F-4D97-AF65-F5344CB8AC3E}">
@@ -12749,8 +13075,29 @@
           <a:p>
             <a:r>
               <a:rPr lang="en-US" altLang="zh-CN" dirty="0" smtClean="0"/>
-              <a:t>Pipeline</a:t>
-            </a:r>
+              <a:t>Pipeline   </a:t>
+            </a:r>
+            <a:r>
+              <a:rPr lang="zh-CN" altLang="en-US" dirty="0" smtClean="0">
+                <a:solidFill>
+                  <a:srgbClr val="FFFF00"/>
+                </a:solidFill>
+              </a:rPr>
+              <a:t>并行</a:t>
+            </a:r>
+            <a:r>
+              <a:rPr lang="zh-CN" altLang="en-US" dirty="0">
+                <a:solidFill>
+                  <a:srgbClr val="FFFF00"/>
+                </a:solidFill>
+              </a:rPr>
+              <a:t>的参数</a:t>
+            </a:r>
+            <a:endParaRPr lang="en-US" altLang="zh-CN" dirty="0" smtClean="0">
+              <a:solidFill>
+                <a:srgbClr val="FFFF00"/>
+              </a:solidFill>
+            </a:endParaRPr>
           </a:p>
           <a:p>
             <a:endParaRPr lang="en-US" altLang="zh-CN" dirty="0" smtClean="0"/>
@@ -12764,8 +13111,29 @@
           <a:p>
             <a:r>
               <a:rPr lang="en-US" altLang="zh-CN" dirty="0" smtClean="0"/>
-              <a:t>Filter</a:t>
-            </a:r>
+              <a:t>Filter    </a:t>
+            </a:r>
+            <a:r>
+              <a:rPr lang="zh-CN" altLang="en-US" dirty="0" smtClean="0">
+                <a:solidFill>
+                  <a:srgbClr val="FFFF00"/>
+                </a:solidFill>
+              </a:rPr>
+              <a:t>函数</a:t>
+            </a:r>
+            <a:r>
+              <a:rPr lang="zh-CN" altLang="en-US" dirty="0">
+                <a:solidFill>
+                  <a:srgbClr val="FFFF00"/>
+                </a:solidFill>
+              </a:rPr>
+              <a:t>嵌套</a:t>
+            </a:r>
+            <a:endParaRPr lang="en-US" altLang="zh-CN" dirty="0" smtClean="0">
+              <a:solidFill>
+                <a:srgbClr val="FFFF00"/>
+              </a:solidFill>
+            </a:endParaRPr>
           </a:p>
           <a:p>
             <a:pPr lvl="1"/>
@@ -13207,6 +13575,11 @@
           <a:bodyPr/>
           <a:lstStyle/>
           <a:p>
+            <a:pPr>
+              <a:lnSpc>
+                <a:spcPct val="150000"/>
+              </a:lnSpc>
+            </a:pPr>
             <a:r>
               <a:rPr lang="zh-CN" altLang="en-US" dirty="0" smtClean="0"/>
               <a:t>在 </a:t>
@@ -13229,6 +13602,11 @@
             </a:r>
           </a:p>
           <a:p>
+            <a:pPr>
+              <a:lnSpc>
+                <a:spcPct val="150000"/>
+              </a:lnSpc>
+            </a:pPr>
             <a:r>
               <a:rPr lang="zh-CN" altLang="en-US" dirty="0" smtClean="0"/>
               <a:t>在 </a:t>
@@ -13317,7 +13695,7 @@
         <p:spPr/>
         <p:txBody>
           <a:bodyPr>
-            <a:normAutofit fontScale="77500" lnSpcReduction="20000"/>
+            <a:normAutofit fontScale="55000" lnSpcReduction="20000"/>
           </a:bodyPr>
           <a:lstStyle/>
           <a:p>
@@ -13377,13 +13755,14 @@
               <a:t>面向消息（代表：</a:t>
             </a:r>
             <a:r>
-              <a:rPr lang="en-US" altLang="zh-CN" dirty="0" err="1"/>
+              <a:rPr lang="en-US" altLang="zh-CN" dirty="0" err="1" smtClean="0"/>
               <a:t>Erlang</a:t>
             </a:r>
             <a:r>
-              <a:rPr lang="zh-CN" altLang="en-US" dirty="0"/>
+              <a:rPr lang="zh-CN" altLang="en-US" dirty="0" smtClean="0"/>
               <a:t>）</a:t>
             </a:r>
+            <a:endParaRPr lang="zh-CN" altLang="en-US" dirty="0"/>
           </a:p>
           <a:p>
             <a:pPr>
@@ -13465,8 +13844,80 @@
             </a:r>
             <a:r>
               <a:rPr lang="zh-CN" altLang="en-US" sz="1800" dirty="0"/>
-              <a:t>），指的是计算机编程的基本风格或典范模式。借用哲学的术语，如果说每个编程者都在创造虚拟世界，那么编程范式就是他们置身其中自觉不自觉采用的世界观和方法论。</a:t>
-            </a:r>
+              <a:t>），指的是计算机编程的基本风格或典范模式。借用哲学的术语，如果说每个编程者都在创造虚拟世界，那么编程范式就是他们置身其中自觉不自觉采用的世界观和方法论</a:t>
+            </a:r>
+            <a:r>
+              <a:rPr lang="zh-CN" altLang="en-US" sz="1800" dirty="0" smtClean="0"/>
+              <a:t>。</a:t>
+            </a:r>
+            <a:endParaRPr lang="en-US" altLang="zh-CN" sz="1800" dirty="0" smtClean="0"/>
+          </a:p>
+          <a:p>
+            <a:pPr>
+              <a:lnSpc>
+                <a:spcPct val="170000"/>
+              </a:lnSpc>
+            </a:pPr>
+            <a:endParaRPr lang="en-US" altLang="zh-CN" sz="1800" dirty="0" smtClean="0"/>
+          </a:p>
+          <a:p>
+            <a:pPr fontAlgn="base">
+              <a:lnSpc>
+                <a:spcPct val="170000"/>
+              </a:lnSpc>
+            </a:pPr>
+            <a:r>
+              <a:rPr lang="zh-CN" altLang="en-US" sz="1800" dirty="0"/>
+              <a:t>我们知道，编程是为了解决问题，而解决问题可以有多种视角和思路，其中普适且行之有效的模式被归结为范式。比如我们常用的“面向对象编程”就是一种范式。</a:t>
+            </a:r>
+          </a:p>
+          <a:p>
+            <a:pPr fontAlgn="base">
+              <a:lnSpc>
+                <a:spcPct val="170000"/>
+              </a:lnSpc>
+            </a:pPr>
+            <a:r>
+              <a:rPr lang="zh-CN" altLang="en-US" sz="1800" dirty="0"/>
+              <a:t>如果把一门编程语言比作</a:t>
+            </a:r>
+            <a:r>
+              <a:rPr lang="zh-CN" altLang="en-US" sz="1800" dirty="0">
+                <a:solidFill>
+                  <a:srgbClr val="FFFF00"/>
+                </a:solidFill>
+              </a:rPr>
+              <a:t>兵器</a:t>
+            </a:r>
+            <a:r>
+              <a:rPr lang="zh-CN" altLang="en-US" sz="1800" dirty="0"/>
+              <a:t>，它的语法、工具和技巧等是</a:t>
+            </a:r>
+            <a:r>
+              <a:rPr lang="zh-CN" altLang="en-US" sz="1800" dirty="0">
+                <a:solidFill>
+                  <a:srgbClr val="FFFF00"/>
+                </a:solidFill>
+              </a:rPr>
+              <a:t>招法</a:t>
+            </a:r>
+            <a:r>
+              <a:rPr lang="zh-CN" altLang="en-US" sz="1800" dirty="0"/>
+              <a:t>，它采用的编程范式则是</a:t>
+            </a:r>
+            <a:r>
+              <a:rPr lang="zh-CN" altLang="en-US" sz="1800" dirty="0">
+                <a:solidFill>
+                  <a:srgbClr val="FFFF00"/>
+                </a:solidFill>
+              </a:rPr>
+              <a:t>心法</a:t>
+            </a:r>
+            <a:r>
+              <a:rPr lang="zh-CN" altLang="en-US" sz="1800" dirty="0" smtClean="0"/>
+              <a:t>。</a:t>
+            </a:r>
+            <a:endParaRPr lang="zh-CN" altLang="en-US" sz="1800" dirty="0"/>
           </a:p>
         </p:txBody>
       </p:sp>
@@ -13538,9 +13989,16 @@
         </p:nvSpPr>
         <p:spPr/>
         <p:txBody>
-          <a:bodyPr/>
+          <a:bodyPr>
+            <a:normAutofit/>
+          </a:bodyPr>
           <a:lstStyle/>
           <a:p>
+            <a:pPr>
+              <a:lnSpc>
+                <a:spcPct val="150000"/>
+              </a:lnSpc>
+            </a:pPr>
             <a:r>
               <a:rPr lang="en-US" altLang="zh-CN" dirty="0" err="1"/>
               <a:t>Golang</a:t>
@@ -13556,6 +14014,11 @@
             <a:endParaRPr lang="en-US" altLang="zh-CN" dirty="0" smtClean="0"/>
           </a:p>
           <a:p>
+            <a:pPr>
+              <a:lnSpc>
+                <a:spcPct val="150000"/>
+              </a:lnSpc>
+            </a:pPr>
             <a:r>
               <a:rPr lang="en-US" altLang="zh-CN" dirty="0" err="1" smtClean="0"/>
               <a:t>Golang</a:t>
@@ -13571,6 +14034,11 @@
             <a:endParaRPr lang="en-US" altLang="zh-CN" dirty="0" smtClean="0"/>
           </a:p>
           <a:p>
+            <a:pPr>
+              <a:lnSpc>
+                <a:spcPct val="150000"/>
+              </a:lnSpc>
+            </a:pPr>
             <a:r>
               <a:rPr lang="zh-CN" altLang="en-US" dirty="0" smtClean="0"/>
               <a:t>连接</a:t>
@@ -13586,6 +14054,11 @@
             <a:endParaRPr lang="en-US" altLang="zh-CN" dirty="0" smtClean="0"/>
           </a:p>
           <a:p>
+            <a:pPr>
+              <a:lnSpc>
+                <a:spcPct val="150000"/>
+              </a:lnSpc>
+            </a:pPr>
             <a:r>
               <a:rPr lang="zh-CN" altLang="en-US" dirty="0" smtClean="0"/>
               <a:t>连接</a:t>
@@ -13612,6 +14085,11 @@
             </a:r>
           </a:p>
           <a:p>
+            <a:pPr>
+              <a:lnSpc>
+                <a:spcPct val="150000"/>
+              </a:lnSpc>
+            </a:pPr>
             <a:r>
               <a:rPr lang="zh-CN" altLang="en-US" dirty="0">
                 <a:solidFill>
@@ -13631,17 +14109,15 @@
             </a:endParaRPr>
           </a:p>
           <a:p>
+            <a:pPr>
+              <a:lnSpc>
+                <a:spcPct val="150000"/>
+              </a:lnSpc>
+            </a:pPr>
             <a:r>
               <a:rPr lang="zh-CN" altLang="en-US" dirty="0" smtClean="0"/>
               <a:t>总结</a:t>
             </a:r>
-            <a:r>
-              <a:rPr lang="en-US" altLang="zh-CN" dirty="0"/>
-              <a:t/>
-            </a:r>
-            <a:br>
-              <a:rPr lang="en-US" altLang="zh-CN" dirty="0"/>
-            </a:br>
             <a:endParaRPr lang="zh-CN" altLang="en-US" dirty="0"/>
           </a:p>
         </p:txBody>
@@ -13825,10 +14301,18 @@
               </a:lnSpc>
             </a:pPr>
             <a:r>
-              <a:rPr lang="zh-CN" altLang="en-US" dirty="0" smtClean="0"/>
+              <a:rPr lang="zh-CN" altLang="en-US" dirty="0" smtClean="0">
+                <a:solidFill>
+                  <a:srgbClr val="FFFF00"/>
+                </a:solidFill>
+              </a:rPr>
               <a:t>用组合实现继承</a:t>
             </a:r>
-            <a:endParaRPr lang="en-US" altLang="zh-CN" dirty="0"/>
+            <a:endParaRPr lang="en-US" altLang="zh-CN" dirty="0">
+              <a:solidFill>
+                <a:srgbClr val="FFFF00"/>
+              </a:solidFill>
+            </a:endParaRPr>
           </a:p>
           <a:p>
             <a:endParaRPr lang="zh-CN" altLang="en-US" dirty="0"/>
@@ -13928,7 +14412,19 @@
             </a:pPr>
             <a:r>
               <a:rPr lang="zh-CN" altLang="en-US" dirty="0"/>
-              <a:t>只有名字以大写字母开头的变量，函数</a:t>
+              <a:t>只有名字以</a:t>
+            </a:r>
+            <a:r>
+              <a:rPr lang="zh-CN" altLang="en-US" dirty="0">
+                <a:solidFill>
+                  <a:srgbClr val="FFFF00"/>
+                </a:solidFill>
+              </a:rPr>
+              <a:t>大写字母</a:t>
+            </a:r>
+            <a:r>
+              <a:rPr lang="zh-CN" altLang="en-US" dirty="0"/>
+              <a:t>开头的变量，函数</a:t>
             </a:r>
             <a:r>
               <a:rPr lang="en-US" altLang="zh-CN" dirty="0"/>
@@ -14264,7 +14760,19 @@
             </a:pPr>
             <a:r>
               <a:rPr lang="zh-CN" altLang="zh-CN" dirty="0"/>
-              <a:t>父类常常会定义一部分子类的表现特征，使得父类和子类之间的实现代码产生相互依赖，也就是所谓的</a:t>
+              <a:t>父类常常会定义一部分子类的表现特征，使得父类和子类之间的实现代码产生相互</a:t>
+            </a:r>
+            <a:r>
+              <a:rPr lang="zh-CN" altLang="zh-CN" dirty="0">
+                <a:solidFill>
+                  <a:srgbClr val="FFFF00"/>
+                </a:solidFill>
+              </a:rPr>
+              <a:t>依赖</a:t>
+            </a:r>
+            <a:r>
+              <a:rPr lang="zh-CN" altLang="zh-CN" dirty="0"/>
+              <a:t>，也就是所谓的</a:t>
             </a:r>
             <a:r>
               <a:rPr lang="zh-CN" altLang="zh-CN" dirty="0">
@@ -14345,7 +14853,7 @@
         </p:blipFill>
         <p:spPr bwMode="auto">
           <a:xfrm>
-            <a:off x="527615" y="2217022"/>
+            <a:off x="565704" y="2204864"/>
             <a:ext cx="8220849" cy="3804266"/>
           </a:xfrm>
           <a:prstGeom prst="rect">
@@ -14576,8 +15084,20 @@
             </a:r>
             <a:r>
               <a:rPr lang="zh-CN" altLang="en-US" dirty="0"/>
-              <a:t>但 二者不是继承 是组合的关系</a:t>
-            </a:r>
+              <a:t>但 二者不是继承 是组合的</a:t>
+            </a:r>
+            <a:r>
+              <a:rPr lang="zh-CN" altLang="en-US" dirty="0" smtClean="0"/>
+              <a:t>关系</a:t>
+            </a:r>
+          </a:p>
+          <a:p>
+            <a:pPr>
+              <a:lnSpc>
+                <a:spcPct val="170000"/>
+              </a:lnSpc>
+            </a:pPr>
+            <a:endParaRPr lang="zh-CN" altLang="en-US" dirty="0"/>
           </a:p>
           <a:p>
             <a:pPr>
@@ -14855,22 +15375,46 @@
             </a:pPr>
             <a:r>
               <a:rPr lang="zh-CN" altLang="en-US" dirty="0"/>
-              <a:t>比起继承，它又少了点东西。比如，你无法将一个</a:t>
-            </a:r>
-            <a:r>
-              <a:rPr lang="en-US" altLang="zh-CN" dirty="0" err="1"/>
+              <a:t>比起继承，它又少了点东西。比如，</a:t>
+            </a:r>
+            <a:r>
+              <a:rPr lang="zh-CN" altLang="en-US" dirty="0">
+                <a:solidFill>
+                  <a:srgbClr val="FFFF00"/>
+                </a:solidFill>
+              </a:rPr>
+              <a:t>你无法将一个</a:t>
+            </a:r>
+            <a:r>
+              <a:rPr lang="en-US" altLang="zh-CN" dirty="0" err="1">
+                <a:solidFill>
+                  <a:srgbClr val="FFFF00"/>
+                </a:solidFill>
+              </a:rPr>
               <a:t>DonaldDuck</a:t>
             </a:r>
             <a:r>
-              <a:rPr lang="zh-CN" altLang="en-US" dirty="0"/>
+              <a:rPr lang="zh-CN" altLang="en-US" dirty="0">
+                <a:solidFill>
+                  <a:srgbClr val="FFFF00"/>
+                </a:solidFill>
+              </a:rPr>
               <a:t>类型的对象地址赋值给一个</a:t>
             </a:r>
             <a:r>
-              <a:rPr lang="en-US" altLang="zh-CN" dirty="0"/>
+              <a:rPr lang="en-US" altLang="zh-CN" dirty="0">
+                <a:solidFill>
+                  <a:srgbClr val="FFFF00"/>
+                </a:solidFill>
+              </a:rPr>
               <a:t>Duck</a:t>
             </a:r>
             <a:r>
-              <a:rPr lang="zh-CN" altLang="en-US" dirty="0"/>
+              <a:rPr lang="zh-CN" altLang="en-US" dirty="0">
+                <a:solidFill>
+                  <a:srgbClr val="FFFF00"/>
+                </a:solidFill>
+              </a:rPr>
               <a:t>类型的指针</a:t>
             </a:r>
             <a:r>
@@ -15054,8 +15598,28 @@
               </a:lnSpc>
             </a:pPr>
             <a:r>
-              <a:rPr lang="zh-CN" altLang="en-US" dirty="0"/>
-              <a:t>任何具名类型或指向具名类型的指针都可以用作匿名字段。它们可以出现在结构体中的任意位置</a:t>
+              <a:rPr lang="zh-CN" altLang="en-US" dirty="0" smtClean="0"/>
+              <a:t>任何类型</a:t>
+            </a:r>
+            <a:r>
+              <a:rPr lang="zh-CN" altLang="en-US" dirty="0"/>
+              <a:t>或</a:t>
+            </a:r>
+            <a:r>
+              <a:rPr lang="zh-CN" altLang="en-US" dirty="0" smtClean="0"/>
+              <a:t>指向类型</a:t>
+            </a:r>
+            <a:r>
+              <a:rPr lang="zh-CN" altLang="en-US" dirty="0"/>
+              <a:t>的指针都可以用作匿名字段。它们可以出现在结构体中的</a:t>
+            </a:r>
+            <a:r>
+              <a:rPr lang="zh-CN" altLang="en-US" dirty="0">
+                <a:solidFill>
+                  <a:srgbClr val="FFFF00"/>
+                </a:solidFill>
+              </a:rPr>
+              <a:t>任意位置</a:t>
             </a:r>
             <a:r>
               <a:rPr lang="zh-CN" altLang="en-US" dirty="0" smtClean="0"/>
@@ -15309,8 +15873,16 @@
               </a:lnSpc>
             </a:pPr>
             <a:r>
-              <a:rPr lang="zh-CN" altLang="en-US" dirty="0"/>
-              <a:t>二义性是没有规则能解决的，必须被修正。</a:t>
+              <a:rPr lang="zh-CN" altLang="en-US" dirty="0">
+                <a:solidFill>
+                  <a:srgbClr val="FFFF00"/>
+                </a:solidFill>
+              </a:rPr>
+              <a:t>二义性</a:t>
+            </a:r>
+            <a:r>
+              <a:rPr lang="zh-CN" altLang="en-US" dirty="0"/>
+              <a:t>是没有规则能解决的，必须被修正。</a:t>
             </a:r>
           </a:p>
           <a:p>
@@ -15499,6 +16071,13 @@
               <a:rPr lang="zh-CN" altLang="en-US" dirty="0" smtClean="0"/>
               <a:t>。</a:t>
             </a:r>
+          </a:p>
+          <a:p>
+            <a:pPr>
+              <a:lnSpc>
+                <a:spcPct val="160000"/>
+              </a:lnSpc>
+            </a:pPr>
             <a:endParaRPr lang="en-US" altLang="zh-CN" dirty="0" smtClean="0"/>
           </a:p>
           <a:p>
@@ -15735,7 +16314,31 @@
             </a:r>
             <a:r>
               <a:rPr lang="zh-CN" altLang="en-US" sz="1600" dirty="0"/>
-              <a:t>的类不同，为结构体添加方法不必在声明结构体的时候就声明该方法。只需要保证方法与结构体定义在同一个包（</a:t>
+              <a:t>的类不同，为结构体添加方法</a:t>
+            </a:r>
+            <a:r>
+              <a:rPr lang="zh-CN" altLang="en-US" sz="1600" dirty="0">
+                <a:solidFill>
+                  <a:srgbClr val="FFFF00"/>
+                </a:solidFill>
+              </a:rPr>
+              <a:t>不必在声明结构体的时候就声明该方法</a:t>
+            </a:r>
+            <a:r>
+              <a:rPr lang="zh-CN" altLang="en-US" sz="1600" dirty="0"/>
+              <a:t>。只需要保证方法与结构体定义在</a:t>
+            </a:r>
+            <a:r>
+              <a:rPr lang="zh-CN" altLang="en-US" sz="1600" dirty="0">
+                <a:solidFill>
+                  <a:srgbClr val="FFFF00"/>
+                </a:solidFill>
+              </a:rPr>
+              <a:t>同一个包</a:t>
+            </a:r>
+            <a:r>
+              <a:rPr lang="zh-CN" altLang="en-US" sz="1600" dirty="0"/>
+              <a:t>（</a:t>
             </a:r>
             <a:r>
               <a:rPr lang="en-US" altLang="zh-CN" sz="1600" dirty="0"/>
@@ -15762,8 +16365,16 @@
               <a:t>由此</a:t>
             </a:r>
             <a:r>
+              <a:rPr lang="zh-CN" altLang="en-US" sz="1600" dirty="0">
+                <a:solidFill>
+                  <a:srgbClr val="FFFF00"/>
+                </a:solidFill>
+              </a:rPr>
+              <a:t>数据与行为被分离</a:t>
+            </a:r>
+            <a:r>
               <a:rPr lang="zh-CN" altLang="en-US" sz="1600" dirty="0"/>
-              <a:t>数据与行为被分离，在设计数据抽象（结构体）阶段，不必考虑具体哪些行为</a:t>
+              <a:t>，在设计数据抽象（结构体）阶段，不必考虑具体哪些行为</a:t>
             </a:r>
             <a:r>
               <a:rPr lang="zh-CN" altLang="en-US" sz="1600" dirty="0" smtClean="0"/>
@@ -15988,7 +16599,7 @@
         <p:spPr/>
         <p:txBody>
           <a:bodyPr>
-            <a:normAutofit fontScale="55000" lnSpcReduction="20000"/>
+            <a:normAutofit fontScale="47500" lnSpcReduction="20000"/>
           </a:bodyPr>
           <a:lstStyle/>
           <a:p>
@@ -16192,6 +16803,85 @@
               <a:lnSpc>
                 <a:spcPct val="160000"/>
               </a:lnSpc>
+            </a:pPr>
+            <a:endParaRPr lang="en-US" altLang="zh-CN" dirty="0" smtClean="0"/>
+          </a:p>
+          <a:p>
+            <a:endParaRPr lang="en-US" altLang="zh-CN" dirty="0" smtClean="0"/>
+          </a:p>
+          <a:p>
+            <a:r>
+              <a:rPr lang="en-US" altLang="zh-CN" dirty="0" smtClean="0"/>
+              <a:t>C</a:t>
+            </a:r>
+            <a:r>
+              <a:rPr lang="zh-CN" altLang="en-US" dirty="0"/>
+              <a:t>语言是纯过程式的， </a:t>
+            </a:r>
+            <a:r>
+              <a:rPr lang="en-US" altLang="zh-CN" dirty="0"/>
+              <a:t>Java</a:t>
+            </a:r>
+            <a:r>
+              <a:rPr lang="zh-CN" altLang="en-US" dirty="0"/>
+              <a:t>是激进的面向对象主义崇拜者，典型表现是不能容忍体系里存在孤立的函数</a:t>
+            </a:r>
+            <a:r>
+              <a:rPr lang="zh-CN" altLang="en-US" dirty="0" smtClean="0"/>
+              <a:t>。而</a:t>
+            </a:r>
+            <a:r>
+              <a:rPr lang="en-US" altLang="zh-CN" dirty="0"/>
+              <a:t>Go</a:t>
+            </a:r>
+            <a:r>
+              <a:rPr lang="zh-CN" altLang="en-US" dirty="0"/>
+              <a:t>语言没有去否定任何一方，而是用批判的眼光，将所有编程思想做了一次梳理，</a:t>
+            </a:r>
+            <a:r>
+              <a:rPr lang="zh-CN" altLang="en-US" dirty="0">
+                <a:solidFill>
+                  <a:srgbClr val="FFFF00"/>
+                </a:solidFill>
+              </a:rPr>
+              <a:t>融合众家之长</a:t>
+            </a:r>
+            <a:r>
+              <a:rPr lang="zh-CN" altLang="en-US" dirty="0"/>
+              <a:t>，但</a:t>
+            </a:r>
+            <a:r>
+              <a:rPr lang="zh-CN" altLang="en-US" dirty="0">
+                <a:solidFill>
+                  <a:srgbClr val="FFFF00"/>
+                </a:solidFill>
+              </a:rPr>
+              <a:t>时刻警惕特性复杂化</a:t>
+            </a:r>
+            <a:r>
+              <a:rPr lang="zh-CN" altLang="en-US" dirty="0"/>
+              <a:t>，极力维持语言特性的</a:t>
+            </a:r>
+            <a:r>
+              <a:rPr lang="zh-CN" altLang="en-US" dirty="0">
+                <a:solidFill>
+                  <a:srgbClr val="FFFF00"/>
+                </a:solidFill>
+              </a:rPr>
+              <a:t>简洁，力求小而精</a:t>
+            </a:r>
+            <a:r>
+              <a:rPr lang="zh-CN" altLang="en-US" dirty="0"/>
+              <a:t>。</a:t>
+            </a:r>
+            <a:endParaRPr lang="en-US" altLang="zh-CN" dirty="0"/>
+          </a:p>
+          <a:p>
+            <a:pPr marL="0" indent="0">
+              <a:lnSpc>
+                <a:spcPct val="160000"/>
+              </a:lnSpc>
+              <a:buNone/>
             </a:pPr>
             <a:endParaRPr lang="zh-CN" altLang="en-US" dirty="0"/>
           </a:p>
@@ -16273,15 +16963,56 @@
         </p:nvSpPr>
         <p:spPr>
           <a:xfrm>
-            <a:off x="5292080" y="1779106"/>
-            <a:ext cx="3538736" cy="4526280"/>
+            <a:off x="5163834" y="1495301"/>
+            <a:ext cx="3522966" cy="5104407"/>
           </a:xfrm>
         </p:spPr>
         <p:txBody>
           <a:bodyPr>
-            <a:normAutofit fontScale="47500" lnSpcReduction="20000"/>
+            <a:noAutofit/>
           </a:bodyPr>
           <a:lstStyle/>
+          <a:p>
+            <a:pPr marL="0" indent="0">
+              <a:lnSpc>
+                <a:spcPct val="170000"/>
+              </a:lnSpc>
+              <a:buNone/>
+            </a:pPr>
+            <a:r>
+              <a:rPr lang="zh-CN" altLang="en-US" sz="1400" dirty="0"/>
+              <a:t>这相当于</a:t>
+            </a:r>
+            <a:r>
+              <a:rPr lang="en-US" altLang="zh-CN" sz="1400" dirty="0"/>
+              <a:t>C</a:t>
+            </a:r>
+            <a:r>
+              <a:rPr lang="zh-CN" altLang="en-US" sz="1400" dirty="0"/>
+              <a:t>中的</a:t>
+            </a:r>
+            <a:r>
+              <a:rPr lang="zh-CN" altLang="en-US" sz="1400" dirty="0">
+                <a:solidFill>
+                  <a:srgbClr val="FFFF00"/>
+                </a:solidFill>
+              </a:rPr>
+              <a:t>按指针传递和按值传递</a:t>
+            </a:r>
+            <a:r>
+              <a:rPr lang="zh-CN" altLang="en-US" sz="1400" dirty="0" smtClean="0">
+                <a:solidFill>
+                  <a:srgbClr val="FFFF00"/>
+                </a:solidFill>
+              </a:rPr>
+              <a:t>参数</a:t>
+            </a:r>
+            <a:endParaRPr lang="en-US" altLang="zh-CN" sz="1400" dirty="0" smtClean="0">
+              <a:solidFill>
+                <a:srgbClr val="FFFF00"/>
+              </a:solidFill>
+            </a:endParaRPr>
+          </a:p>
           <a:p>
             <a:pPr>
               <a:lnSpc>
@@ -16289,138 +17020,114 @@
               </a:lnSpc>
             </a:pPr>
             <a:r>
-              <a:rPr lang="zh-CN" altLang="en-US" dirty="0"/>
-              <a:t>这相当于</a:t>
-            </a:r>
-            <a:r>
-              <a:rPr lang="en-US" altLang="zh-CN" dirty="0"/>
-              <a:t>C</a:t>
-            </a:r>
-            <a:r>
-              <a:rPr lang="zh-CN" altLang="en-US" dirty="0"/>
-              <a:t>中的按指针传递和按值传递</a:t>
-            </a:r>
-            <a:r>
-              <a:rPr lang="zh-CN" altLang="en-US" dirty="0" smtClean="0"/>
-              <a:t>参数</a:t>
-            </a:r>
-            <a:endParaRPr lang="en-US" altLang="zh-CN" dirty="0" smtClean="0"/>
-          </a:p>
-          <a:p>
-            <a:pPr lvl="1">
+              <a:rPr lang="zh-CN" altLang="en-US" sz="1400" dirty="0" smtClean="0"/>
+              <a:t>如果</a:t>
+            </a:r>
+            <a:r>
+              <a:rPr lang="zh-CN" altLang="en-US" sz="1400" dirty="0"/>
+              <a:t>方法内部会修改当前对象的</a:t>
+            </a:r>
+            <a:r>
+              <a:rPr lang="en-US" altLang="zh-CN" sz="1400" dirty="0"/>
+              <a:t>field</a:t>
+            </a:r>
+            <a:r>
+              <a:rPr lang="zh-CN" altLang="en-US" sz="1400" dirty="0"/>
+              <a:t>，需要用指针。从上面的例子可以知道这</a:t>
+            </a:r>
+            <a:r>
+              <a:rPr lang="zh-CN" altLang="en-US" sz="1400" dirty="0" smtClean="0"/>
+              <a:t>一点</a:t>
+            </a:r>
+            <a:endParaRPr lang="en-US" altLang="zh-CN" sz="1400" dirty="0" smtClean="0"/>
+          </a:p>
+          <a:p>
+            <a:pPr>
               <a:lnSpc>
                 <a:spcPct val="170000"/>
               </a:lnSpc>
             </a:pPr>
             <a:r>
-              <a:rPr lang="zh-CN" altLang="en-US" dirty="0" smtClean="0"/>
-              <a:t>如果</a:t>
-            </a:r>
-            <a:r>
-              <a:rPr lang="zh-CN" altLang="en-US" dirty="0"/>
-              <a:t>方法内部会修改当前对象的</a:t>
-            </a:r>
-            <a:r>
-              <a:rPr lang="en-US" altLang="zh-CN" dirty="0"/>
-              <a:t>field</a:t>
-            </a:r>
-            <a:r>
-              <a:rPr lang="zh-CN" altLang="en-US" dirty="0"/>
-              <a:t>，需要用指针。从上面的例子可以知道这</a:t>
-            </a:r>
-            <a:r>
-              <a:rPr lang="zh-CN" altLang="en-US" dirty="0" smtClean="0"/>
-              <a:t>一点</a:t>
-            </a:r>
-            <a:endParaRPr lang="en-US" altLang="zh-CN" dirty="0" smtClean="0"/>
-          </a:p>
-          <a:p>
-            <a:pPr lvl="1">
+              <a:rPr lang="zh-CN" altLang="en-US" sz="1400" dirty="0" smtClean="0"/>
+              <a:t>由于</a:t>
+            </a:r>
+            <a:r>
+              <a:rPr lang="zh-CN" altLang="en-US" sz="1400" dirty="0"/>
+              <a:t>值传递是复制，因此，如果对象比较大，应该用指针，避免内存拷贝</a:t>
+            </a:r>
+            <a:br>
+              <a:rPr lang="zh-CN" altLang="en-US" sz="1400" dirty="0"/>
+            </a:br>
+            <a:r>
+              <a:rPr lang="zh-CN" altLang="en-US" sz="1400" dirty="0"/>
+              <a:t>注意：不见得使用指针就一定好过传值，因为按照 </a:t>
+            </a:r>
+            <a:r>
+              <a:rPr lang="en-US" altLang="zh-CN" sz="1400" dirty="0"/>
+              <a:t>Go </a:t>
+            </a:r>
+            <a:r>
+              <a:rPr lang="zh-CN" altLang="en-US" sz="1400" dirty="0"/>
+              <a:t>的内存管理策略，涉及指针和引用的对象会被分配到 </a:t>
+            </a:r>
+            <a:r>
+              <a:rPr lang="en-US" altLang="zh-CN" sz="1400" dirty="0"/>
+              <a:t>GC Heap </a:t>
+            </a:r>
+            <a:r>
+              <a:rPr lang="zh-CN" altLang="en-US" sz="1400" dirty="0"/>
+              <a:t>上。如果对象很 </a:t>
+            </a:r>
+            <a:r>
+              <a:rPr lang="en-US" altLang="zh-CN" sz="1400" dirty="0"/>
+              <a:t>"</a:t>
+            </a:r>
+            <a:r>
+              <a:rPr lang="zh-CN" altLang="en-US" sz="1400" dirty="0"/>
+              <a:t>小</a:t>
+            </a:r>
+            <a:r>
+              <a:rPr lang="en-US" altLang="zh-CN" sz="1400" dirty="0"/>
+              <a:t>"</a:t>
+            </a:r>
+            <a:r>
+              <a:rPr lang="zh-CN" altLang="en-US" sz="1400" dirty="0"/>
+              <a:t>，显然要比在栈上进行值拷贝 </a:t>
+            </a:r>
+            <a:r>
+              <a:rPr lang="en-US" altLang="zh-CN" sz="1400" dirty="0"/>
+              <a:t>"</a:t>
+            </a:r>
+            <a:r>
+              <a:rPr lang="zh-CN" altLang="en-US" sz="1400" dirty="0"/>
+              <a:t>耗费</a:t>
+            </a:r>
+            <a:r>
+              <a:rPr lang="en-US" altLang="zh-CN" sz="1400" dirty="0"/>
+              <a:t>" </a:t>
+            </a:r>
+            <a:r>
+              <a:rPr lang="zh-CN" altLang="en-US" sz="1400" dirty="0"/>
+              <a:t>更多</a:t>
+            </a:r>
+            <a:r>
+              <a:rPr lang="zh-CN" altLang="en-US" sz="1400" dirty="0" smtClean="0"/>
+              <a:t>。</a:t>
+            </a:r>
+            <a:endParaRPr lang="en-US" altLang="zh-CN" sz="1400" dirty="0" smtClean="0"/>
+          </a:p>
+          <a:p>
+            <a:pPr>
               <a:lnSpc>
                 <a:spcPct val="170000"/>
               </a:lnSpc>
             </a:pPr>
             <a:r>
-              <a:rPr lang="zh-CN" altLang="en-US" dirty="0" smtClean="0"/>
-              <a:t>由于</a:t>
-            </a:r>
-            <a:r>
-              <a:rPr lang="zh-CN" altLang="en-US" dirty="0"/>
-              <a:t>值传递是复制，因此，如果对象比较大，应该用指针，避免内存拷贝</a:t>
-            </a:r>
-            <a:br>
-              <a:rPr lang="zh-CN" altLang="en-US" dirty="0"/>
-            </a:br>
-            <a:r>
-              <a:rPr lang="zh-CN" altLang="en-US" dirty="0"/>
-              <a:t>注意：不见得使用指针就一定好过传值，因为按照 </a:t>
-            </a:r>
-            <a:r>
-              <a:rPr lang="en-US" altLang="zh-CN" dirty="0"/>
-              <a:t>Go </a:t>
-            </a:r>
-            <a:r>
-              <a:rPr lang="zh-CN" altLang="en-US" dirty="0"/>
-              <a:t>的内存管理策略，涉及指针和引用的对象会被分配到 </a:t>
-            </a:r>
-            <a:r>
-              <a:rPr lang="en-US" altLang="zh-CN" dirty="0"/>
-              <a:t>GC Heap </a:t>
-            </a:r>
-            <a:r>
-              <a:rPr lang="zh-CN" altLang="en-US" dirty="0"/>
-              <a:t>上。如果对象很 </a:t>
-            </a:r>
-            <a:r>
-              <a:rPr lang="en-US" altLang="zh-CN" dirty="0"/>
-              <a:t>"</a:t>
-            </a:r>
-            <a:r>
-              <a:rPr lang="zh-CN" altLang="en-US" dirty="0"/>
-              <a:t>小</a:t>
-            </a:r>
-            <a:r>
-              <a:rPr lang="en-US" altLang="zh-CN" dirty="0"/>
-              <a:t>"</a:t>
-            </a:r>
-            <a:r>
-              <a:rPr lang="zh-CN" altLang="en-US" dirty="0"/>
-              <a:t>，显然要比在栈上进行值拷贝 </a:t>
-            </a:r>
-            <a:r>
-              <a:rPr lang="en-US" altLang="zh-CN" dirty="0"/>
-              <a:t>"</a:t>
-            </a:r>
-            <a:r>
-              <a:rPr lang="zh-CN" altLang="en-US" dirty="0"/>
-              <a:t>耗费</a:t>
-            </a:r>
-            <a:r>
-              <a:rPr lang="en-US" altLang="zh-CN" dirty="0"/>
-              <a:t>" </a:t>
-            </a:r>
-            <a:r>
-              <a:rPr lang="zh-CN" altLang="en-US" dirty="0"/>
-              <a:t>更多</a:t>
-            </a:r>
-            <a:r>
-              <a:rPr lang="zh-CN" altLang="en-US" dirty="0" smtClean="0"/>
-              <a:t>。</a:t>
-            </a:r>
-            <a:endParaRPr lang="en-US" altLang="zh-CN" dirty="0" smtClean="0"/>
-          </a:p>
-          <a:p>
-            <a:pPr lvl="1">
-              <a:lnSpc>
-                <a:spcPct val="170000"/>
-              </a:lnSpc>
-            </a:pPr>
-            <a:r>
-              <a:rPr lang="zh-CN" altLang="en-US" dirty="0" smtClean="0"/>
+              <a:rPr lang="zh-CN" altLang="en-US" sz="1400" dirty="0" smtClean="0"/>
               <a:t>对于</a:t>
             </a:r>
             <a:r>
-              <a:rPr lang="zh-CN" altLang="en-US" dirty="0"/>
+              <a:rPr lang="zh-CN" altLang="en-US" sz="1400" dirty="0"/>
               <a:t>类型实现某个接口，需要根据方法集来处理：指针类型方法集包括了值类型方法集</a:t>
             </a:r>
           </a:p>
@@ -17506,9 +18213,13 @@
               <a:t>和</a:t>
             </a:r>
             <a:r>
-              <a:rPr lang="en-US" altLang="zh-CN" dirty="0"/>
+              <a:rPr lang="en-US" altLang="zh-CN" dirty="0" smtClean="0"/>
               <a:t>Pipe</a:t>
             </a:r>
+          </a:p>
+          <a:p>
+            <a:pPr lvl="1"/>
+            <a:endParaRPr lang="en-US" altLang="zh-CN" dirty="0"/>
           </a:p>
           <a:p>
             <a:r>
@@ -17633,17 +18344,11 @@
           <a:bodyPr/>
           <a:lstStyle/>
           <a:p>
-            <a:r>
-              <a:rPr lang="en-US" altLang="zh-CN" dirty="0" err="1"/>
-              <a:t>Golang</a:t>
-            </a:r>
-            <a:r>
-              <a:rPr lang="zh-CN" altLang="en-US" dirty="0"/>
-              <a:t>使用案例分享</a:t>
-            </a:r>
-            <a:endParaRPr lang="en-US" altLang="zh-CN" dirty="0"/>
-          </a:p>
-          <a:p>
+            <a:pPr>
+              <a:lnSpc>
+                <a:spcPct val="150000"/>
+              </a:lnSpc>
+            </a:pPr>
             <a:r>
               <a:rPr lang="en-US" altLang="zh-CN" dirty="0" err="1" smtClean="0"/>
               <a:t>Golang</a:t>
@@ -17659,6 +18364,11 @@
             <a:endParaRPr lang="en-US" altLang="zh-CN" dirty="0" smtClean="0"/>
           </a:p>
           <a:p>
+            <a:pPr>
+              <a:lnSpc>
+                <a:spcPct val="150000"/>
+              </a:lnSpc>
+            </a:pPr>
             <a:r>
               <a:rPr lang="zh-CN" altLang="en-US" dirty="0">
                 <a:solidFill>
@@ -17678,6 +18388,11 @@
             </a:endParaRPr>
           </a:p>
           <a:p>
+            <a:pPr>
+              <a:lnSpc>
+                <a:spcPct val="150000"/>
+              </a:lnSpc>
+            </a:pPr>
             <a:r>
               <a:rPr lang="zh-CN" altLang="en-US" dirty="0" smtClean="0"/>
               <a:t>连接</a:t>
@@ -17704,6 +18419,11 @@
             </a:r>
           </a:p>
           <a:p>
+            <a:pPr>
+              <a:lnSpc>
+                <a:spcPct val="150000"/>
+              </a:lnSpc>
+            </a:pPr>
             <a:r>
               <a:rPr lang="zh-CN" altLang="en-US" dirty="0" smtClean="0"/>
               <a:t>组合</a:t>
@@ -17711,17 +18431,15 @@
             <a:endParaRPr lang="en-US" altLang="zh-CN" dirty="0" smtClean="0"/>
           </a:p>
           <a:p>
+            <a:pPr>
+              <a:lnSpc>
+                <a:spcPct val="150000"/>
+              </a:lnSpc>
+            </a:pPr>
             <a:r>
               <a:rPr lang="zh-CN" altLang="en-US" dirty="0" smtClean="0"/>
               <a:t>总结</a:t>
             </a:r>
-            <a:r>
-              <a:rPr lang="en-US" altLang="zh-CN" dirty="0"/>
-              <a:t/>
-            </a:r>
-            <a:br>
-              <a:rPr lang="en-US" altLang="zh-CN" dirty="0"/>
-            </a:br>
             <a:endParaRPr lang="zh-CN" altLang="en-US" dirty="0"/>
           </a:p>
         </p:txBody>
@@ -17820,6 +18538,31 @@
               <a:rPr lang="zh-CN" altLang="en-US" dirty="0"/>
               <a:t>非侵入式接口 </a:t>
             </a:r>
+            <a:r>
+              <a:rPr lang="en-US" altLang="zh-CN" dirty="0" smtClean="0"/>
+              <a:t>(</a:t>
+            </a:r>
+            <a:r>
+              <a:rPr lang="zh-CN" altLang="en-US" dirty="0">
+                <a:solidFill>
+                  <a:srgbClr val="FFFF00"/>
+                </a:solidFill>
+              </a:rPr>
+              <a:t>后期</a:t>
+            </a:r>
+            <a:r>
+              <a:rPr lang="zh-CN" altLang="en-US" dirty="0" smtClean="0">
+                <a:solidFill>
+                  <a:srgbClr val="FFFF00"/>
+                </a:solidFill>
+              </a:rPr>
+              <a:t>定义</a:t>
+            </a:r>
+            <a:r>
+              <a:rPr lang="en-US" altLang="zh-CN" dirty="0" smtClean="0"/>
+              <a:t>)</a:t>
+            </a:r>
+            <a:endParaRPr lang="zh-CN" altLang="en-US" dirty="0"/>
           </a:p>
           <a:p>
             <a:pPr lvl="1">
@@ -18061,9 +18804,22 @@
         </p:spPr>
         <p:txBody>
           <a:bodyPr>
-            <a:normAutofit fontScale="40000" lnSpcReduction="20000"/>
+            <a:noAutofit/>
           </a:bodyPr>
           <a:lstStyle/>
+          <a:p>
+            <a:pPr marL="0" indent="0">
+              <a:lnSpc>
+                <a:spcPct val="170000"/>
+              </a:lnSpc>
+              <a:buNone/>
+            </a:pPr>
+            <a:r>
+              <a:rPr lang="zh-CN" altLang="en-US" sz="1400" dirty="0" smtClean="0"/>
+              <a:t>好处</a:t>
+            </a:r>
+            <a:endParaRPr lang="en-US" altLang="zh-CN" sz="1400" dirty="0" smtClean="0"/>
+          </a:p>
           <a:p>
             <a:pPr>
               <a:lnSpc>
@@ -18071,70 +18827,98 @@
               </a:lnSpc>
             </a:pPr>
             <a:r>
-              <a:rPr lang="zh-CN" altLang="en-US" dirty="0" smtClean="0"/>
-              <a:t>好处</a:t>
-            </a:r>
-            <a:endParaRPr lang="en-US" altLang="zh-CN" dirty="0" smtClean="0"/>
-          </a:p>
-          <a:p>
-            <a:pPr lvl="1">
+              <a:rPr lang="en-US" altLang="zh-CN" sz="1200" dirty="0"/>
+              <a:t>Go</a:t>
+            </a:r>
+            <a:r>
+              <a:rPr lang="zh-CN" altLang="en-US" sz="1200" dirty="0"/>
+              <a:t>语言的标准库，再也</a:t>
+            </a:r>
+            <a:r>
+              <a:rPr lang="zh-CN" altLang="en-US" sz="1200" dirty="0">
+                <a:solidFill>
+                  <a:srgbClr val="FFFF00"/>
+                </a:solidFill>
+              </a:rPr>
+              <a:t>不需要</a:t>
+            </a:r>
+            <a:r>
+              <a:rPr lang="zh-CN" altLang="en-US" sz="1200" dirty="0"/>
+              <a:t>绘制类库的</a:t>
+            </a:r>
+            <a:r>
+              <a:rPr lang="zh-CN" altLang="en-US" sz="1200" dirty="0">
+                <a:solidFill>
+                  <a:srgbClr val="FFFF00"/>
+                </a:solidFill>
+              </a:rPr>
+              <a:t>继承树图</a:t>
+            </a:r>
+            <a:r>
+              <a:rPr lang="zh-CN" altLang="en-US" sz="1200" dirty="0" smtClean="0"/>
+              <a:t>。</a:t>
+            </a:r>
+            <a:endParaRPr lang="en-US" altLang="zh-CN" sz="1200" dirty="0" smtClean="0"/>
+          </a:p>
+          <a:p>
+            <a:pPr>
               <a:lnSpc>
                 <a:spcPct val="170000"/>
               </a:lnSpc>
             </a:pPr>
             <a:r>
-              <a:rPr lang="en-US" altLang="zh-CN" dirty="0"/>
-              <a:t>Go</a:t>
-            </a:r>
-            <a:r>
-              <a:rPr lang="zh-CN" altLang="en-US" dirty="0"/>
-              <a:t>语言的标准库，再也不需要绘制类库的继承树图</a:t>
-            </a:r>
-            <a:r>
-              <a:rPr lang="zh-CN" altLang="en-US" dirty="0" smtClean="0"/>
+              <a:rPr lang="zh-CN" altLang="en-US" sz="1200" dirty="0" smtClean="0">
+                <a:solidFill>
+                  <a:srgbClr val="FFFF00"/>
+                </a:solidFill>
+              </a:rPr>
+              <a:t>解耦</a:t>
+            </a:r>
+            <a:r>
+              <a:rPr lang="zh-CN" altLang="en-US" sz="1200" dirty="0" smtClean="0"/>
+              <a:t>，不用</a:t>
+            </a:r>
+            <a:r>
+              <a:rPr lang="zh-CN" altLang="en-US" sz="1200" dirty="0"/>
+              <a:t>为了实现一个接口而导入一个包，因为多引用一个外部的包，就意味着更多的耦合。接口由使用方按自身需求来定义，使用方无需关心是否有其他模块定义过类似的接口</a:t>
+            </a:r>
+            <a:r>
+              <a:rPr lang="zh-CN" altLang="en-US" sz="1200" dirty="0" smtClean="0"/>
               <a:t>。</a:t>
             </a:r>
-            <a:endParaRPr lang="en-US" altLang="zh-CN" dirty="0" smtClean="0"/>
-          </a:p>
-          <a:p>
-            <a:pPr lvl="1">
+            <a:endParaRPr lang="zh-CN" altLang="en-US" sz="1200" dirty="0"/>
+          </a:p>
+          <a:p>
+            <a:pPr>
               <a:lnSpc>
                 <a:spcPct val="170000"/>
               </a:lnSpc>
             </a:pPr>
             <a:r>
-              <a:rPr lang="zh-CN" altLang="en-US" dirty="0" smtClean="0"/>
-              <a:t>不用</a:t>
-            </a:r>
-            <a:r>
-              <a:rPr lang="zh-CN" altLang="en-US" dirty="0"/>
-              <a:t>为了实现一个接口而导入一个包，因为多引用一个外部的包，就意味着更多的耦合。接口由使用方按自身需求来定义，使用方无需关心是否有其他模块定义过类似的接口</a:t>
-            </a:r>
-            <a:r>
-              <a:rPr lang="zh-CN" altLang="en-US" dirty="0" smtClean="0"/>
+              <a:rPr lang="zh-CN" altLang="en-US" sz="1200" dirty="0" smtClean="0">
+                <a:solidFill>
+                  <a:srgbClr val="FFFF00"/>
+                </a:solidFill>
+              </a:rPr>
+              <a:t>事后定义</a:t>
+            </a:r>
+            <a:r>
+              <a:rPr lang="zh-CN" altLang="en-US" sz="1200" dirty="0" smtClean="0"/>
+              <a:t>，</a:t>
+            </a:r>
+            <a:r>
+              <a:rPr lang="zh-CN" altLang="en-US" sz="1200" dirty="0" smtClean="0"/>
+              <a:t>实现</a:t>
+            </a:r>
+            <a:r>
+              <a:rPr lang="zh-CN" altLang="en-US" sz="1200" dirty="0"/>
+              <a:t>类的时候，只需要关心自己应该提供哪些方法，不用再纠结接口需要拆得多细才合理。接口由使用方按需定义，而不用事前规划</a:t>
+            </a:r>
+            <a:r>
+              <a:rPr lang="zh-CN" altLang="en-US" sz="1200" dirty="0" smtClean="0"/>
               <a:t>。</a:t>
             </a:r>
-            <a:endParaRPr lang="zh-CN" altLang="en-US" dirty="0"/>
-          </a:p>
-          <a:p>
-            <a:pPr lvl="1">
-              <a:lnSpc>
-                <a:spcPct val="170000"/>
-              </a:lnSpc>
-            </a:pPr>
-            <a:r>
-              <a:rPr lang="zh-CN" altLang="en-US" dirty="0" smtClean="0"/>
-              <a:t>实现</a:t>
-            </a:r>
-            <a:r>
-              <a:rPr lang="zh-CN" altLang="en-US" dirty="0"/>
-              <a:t>类的时候，只需要关心自己应该提供哪些方法，不用再纠结接口需要拆得多细才合理。接口由使用方按需定义，而不用事前规划</a:t>
-            </a:r>
-            <a:r>
-              <a:rPr lang="zh-CN" altLang="en-US" dirty="0" smtClean="0"/>
-              <a:t>。</a:t>
-            </a:r>
-            <a:endParaRPr lang="en-US" altLang="zh-CN" dirty="0" smtClean="0"/>
+            <a:endParaRPr lang="en-US" altLang="zh-CN" sz="1200" dirty="0" smtClean="0"/>
           </a:p>
         </p:txBody>
       </p:sp>
